--- a/15-NormalityTesting/15-Roudaut-test-normality-45min.pptx
+++ b/15-NormalityTesting/15-Roudaut-test-normality-45min.pptx
@@ -5,7 +5,7 @@
     <p:sldMasterId id="2147483648" r:id="rId1"/>
   </p:sldMasterIdLst>
   <p:notesMasterIdLst>
-    <p:notesMasterId r:id="rId62"/>
+    <p:notesMasterId r:id="rId63"/>
   </p:notesMasterIdLst>
   <p:sldIdLst>
     <p:sldId id="1701" r:id="rId2"/>
@@ -64,10 +64,11 @@
     <p:sldId id="2864" r:id="rId55"/>
     <p:sldId id="2863" r:id="rId56"/>
     <p:sldId id="2866" r:id="rId57"/>
-    <p:sldId id="2806" r:id="rId58"/>
-    <p:sldId id="2349" r:id="rId59"/>
-    <p:sldId id="2867" r:id="rId60"/>
-    <p:sldId id="2211" r:id="rId61"/>
+    <p:sldId id="2876" r:id="rId58"/>
+    <p:sldId id="2806" r:id="rId59"/>
+    <p:sldId id="2349" r:id="rId60"/>
+    <p:sldId id="2867" r:id="rId61"/>
+    <p:sldId id="2211" r:id="rId62"/>
   </p:sldIdLst>
   <p:sldSz cx="9144000" cy="6858000" type="screen4x3"/>
   <p:notesSz cx="6858000" cy="9144000"/>
@@ -369,14 +370,14 @@
           </a:ln>
           <a:extLst>
             <a:ext uri="{909E8E84-426E-40dd-AFC4-6F175D3DCCD1}">
-              <a14:hiddenFill xmlns:a14="http://schemas.microsoft.com/office/drawing/2010/main" xmlns="">
+              <a14:hiddenFill xmlns="" xmlns:a14="http://schemas.microsoft.com/office/drawing/2010/main">
                 <a:solidFill>
                   <a:srgbClr val="FFFFFF"/>
                 </a:solidFill>
               </a14:hiddenFill>
             </a:ext>
             <a:ext uri="{FAA26D3D-D897-4be2-8F04-BA451C77F1D7}">
-              <ma14:placeholderFlag xmlns:ma14="http://schemas.microsoft.com/office/mac/drawingml/2011/main" xmlns="" val="1"/>
+              <ma14:placeholderFlag xmlns="" xmlns:ma14="http://schemas.microsoft.com/office/mac/drawingml/2011/main" val="1"/>
             </a:ext>
           </a:extLst>
         </p:spPr>
@@ -815,14 +816,14 @@
           <a:ln/>
           <a:extLst>
             <a:ext uri="{909E8E84-426E-40dd-AFC4-6F175D3DCCD1}">
-              <a14:hiddenFill xmlns:a14="http://schemas.microsoft.com/office/drawing/2010/main" xmlns="">
+              <a14:hiddenFill xmlns="" xmlns:a14="http://schemas.microsoft.com/office/drawing/2010/main">
                 <a:solidFill>
                   <a:srgbClr val="FFFFFF"/>
                 </a:solidFill>
               </a14:hiddenFill>
             </a:ext>
             <a:ext uri="{91240B29-F687-4f45-9708-019B960494DF}">
-              <a14:hiddenLine xmlns:a14="http://schemas.microsoft.com/office/drawing/2010/main" xmlns="" w="9525">
+              <a14:hiddenLine xmlns="" xmlns:a14="http://schemas.microsoft.com/office/drawing/2010/main" w="9525">
                 <a:solidFill>
                   <a:srgbClr val="000000"/>
                 </a:solidFill>
@@ -832,7 +833,7 @@
               </a14:hiddenLine>
             </a:ext>
             <a:ext uri="{FAA26D3D-D897-4be2-8F04-BA451C77F1D7}">
-              <ma14:placeholderFlag xmlns:ma14="http://schemas.microsoft.com/office/mac/drawingml/2011/main" xmlns="" val="1"/>
+              <ma14:placeholderFlag xmlns="" xmlns:ma14="http://schemas.microsoft.com/office/mac/drawingml/2011/main" val="1"/>
             </a:ext>
           </a:extLst>
         </p:spPr>
@@ -2678,14 +2679,14 @@
           </a:ln>
           <a:extLst>
             <a:ext uri="{909E8E84-426E-40dd-AFC4-6F175D3DCCD1}">
-              <a14:hiddenFill xmlns:a14="http://schemas.microsoft.com/office/drawing/2010/main" xmlns="">
+              <a14:hiddenFill xmlns="" xmlns:a14="http://schemas.microsoft.com/office/drawing/2010/main">
                 <a:solidFill>
                   <a:srgbClr val="FFFFFF"/>
                 </a:solidFill>
               </a14:hiddenFill>
             </a:ext>
             <a:ext uri="{91240B29-F687-4f45-9708-019B960494DF}">
-              <a14:hiddenLine xmlns:a14="http://schemas.microsoft.com/office/drawing/2010/main" xmlns="" w="9525">
+              <a14:hiddenLine xmlns="" xmlns:a14="http://schemas.microsoft.com/office/drawing/2010/main" w="9525">
                 <a:solidFill>
                   <a:srgbClr val="000000"/>
                 </a:solidFill>
@@ -2695,7 +2696,7 @@
               </a14:hiddenLine>
             </a:ext>
             <a:ext uri="{FAA26D3D-D897-4be2-8F04-BA451C77F1D7}">
-              <ma14:placeholderFlag xmlns:ma14="http://schemas.microsoft.com/office/mac/drawingml/2011/main" xmlns="" val="1"/>
+              <ma14:placeholderFlag xmlns="" xmlns:ma14="http://schemas.microsoft.com/office/mac/drawingml/2011/main" val="1"/>
             </a:ext>
           </a:extLst>
         </p:spPr>
@@ -2739,14 +2740,14 @@
           </a:ln>
           <a:extLst>
             <a:ext uri="{909E8E84-426E-40dd-AFC4-6F175D3DCCD1}">
-              <a14:hiddenFill xmlns:a14="http://schemas.microsoft.com/office/drawing/2010/main" xmlns="">
+              <a14:hiddenFill xmlns="" xmlns:a14="http://schemas.microsoft.com/office/drawing/2010/main">
                 <a:solidFill>
                   <a:srgbClr val="FFFFFF"/>
                 </a:solidFill>
               </a14:hiddenFill>
             </a:ext>
             <a:ext uri="{91240B29-F687-4f45-9708-019B960494DF}">
-              <a14:hiddenLine xmlns:a14="http://schemas.microsoft.com/office/drawing/2010/main" xmlns="" w="9525">
+              <a14:hiddenLine xmlns="" xmlns:a14="http://schemas.microsoft.com/office/drawing/2010/main" w="9525">
                 <a:solidFill>
                   <a:srgbClr val="000000"/>
                 </a:solidFill>
@@ -2756,7 +2757,7 @@
               </a14:hiddenLine>
             </a:ext>
             <a:ext uri="{FAA26D3D-D897-4be2-8F04-BA451C77F1D7}">
-              <ma14:placeholderFlag xmlns:ma14="http://schemas.microsoft.com/office/mac/drawingml/2011/main" xmlns="" val="1"/>
+              <ma14:placeholderFlag xmlns="" xmlns:ma14="http://schemas.microsoft.com/office/mac/drawingml/2011/main" val="1"/>
             </a:ext>
           </a:extLst>
         </p:spPr>
@@ -3310,14 +3311,14 @@
           </a:ln>
           <a:extLst>
             <a:ext uri="{909E8E84-426E-40dd-AFC4-6F175D3DCCD1}">
-              <a14:hiddenFill xmlns:a14="http://schemas.microsoft.com/office/drawing/2010/main" xmlns="">
+              <a14:hiddenFill xmlns="" xmlns:a14="http://schemas.microsoft.com/office/drawing/2010/main">
                 <a:solidFill>
                   <a:srgbClr val="FFFFFF"/>
                 </a:solidFill>
               </a14:hiddenFill>
             </a:ext>
             <a:ext uri="{91240B29-F687-4f45-9708-019B960494DF}">
-              <a14:hiddenLine xmlns:a14="http://schemas.microsoft.com/office/drawing/2010/main" xmlns="" w="9525">
+              <a14:hiddenLine xmlns="" xmlns:a14="http://schemas.microsoft.com/office/drawing/2010/main" w="9525">
                 <a:solidFill>
                   <a:srgbClr val="000000"/>
                 </a:solidFill>
@@ -3599,14 +3600,14 @@
           </a:ln>
           <a:extLst>
             <a:ext uri="{909E8E84-426E-40dd-AFC4-6F175D3DCCD1}">
-              <a14:hiddenFill xmlns:a14="http://schemas.microsoft.com/office/drawing/2010/main" xmlns="">
+              <a14:hiddenFill xmlns="" xmlns:a14="http://schemas.microsoft.com/office/drawing/2010/main">
                 <a:solidFill>
                   <a:srgbClr val="FFFFFF"/>
                 </a:solidFill>
               </a14:hiddenFill>
             </a:ext>
             <a:ext uri="{91240B29-F687-4f45-9708-019B960494DF}">
-              <a14:hiddenLine xmlns:a14="http://schemas.microsoft.com/office/drawing/2010/main" xmlns="" w="12700">
+              <a14:hiddenLine xmlns="" xmlns:a14="http://schemas.microsoft.com/office/drawing/2010/main" w="12700">
                 <a:solidFill>
                   <a:schemeClr val="tx1"/>
                 </a:solidFill>
@@ -3713,7 +3714,7 @@
           </a:ln>
           <a:extLst>
             <a:ext uri="{909E8E84-426E-40dd-AFC4-6F175D3DCCD1}">
-              <a14:hiddenFill xmlns:a14="http://schemas.microsoft.com/office/drawing/2010/main" xmlns="">
+              <a14:hiddenFill xmlns="" xmlns:a14="http://schemas.microsoft.com/office/drawing/2010/main">
                 <a:solidFill>
                   <a:srgbClr val="FFFFFF"/>
                 </a:solidFill>
@@ -3751,14 +3752,14 @@
           </a:ln>
           <a:extLst>
             <a:ext uri="{909E8E84-426E-40dd-AFC4-6F175D3DCCD1}">
-              <a14:hiddenFill xmlns:a14="http://schemas.microsoft.com/office/drawing/2010/main" xmlns="">
+              <a14:hiddenFill xmlns="" xmlns:a14="http://schemas.microsoft.com/office/drawing/2010/main">
                 <a:solidFill>
                   <a:srgbClr val="FFFFFF"/>
                 </a:solidFill>
               </a14:hiddenFill>
             </a:ext>
             <a:ext uri="{91240B29-F687-4f45-9708-019B960494DF}">
-              <a14:hiddenLine xmlns:a14="http://schemas.microsoft.com/office/drawing/2010/main" xmlns="" w="12700">
+              <a14:hiddenLine xmlns="" xmlns:a14="http://schemas.microsoft.com/office/drawing/2010/main" w="12700">
                 <a:solidFill>
                   <a:schemeClr val="tx1"/>
                 </a:solidFill>
@@ -7575,14 +7576,14 @@
           </a:ln>
           <a:extLst>
             <a:ext uri="{909E8E84-426E-40dd-AFC4-6F175D3DCCD1}">
-              <a14:hiddenFill xmlns="" xmlns:a14="http://schemas.microsoft.com/office/drawing/2010/main">
+              <a14:hiddenFill xmlns:a14="http://schemas.microsoft.com/office/drawing/2010/main" xmlns="">
                 <a:solidFill>
                   <a:srgbClr val="FFFFFF"/>
                 </a:solidFill>
               </a14:hiddenFill>
             </a:ext>
             <a:ext uri="{91240B29-F687-4f45-9708-019B960494DF}">
-              <a14:hiddenLine xmlns="" xmlns:a14="http://schemas.microsoft.com/office/drawing/2010/main" w="9525">
+              <a14:hiddenLine xmlns:a14="http://schemas.microsoft.com/office/drawing/2010/main" xmlns="" w="9525">
                 <a:solidFill>
                   <a:srgbClr val="000000"/>
                 </a:solidFill>
@@ -7592,7 +7593,7 @@
               </a14:hiddenLine>
             </a:ext>
             <a:ext uri="{FAA26D3D-D897-4be2-8F04-BA451C77F1D7}">
-              <ma14:placeholderFlag xmlns="" xmlns:ma14="http://schemas.microsoft.com/office/mac/drawingml/2011/main" val="1"/>
+              <ma14:placeholderFlag xmlns:ma14="http://schemas.microsoft.com/office/mac/drawingml/2011/main" xmlns="" val="1"/>
             </a:ext>
           </a:extLst>
         </p:spPr>
@@ -7903,14 +7904,14 @@
           </a:ln>
           <a:extLst>
             <a:ext uri="{909E8E84-426E-40dd-AFC4-6F175D3DCCD1}">
-              <a14:hiddenFill xmlns="" xmlns:a14="http://schemas.microsoft.com/office/drawing/2010/main">
+              <a14:hiddenFill xmlns:a14="http://schemas.microsoft.com/office/drawing/2010/main" xmlns="">
                 <a:solidFill>
                   <a:srgbClr val="FFFFFF"/>
                 </a:solidFill>
               </a14:hiddenFill>
             </a:ext>
             <a:ext uri="{91240B29-F687-4f45-9708-019B960494DF}">
-              <a14:hiddenLine xmlns="" xmlns:a14="http://schemas.microsoft.com/office/drawing/2010/main" w="9525">
+              <a14:hiddenLine xmlns:a14="http://schemas.microsoft.com/office/drawing/2010/main" xmlns="" w="9525">
                 <a:solidFill>
                   <a:srgbClr val="000000"/>
                 </a:solidFill>
@@ -7920,7 +7921,7 @@
               </a14:hiddenLine>
             </a:ext>
             <a:ext uri="{FAA26D3D-D897-4be2-8F04-BA451C77F1D7}">
-              <ma14:placeholderFlag xmlns="" xmlns:ma14="http://schemas.microsoft.com/office/mac/drawingml/2011/main" val="1"/>
+              <ma14:placeholderFlag xmlns:ma14="http://schemas.microsoft.com/office/mac/drawingml/2011/main" xmlns="" val="1"/>
             </a:ext>
           </a:extLst>
         </p:spPr>
@@ -8301,7 +8302,7 @@
             </a:ln>
             <a:extLst>
               <a:ext uri="{91240B29-F687-4f45-9708-019B960494DF}">
-                <a14:hiddenLine xmlns="" xmlns:a14="http://schemas.microsoft.com/office/drawing/2010/main" w="9525">
+                <a14:hiddenLine xmlns:a14="http://schemas.microsoft.com/office/drawing/2010/main" xmlns="" w="9525">
                   <a:solidFill>
                     <a:srgbClr val="000000"/>
                   </a:solidFill>
@@ -8352,14 +8353,14 @@
             </a:ln>
             <a:extLst>
               <a:ext uri="{909E8E84-426E-40dd-AFC4-6F175D3DCCD1}">
-                <a14:hiddenFill xmlns="" xmlns:a14="http://schemas.microsoft.com/office/drawing/2010/main">
+                <a14:hiddenFill xmlns:a14="http://schemas.microsoft.com/office/drawing/2010/main" xmlns="">
                   <a:solidFill>
                     <a:srgbClr val="FFFFFF"/>
                   </a:solidFill>
                 </a14:hiddenFill>
               </a:ext>
               <a:ext uri="{91240B29-F687-4f45-9708-019B960494DF}">
-                <a14:hiddenLine xmlns="" xmlns:a14="http://schemas.microsoft.com/office/drawing/2010/main" w="9525">
+                <a14:hiddenLine xmlns:a14="http://schemas.microsoft.com/office/drawing/2010/main" xmlns="" w="9525">
                   <a:solidFill>
                     <a:srgbClr val="000000"/>
                   </a:solidFill>
@@ -9016,14 +9017,14 @@
           </a:ln>
           <a:extLst>
             <a:ext uri="{909E8E84-426E-40dd-AFC4-6F175D3DCCD1}">
-              <a14:hiddenFill xmlns="" xmlns:a14="http://schemas.microsoft.com/office/drawing/2010/main">
+              <a14:hiddenFill xmlns:a14="http://schemas.microsoft.com/office/drawing/2010/main" xmlns="">
                 <a:solidFill>
                   <a:srgbClr val="FFFFFF"/>
                 </a:solidFill>
               </a14:hiddenFill>
             </a:ext>
             <a:ext uri="{91240B29-F687-4f45-9708-019B960494DF}">
-              <a14:hiddenLine xmlns="" xmlns:a14="http://schemas.microsoft.com/office/drawing/2010/main" w="9525">
+              <a14:hiddenLine xmlns:a14="http://schemas.microsoft.com/office/drawing/2010/main" xmlns="" w="9525">
                 <a:solidFill>
                   <a:srgbClr val="000000"/>
                 </a:solidFill>
@@ -9033,7 +9034,7 @@
               </a14:hiddenLine>
             </a:ext>
             <a:ext uri="{FAA26D3D-D897-4be2-8F04-BA451C77F1D7}">
-              <ma14:placeholderFlag xmlns="" xmlns:ma14="http://schemas.microsoft.com/office/mac/drawingml/2011/main" val="1"/>
+              <ma14:placeholderFlag xmlns:ma14="http://schemas.microsoft.com/office/mac/drawingml/2011/main" xmlns="" val="1"/>
             </a:ext>
           </a:extLst>
         </p:spPr>
@@ -14718,14 +14719,14 @@
           </a:ln>
           <a:extLst>
             <a:ext uri="{909E8E84-426E-40dd-AFC4-6F175D3DCCD1}">
-              <a14:hiddenFill xmlns="" xmlns:a14="http://schemas.microsoft.com/office/drawing/2010/main">
+              <a14:hiddenFill xmlns:a14="http://schemas.microsoft.com/office/drawing/2010/main" xmlns="">
                 <a:solidFill>
                   <a:srgbClr val="FFFFFF"/>
                 </a:solidFill>
               </a14:hiddenFill>
             </a:ext>
             <a:ext uri="{91240B29-F687-4f45-9708-019B960494DF}">
-              <a14:hiddenLine xmlns="" xmlns:a14="http://schemas.microsoft.com/office/drawing/2010/main" w="9525">
+              <a14:hiddenLine xmlns:a14="http://schemas.microsoft.com/office/drawing/2010/main" xmlns="" w="9525">
                 <a:solidFill>
                   <a:srgbClr val="000000"/>
                 </a:solidFill>
@@ -14735,7 +14736,7 @@
               </a14:hiddenLine>
             </a:ext>
             <a:ext uri="{FAA26D3D-D897-4be2-8F04-BA451C77F1D7}">
-              <ma14:placeholderFlag xmlns="" xmlns:ma14="http://schemas.microsoft.com/office/mac/drawingml/2011/main" val="1"/>
+              <ma14:placeholderFlag xmlns:ma14="http://schemas.microsoft.com/office/mac/drawingml/2011/main" xmlns="" val="1"/>
             </a:ext>
           </a:extLst>
         </p:spPr>
@@ -14994,14 +14995,14 @@
           </a:ln>
           <a:extLst>
             <a:ext uri="{909E8E84-426E-40dd-AFC4-6F175D3DCCD1}">
-              <a14:hiddenFill xmlns="" xmlns:a14="http://schemas.microsoft.com/office/drawing/2010/main">
+              <a14:hiddenFill xmlns:a14="http://schemas.microsoft.com/office/drawing/2010/main" xmlns="">
                 <a:solidFill>
                   <a:srgbClr val="FFFFFF"/>
                 </a:solidFill>
               </a14:hiddenFill>
             </a:ext>
             <a:ext uri="{91240B29-F687-4f45-9708-019B960494DF}">
-              <a14:hiddenLine xmlns="" xmlns:a14="http://schemas.microsoft.com/office/drawing/2010/main" w="9525">
+              <a14:hiddenLine xmlns:a14="http://schemas.microsoft.com/office/drawing/2010/main" xmlns="" w="9525">
                 <a:solidFill>
                   <a:srgbClr val="000000"/>
                 </a:solidFill>
@@ -15011,7 +15012,7 @@
               </a14:hiddenLine>
             </a:ext>
             <a:ext uri="{FAA26D3D-D897-4be2-8F04-BA451C77F1D7}">
-              <ma14:placeholderFlag xmlns="" xmlns:ma14="http://schemas.microsoft.com/office/mac/drawingml/2011/main" val="1"/>
+              <ma14:placeholderFlag xmlns:ma14="http://schemas.microsoft.com/office/mac/drawingml/2011/main" xmlns="" val="1"/>
             </a:ext>
           </a:extLst>
         </p:spPr>
@@ -15371,14 +15372,14 @@
           </a:ln>
           <a:extLst>
             <a:ext uri="{909E8E84-426E-40dd-AFC4-6F175D3DCCD1}">
-              <a14:hiddenFill xmlns="" xmlns:a14="http://schemas.microsoft.com/office/drawing/2010/main">
+              <a14:hiddenFill xmlns:a14="http://schemas.microsoft.com/office/drawing/2010/main" xmlns="">
                 <a:solidFill>
                   <a:srgbClr val="FFFFFF"/>
                 </a:solidFill>
               </a14:hiddenFill>
             </a:ext>
             <a:ext uri="{91240B29-F687-4f45-9708-019B960494DF}">
-              <a14:hiddenLine xmlns="" xmlns:a14="http://schemas.microsoft.com/office/drawing/2010/main" w="9525">
+              <a14:hiddenLine xmlns:a14="http://schemas.microsoft.com/office/drawing/2010/main" xmlns="" w="9525">
                 <a:solidFill>
                   <a:srgbClr val="000000"/>
                 </a:solidFill>
@@ -15388,7 +15389,7 @@
               </a14:hiddenLine>
             </a:ext>
             <a:ext uri="{FAA26D3D-D897-4be2-8F04-BA451C77F1D7}">
-              <ma14:placeholderFlag xmlns="" xmlns:ma14="http://schemas.microsoft.com/office/mac/drawingml/2011/main" val="1"/>
+              <ma14:placeholderFlag xmlns:ma14="http://schemas.microsoft.com/office/mac/drawingml/2011/main" xmlns="" val="1"/>
             </a:ext>
           </a:extLst>
         </p:spPr>
@@ -15759,14 +15760,14 @@
           </a:ln>
           <a:extLst>
             <a:ext uri="{909E8E84-426E-40dd-AFC4-6F175D3DCCD1}">
-              <a14:hiddenFill xmlns="" xmlns:a14="http://schemas.microsoft.com/office/drawing/2010/main">
+              <a14:hiddenFill xmlns:a14="http://schemas.microsoft.com/office/drawing/2010/main" xmlns="">
                 <a:solidFill>
                   <a:srgbClr val="FFFFFF"/>
                 </a:solidFill>
               </a14:hiddenFill>
             </a:ext>
             <a:ext uri="{91240B29-F687-4f45-9708-019B960494DF}">
-              <a14:hiddenLine xmlns="" xmlns:a14="http://schemas.microsoft.com/office/drawing/2010/main" w="9525">
+              <a14:hiddenLine xmlns:a14="http://schemas.microsoft.com/office/drawing/2010/main" xmlns="" w="9525">
                 <a:solidFill>
                   <a:srgbClr val="000000"/>
                 </a:solidFill>
@@ -15776,7 +15777,7 @@
               </a14:hiddenLine>
             </a:ext>
             <a:ext uri="{FAA26D3D-D897-4be2-8F04-BA451C77F1D7}">
-              <ma14:placeholderFlag xmlns="" xmlns:ma14="http://schemas.microsoft.com/office/mac/drawingml/2011/main" val="1"/>
+              <ma14:placeholderFlag xmlns:ma14="http://schemas.microsoft.com/office/mac/drawingml/2011/main" xmlns="" val="1"/>
             </a:ext>
           </a:extLst>
         </p:spPr>
@@ -15995,14 +15996,14 @@
             </a:ln>
             <a:extLst>
               <a:ext uri="{909E8E84-426E-40dd-AFC4-6F175D3DCCD1}">
-                <a14:hiddenFill xmlns="" xmlns:a14="http://schemas.microsoft.com/office/drawing/2010/main">
+                <a14:hiddenFill xmlns:a14="http://schemas.microsoft.com/office/drawing/2010/main" xmlns="">
                   <a:solidFill>
                     <a:srgbClr val="FFFFFF"/>
                   </a:solidFill>
                 </a14:hiddenFill>
               </a:ext>
               <a:ext uri="{91240B29-F687-4f45-9708-019B960494DF}">
-                <a14:hiddenLine xmlns="" xmlns:a14="http://schemas.microsoft.com/office/drawing/2010/main" w="9525">
+                <a14:hiddenLine xmlns:a14="http://schemas.microsoft.com/office/drawing/2010/main" xmlns="" w="9525">
                   <a:solidFill>
                     <a:srgbClr val="000000"/>
                   </a:solidFill>
@@ -16012,7 +16013,7 @@
                 </a14:hiddenLine>
               </a:ext>
               <a:ext uri="{FAA26D3D-D897-4be2-8F04-BA451C77F1D7}">
-                <ma14:placeholderFlag xmlns="" xmlns:ma14="http://schemas.microsoft.com/office/mac/drawingml/2011/main" val="1"/>
+                <ma14:placeholderFlag xmlns:ma14="http://schemas.microsoft.com/office/mac/drawingml/2011/main" xmlns="" val="1"/>
               </a:ext>
             </a:extLst>
           </p:spPr>
@@ -16619,14 +16620,14 @@
           </a:ln>
           <a:extLst>
             <a:ext uri="{909E8E84-426E-40dd-AFC4-6F175D3DCCD1}">
-              <a14:hiddenFill xmlns="" xmlns:a14="http://schemas.microsoft.com/office/drawing/2010/main">
+              <a14:hiddenFill xmlns:a14="http://schemas.microsoft.com/office/drawing/2010/main" xmlns="">
                 <a:solidFill>
                   <a:srgbClr val="FFFFFF"/>
                 </a:solidFill>
               </a14:hiddenFill>
             </a:ext>
             <a:ext uri="{91240B29-F687-4f45-9708-019B960494DF}">
-              <a14:hiddenLine xmlns="" xmlns:a14="http://schemas.microsoft.com/office/drawing/2010/main" w="9525">
+              <a14:hiddenLine xmlns:a14="http://schemas.microsoft.com/office/drawing/2010/main" xmlns="" w="9525">
                 <a:solidFill>
                   <a:srgbClr val="000000"/>
                 </a:solidFill>
@@ -16636,7 +16637,7 @@
               </a14:hiddenLine>
             </a:ext>
             <a:ext uri="{FAA26D3D-D897-4be2-8F04-BA451C77F1D7}">
-              <ma14:placeholderFlag xmlns="" xmlns:ma14="http://schemas.microsoft.com/office/mac/drawingml/2011/main" val="1"/>
+              <ma14:placeholderFlag xmlns:ma14="http://schemas.microsoft.com/office/mac/drawingml/2011/main" xmlns="" val="1"/>
             </a:ext>
           </a:extLst>
         </p:spPr>
@@ -17029,14 +17030,14 @@
           </a:ln>
           <a:extLst>
             <a:ext uri="{909E8E84-426E-40dd-AFC4-6F175D3DCCD1}">
-              <a14:hiddenFill xmlns="" xmlns:a14="http://schemas.microsoft.com/office/drawing/2010/main">
+              <a14:hiddenFill xmlns:a14="http://schemas.microsoft.com/office/drawing/2010/main" xmlns="">
                 <a:solidFill>
                   <a:srgbClr val="FFFFFF"/>
                 </a:solidFill>
               </a14:hiddenFill>
             </a:ext>
             <a:ext uri="{91240B29-F687-4f45-9708-019B960494DF}">
-              <a14:hiddenLine xmlns="" xmlns:a14="http://schemas.microsoft.com/office/drawing/2010/main" w="9525">
+              <a14:hiddenLine xmlns:a14="http://schemas.microsoft.com/office/drawing/2010/main" xmlns="" w="9525">
                 <a:solidFill>
                   <a:srgbClr val="000000"/>
                 </a:solidFill>
@@ -17046,7 +17047,7 @@
               </a14:hiddenLine>
             </a:ext>
             <a:ext uri="{FAA26D3D-D897-4be2-8F04-BA451C77F1D7}">
-              <ma14:placeholderFlag xmlns="" xmlns:ma14="http://schemas.microsoft.com/office/mac/drawingml/2011/main" val="1"/>
+              <ma14:placeholderFlag xmlns:ma14="http://schemas.microsoft.com/office/mac/drawingml/2011/main" xmlns="" val="1"/>
             </a:ext>
           </a:extLst>
         </p:spPr>
@@ -17690,14 +17691,14 @@
           </a:ln>
           <a:extLst>
             <a:ext uri="{909E8E84-426E-40dd-AFC4-6F175D3DCCD1}">
-              <a14:hiddenFill xmlns="" xmlns:a14="http://schemas.microsoft.com/office/drawing/2010/main">
+              <a14:hiddenFill xmlns:a14="http://schemas.microsoft.com/office/drawing/2010/main" xmlns="">
                 <a:solidFill>
                   <a:srgbClr val="FFFFFF"/>
                 </a:solidFill>
               </a14:hiddenFill>
             </a:ext>
             <a:ext uri="{91240B29-F687-4f45-9708-019B960494DF}">
-              <a14:hiddenLine xmlns="" xmlns:a14="http://schemas.microsoft.com/office/drawing/2010/main" w="9525">
+              <a14:hiddenLine xmlns:a14="http://schemas.microsoft.com/office/drawing/2010/main" xmlns="" w="9525">
                 <a:solidFill>
                   <a:srgbClr val="000000"/>
                 </a:solidFill>
@@ -17707,7 +17708,7 @@
               </a14:hiddenLine>
             </a:ext>
             <a:ext uri="{FAA26D3D-D897-4be2-8F04-BA451C77F1D7}">
-              <ma14:placeholderFlag xmlns="" xmlns:ma14="http://schemas.microsoft.com/office/mac/drawingml/2011/main" val="1"/>
+              <ma14:placeholderFlag xmlns:ma14="http://schemas.microsoft.com/office/mac/drawingml/2011/main" xmlns="" val="1"/>
             </a:ext>
           </a:extLst>
         </p:spPr>
@@ -17908,6 +17909,77 @@
           </a:prstGeom>
         </p:spPr>
       </p:pic>
+      <p:sp>
+        <p:nvSpPr>
+          <p:cNvPr id="4" name="Rounded Rectangle 3">
+            <a:extLst>
+              <a:ext uri="{FF2B5EF4-FFF2-40B4-BE49-F238E27FC236}">
+                <a16:creationId xmlns:a16="http://schemas.microsoft.com/office/drawing/2014/main" id="{676DF120-6AD8-B748-8004-841D9D4938C8}"/>
+              </a:ext>
+            </a:extLst>
+          </p:cNvPr>
+          <p:cNvSpPr/>
+          <p:nvPr/>
+        </p:nvSpPr>
+        <p:spPr bwMode="auto">
+          <a:xfrm>
+            <a:off x="5791200" y="2035368"/>
+            <a:ext cx="342236" cy="1165031"/>
+          </a:xfrm>
+          <a:prstGeom prst="roundRect">
+            <a:avLst/>
+          </a:prstGeom>
+          <a:noFill/>
+          <a:ln w="127000" cap="flat" cmpd="sng" algn="ctr">
+            <a:solidFill>
+              <a:srgbClr val="99CC00"/>
+            </a:solidFill>
+            <a:prstDash val="solid"/>
+            <a:round/>
+            <a:headEnd type="none" w="med" len="med"/>
+            <a:tailEnd type="none" w="med" len="med"/>
+          </a:ln>
+          <a:effectLst/>
+        </p:spPr>
+        <p:txBody>
+          <a:bodyPr vert="horz" wrap="square" lIns="91440" tIns="45720" rIns="91440" bIns="45720" numCol="1" rtlCol="0" anchor="t" anchorCtr="0" compatLnSpc="1">
+            <a:prstTxWarp prst="textNoShape">
+              <a:avLst/>
+            </a:prstTxWarp>
+          </a:bodyPr>
+          <a:lstStyle/>
+          <a:p>
+            <a:pPr marL="0" marR="0" indent="0" algn="l" defTabSz="914400" rtl="0" eaLnBrk="1" fontAlgn="base" latinLnBrk="0" hangingPunct="1">
+              <a:lnSpc>
+                <a:spcPct val="100000"/>
+              </a:lnSpc>
+              <a:spcBef>
+                <a:spcPct val="0"/>
+              </a:spcBef>
+              <a:spcAft>
+                <a:spcPct val="0"/>
+              </a:spcAft>
+              <a:buClrTx/>
+              <a:buSzTx/>
+              <a:buFontTx/>
+              <a:buNone/>
+              <a:tabLst/>
+            </a:pPr>
+            <a:endParaRPr kumimoji="0" lang="en-US" sz="1800" b="1" i="0" u="none" strike="noStrike" cap="none" normalizeH="0" baseline="0">
+              <a:ln>
+                <a:noFill/>
+              </a:ln>
+              <a:solidFill>
+                <a:schemeClr val="tx1"/>
+              </a:solidFill>
+              <a:effectLst/>
+              <a:latin typeface="Arial" pitchFamily="-112" charset="0"/>
+              <a:ea typeface="Arial" pitchFamily="-112" charset="0"/>
+              <a:cs typeface="Arial" pitchFamily="-112" charset="0"/>
+            </a:endParaRPr>
+          </a:p>
+        </p:txBody>
+      </p:sp>
     </p:spTree>
     <p:extLst>
       <p:ext uri="{BB962C8B-B14F-4D97-AF65-F5344CB8AC3E}">
@@ -17918,6 +17990,115 @@
   <p:clrMapOvr>
     <a:masterClrMapping/>
   </p:clrMapOvr>
+  <p:timing>
+    <p:tnLst>
+      <p:par>
+        <p:cTn id="1" dur="indefinite" restart="never" nodeType="tmRoot">
+          <p:childTnLst>
+            <p:seq concurrent="1" nextAc="seek">
+              <p:cTn id="2" dur="indefinite" nodeType="mainSeq">
+                <p:childTnLst>
+                  <p:par>
+                    <p:cTn id="3" fill="hold">
+                      <p:stCondLst>
+                        <p:cond delay="indefinite"/>
+                        <p:cond evt="onBegin" delay="0">
+                          <p:tn val="2"/>
+                        </p:cond>
+                      </p:stCondLst>
+                      <p:childTnLst>
+                        <p:par>
+                          <p:cTn id="4" fill="hold">
+                            <p:stCondLst>
+                              <p:cond delay="0"/>
+                            </p:stCondLst>
+                            <p:childTnLst>
+                              <p:par>
+                                <p:cTn id="5" presetID="1" presetClass="entr" presetSubtype="0" fill="hold" grpId="0" nodeType="withEffect">
+                                  <p:stCondLst>
+                                    <p:cond delay="0"/>
+                                  </p:stCondLst>
+                                  <p:childTnLst>
+                                    <p:set>
+                                      <p:cBhvr>
+                                        <p:cTn id="6" dur="1" fill="hold">
+                                          <p:stCondLst>
+                                            <p:cond delay="0"/>
+                                          </p:stCondLst>
+                                        </p:cTn>
+                                        <p:tgtEl>
+                                          <p:spTgt spid="4"/>
+                                        </p:tgtEl>
+                                        <p:attrNameLst>
+                                          <p:attrName>style.visibility</p:attrName>
+                                        </p:attrNameLst>
+                                      </p:cBhvr>
+                                      <p:to>
+                                        <p:strVal val="visible"/>
+                                      </p:to>
+                                    </p:set>
+                                  </p:childTnLst>
+                                </p:cTn>
+                              </p:par>
+                              <p:par>
+                                <p:cTn id="7" presetID="1" presetClass="entr" presetSubtype="0" fill="hold" grpId="1" nodeType="withEffect">
+                                  <p:stCondLst>
+                                    <p:cond delay="0"/>
+                                  </p:stCondLst>
+                                  <p:childTnLst>
+                                    <p:set>
+                                      <p:cBhvr>
+                                        <p:cTn id="8" dur="1" fill="hold">
+                                          <p:stCondLst>
+                                            <p:cond delay="0"/>
+                                          </p:stCondLst>
+                                        </p:cTn>
+                                        <p:tgtEl>
+                                          <p:spTgt spid="4"/>
+                                        </p:tgtEl>
+                                        <p:attrNameLst>
+                                          <p:attrName>style.visibility</p:attrName>
+                                        </p:attrNameLst>
+                                      </p:cBhvr>
+                                      <p:to>
+                                        <p:strVal val="visible"/>
+                                      </p:to>
+                                    </p:set>
+                                  </p:childTnLst>
+                                </p:cTn>
+                              </p:par>
+                            </p:childTnLst>
+                          </p:cTn>
+                        </p:par>
+                      </p:childTnLst>
+                    </p:cTn>
+                  </p:par>
+                </p:childTnLst>
+              </p:cTn>
+              <p:prevCondLst>
+                <p:cond evt="onPrev" delay="0">
+                  <p:tgtEl>
+                    <p:sldTgt/>
+                  </p:tgtEl>
+                </p:cond>
+              </p:prevCondLst>
+              <p:nextCondLst>
+                <p:cond evt="onNext" delay="0">
+                  <p:tgtEl>
+                    <p:sldTgt/>
+                  </p:tgtEl>
+                </p:cond>
+              </p:nextCondLst>
+            </p:seq>
+          </p:childTnLst>
+        </p:cTn>
+      </p:par>
+    </p:tnLst>
+    <p:bldLst>
+      <p:bldP spid="4" grpId="0" animBg="1"/>
+      <p:bldP spid="4" grpId="1" animBg="1"/>
+    </p:bldLst>
+  </p:timing>
 </p:sld>
 </file>
 
@@ -18320,7 +18501,7 @@
           </a:ln>
           <a:extLst>
             <a:ext uri="{91240B29-F687-4f45-9708-019B960494DF}">
-              <a14:hiddenLine xmlns="" xmlns:a14="http://schemas.microsoft.com/office/drawing/2010/main" w="9525">
+              <a14:hiddenLine xmlns:a14="http://schemas.microsoft.com/office/drawing/2010/main" xmlns="" w="9525">
                 <a:solidFill>
                   <a:srgbClr val="000000"/>
                 </a:solidFill>
@@ -18626,7 +18807,7 @@
             </a:r>
             <a:r>
               <a:rPr lang="en-US" sz="2400" b="0" dirty="0"/>
-              <a:t>KS is different than other tests we saw where we looked for a value below a critical level to reject the null, here it is the opposite (the smaller the results the more likely is H0)</a:t>
+              <a:t>KS is different than other tests we saw where we looked for a value below a critical level to reject the null, here it is the opposite (the larger the results the less likely is H0 so we reject it)</a:t>
             </a:r>
             <a:endParaRPr lang="en-US" sz="2400" dirty="0"/>
           </a:p>
@@ -18712,14 +18893,14 @@
           </a:ln>
           <a:extLst>
             <a:ext uri="{909E8E84-426E-40dd-AFC4-6F175D3DCCD1}">
-              <a14:hiddenFill xmlns="" xmlns:a14="http://schemas.microsoft.com/office/drawing/2010/main">
+              <a14:hiddenFill xmlns:a14="http://schemas.microsoft.com/office/drawing/2010/main" xmlns="">
                 <a:solidFill>
                   <a:srgbClr val="FFFFFF"/>
                 </a:solidFill>
               </a14:hiddenFill>
             </a:ext>
             <a:ext uri="{91240B29-F687-4f45-9708-019B960494DF}">
-              <a14:hiddenLine xmlns="" xmlns:a14="http://schemas.microsoft.com/office/drawing/2010/main" w="9525">
+              <a14:hiddenLine xmlns:a14="http://schemas.microsoft.com/office/drawing/2010/main" xmlns="" w="9525">
                 <a:solidFill>
                   <a:srgbClr val="000000"/>
                 </a:solidFill>
@@ -18729,7 +18910,7 @@
               </a14:hiddenLine>
             </a:ext>
             <a:ext uri="{FAA26D3D-D897-4be2-8F04-BA451C77F1D7}">
-              <ma14:placeholderFlag xmlns="" xmlns:ma14="http://schemas.microsoft.com/office/mac/drawingml/2011/main" val="1"/>
+              <ma14:placeholderFlag xmlns:ma14="http://schemas.microsoft.com/office/mac/drawingml/2011/main" xmlns="" val="1"/>
             </a:ext>
           </a:extLst>
         </p:spPr>
@@ -20317,7 +20498,7 @@
             </a:ln>
             <a:extLst>
               <a:ext uri="{91240B29-F687-4f45-9708-019B960494DF}">
-                <a14:hiddenLine xmlns="" xmlns:a14="http://schemas.microsoft.com/office/drawing/2010/main" w="9525">
+                <a14:hiddenLine xmlns:a14="http://schemas.microsoft.com/office/drawing/2010/main" xmlns="" w="9525">
                   <a:solidFill>
                     <a:srgbClr val="000000"/>
                   </a:solidFill>
@@ -20368,14 +20549,14 @@
             </a:ln>
             <a:extLst>
               <a:ext uri="{909E8E84-426E-40dd-AFC4-6F175D3DCCD1}">
-                <a14:hiddenFill xmlns="" xmlns:a14="http://schemas.microsoft.com/office/drawing/2010/main">
+                <a14:hiddenFill xmlns:a14="http://schemas.microsoft.com/office/drawing/2010/main" xmlns="">
                   <a:solidFill>
                     <a:srgbClr val="FFFFFF"/>
                   </a:solidFill>
                 </a14:hiddenFill>
               </a:ext>
               <a:ext uri="{91240B29-F687-4f45-9708-019B960494DF}">
-                <a14:hiddenLine xmlns="" xmlns:a14="http://schemas.microsoft.com/office/drawing/2010/main" w="9525">
+                <a14:hiddenLine xmlns:a14="http://schemas.microsoft.com/office/drawing/2010/main" xmlns="" w="9525">
                   <a:solidFill>
                     <a:srgbClr val="000000"/>
                   </a:solidFill>
@@ -21460,14 +21641,14 @@
           </a:ln>
           <a:extLst>
             <a:ext uri="{909E8E84-426E-40dd-AFC4-6F175D3DCCD1}">
-              <a14:hiddenFill xmlns="" xmlns:a14="http://schemas.microsoft.com/office/drawing/2010/main">
+              <a14:hiddenFill xmlns:a14="http://schemas.microsoft.com/office/drawing/2010/main" xmlns="">
                 <a:solidFill>
                   <a:srgbClr val="FFFFFF"/>
                 </a:solidFill>
               </a14:hiddenFill>
             </a:ext>
             <a:ext uri="{91240B29-F687-4f45-9708-019B960494DF}">
-              <a14:hiddenLine xmlns="" xmlns:a14="http://schemas.microsoft.com/office/drawing/2010/main" w="9525">
+              <a14:hiddenLine xmlns:a14="http://schemas.microsoft.com/office/drawing/2010/main" xmlns="" w="9525">
                 <a:solidFill>
                   <a:srgbClr val="000000"/>
                 </a:solidFill>
@@ -21477,7 +21658,7 @@
               </a14:hiddenLine>
             </a:ext>
             <a:ext uri="{FAA26D3D-D897-4be2-8F04-BA451C77F1D7}">
-              <ma14:placeholderFlag xmlns="" xmlns:ma14="http://schemas.microsoft.com/office/mac/drawingml/2011/main" val="1"/>
+              <ma14:placeholderFlag xmlns:ma14="http://schemas.microsoft.com/office/mac/drawingml/2011/main" xmlns="" val="1"/>
             </a:ext>
           </a:extLst>
         </p:spPr>
@@ -21700,14 +21881,14 @@
             </a:ln>
             <a:extLst>
               <a:ext uri="{909E8E84-426E-40dd-AFC4-6F175D3DCCD1}">
-                <a14:hiddenFill xmlns="" xmlns:a14="http://schemas.microsoft.com/office/drawing/2010/main">
+                <a14:hiddenFill xmlns:a14="http://schemas.microsoft.com/office/drawing/2010/main" xmlns="">
                   <a:solidFill>
                     <a:srgbClr val="FFFFFF"/>
                   </a:solidFill>
                 </a14:hiddenFill>
               </a:ext>
               <a:ext uri="{91240B29-F687-4f45-9708-019B960494DF}">
-                <a14:hiddenLine xmlns="" xmlns:a14="http://schemas.microsoft.com/office/drawing/2010/main" w="9525">
+                <a14:hiddenLine xmlns:a14="http://schemas.microsoft.com/office/drawing/2010/main" xmlns="" w="9525">
                   <a:solidFill>
                     <a:srgbClr val="000000"/>
                   </a:solidFill>
@@ -21717,7 +21898,7 @@
                 </a14:hiddenLine>
               </a:ext>
               <a:ext uri="{FAA26D3D-D897-4be2-8F04-BA451C77F1D7}">
-                <ma14:placeholderFlag xmlns="" xmlns:ma14="http://schemas.microsoft.com/office/mac/drawingml/2011/main" val="1"/>
+                <ma14:placeholderFlag xmlns:ma14="http://schemas.microsoft.com/office/mac/drawingml/2011/main" xmlns="" val="1"/>
               </a:ext>
             </a:extLst>
           </p:spPr>
@@ -21961,14 +22142,14 @@
           </a:ln>
           <a:extLst>
             <a:ext uri="{909E8E84-426E-40dd-AFC4-6F175D3DCCD1}">
-              <a14:hiddenFill xmlns="" xmlns:a14="http://schemas.microsoft.com/office/drawing/2010/main">
+              <a14:hiddenFill xmlns:a14="http://schemas.microsoft.com/office/drawing/2010/main" xmlns="">
                 <a:solidFill>
                   <a:srgbClr val="FFFFFF"/>
                 </a:solidFill>
               </a14:hiddenFill>
             </a:ext>
             <a:ext uri="{91240B29-F687-4f45-9708-019B960494DF}">
-              <a14:hiddenLine xmlns="" xmlns:a14="http://schemas.microsoft.com/office/drawing/2010/main" w="9525">
+              <a14:hiddenLine xmlns:a14="http://schemas.microsoft.com/office/drawing/2010/main" xmlns="" w="9525">
                 <a:solidFill>
                   <a:srgbClr val="000000"/>
                 </a:solidFill>
@@ -21978,7 +22159,7 @@
               </a14:hiddenLine>
             </a:ext>
             <a:ext uri="{FAA26D3D-D897-4be2-8F04-BA451C77F1D7}">
-              <ma14:placeholderFlag xmlns="" xmlns:ma14="http://schemas.microsoft.com/office/mac/drawingml/2011/main" val="1"/>
+              <ma14:placeholderFlag xmlns:ma14="http://schemas.microsoft.com/office/mac/drawingml/2011/main" xmlns="" val="1"/>
             </a:ext>
           </a:extLst>
         </p:spPr>
@@ -22560,14 +22741,14 @@
             </a:ln>
             <a:extLst>
               <a:ext uri="{909E8E84-426E-40dd-AFC4-6F175D3DCCD1}">
-                <a14:hiddenFill xmlns="" xmlns:a14="http://schemas.microsoft.com/office/drawing/2010/main">
+                <a14:hiddenFill xmlns:a14="http://schemas.microsoft.com/office/drawing/2010/main" xmlns="">
                   <a:solidFill>
                     <a:srgbClr val="FFFFFF"/>
                   </a:solidFill>
                 </a14:hiddenFill>
               </a:ext>
               <a:ext uri="{91240B29-F687-4f45-9708-019B960494DF}">
-                <a14:hiddenLine xmlns="" xmlns:a14="http://schemas.microsoft.com/office/drawing/2010/main" w="9525">
+                <a14:hiddenLine xmlns:a14="http://schemas.microsoft.com/office/drawing/2010/main" xmlns="" w="9525">
                   <a:solidFill>
                     <a:srgbClr val="000000"/>
                   </a:solidFill>
@@ -22577,7 +22758,7 @@
                 </a14:hiddenLine>
               </a:ext>
               <a:ext uri="{FAA26D3D-D897-4be2-8F04-BA451C77F1D7}">
-                <ma14:placeholderFlag xmlns="" xmlns:ma14="http://schemas.microsoft.com/office/mac/drawingml/2011/main" val="1"/>
+                <ma14:placeholderFlag xmlns:ma14="http://schemas.microsoft.com/office/mac/drawingml/2011/main" xmlns="" val="1"/>
               </a:ext>
             </a:extLst>
           </p:spPr>
@@ -23283,14 +23464,14 @@
           </a:ln>
           <a:extLst>
             <a:ext uri="{909E8E84-426E-40dd-AFC4-6F175D3DCCD1}">
-              <a14:hiddenFill xmlns="" xmlns:a14="http://schemas.microsoft.com/office/drawing/2010/main">
+              <a14:hiddenFill xmlns:a14="http://schemas.microsoft.com/office/drawing/2010/main" xmlns="">
                 <a:solidFill>
                   <a:srgbClr val="FFFFFF"/>
                 </a:solidFill>
               </a14:hiddenFill>
             </a:ext>
             <a:ext uri="{91240B29-F687-4f45-9708-019B960494DF}">
-              <a14:hiddenLine xmlns="" xmlns:a14="http://schemas.microsoft.com/office/drawing/2010/main" w="9525">
+              <a14:hiddenLine xmlns:a14="http://schemas.microsoft.com/office/drawing/2010/main" xmlns="" w="9525">
                 <a:solidFill>
                   <a:srgbClr val="000000"/>
                 </a:solidFill>
@@ -23300,7 +23481,7 @@
               </a14:hiddenLine>
             </a:ext>
             <a:ext uri="{FAA26D3D-D897-4be2-8F04-BA451C77F1D7}">
-              <ma14:placeholderFlag xmlns="" xmlns:ma14="http://schemas.microsoft.com/office/mac/drawingml/2011/main" val="1"/>
+              <ma14:placeholderFlag xmlns:ma14="http://schemas.microsoft.com/office/mac/drawingml/2011/main" xmlns="" val="1"/>
             </a:ext>
           </a:extLst>
         </p:spPr>
@@ -24295,14 +24476,14 @@
           </a:ln>
           <a:extLst>
             <a:ext uri="{909E8E84-426E-40dd-AFC4-6F175D3DCCD1}">
-              <a14:hiddenFill xmlns="" xmlns:a14="http://schemas.microsoft.com/office/drawing/2010/main">
+              <a14:hiddenFill xmlns:a14="http://schemas.microsoft.com/office/drawing/2010/main" xmlns="">
                 <a:solidFill>
                   <a:srgbClr val="FFFFFF"/>
                 </a:solidFill>
               </a14:hiddenFill>
             </a:ext>
             <a:ext uri="{91240B29-F687-4f45-9708-019B960494DF}">
-              <a14:hiddenLine xmlns="" xmlns:a14="http://schemas.microsoft.com/office/drawing/2010/main" w="9525">
+              <a14:hiddenLine xmlns:a14="http://schemas.microsoft.com/office/drawing/2010/main" xmlns="" w="9525">
                 <a:solidFill>
                   <a:srgbClr val="000000"/>
                 </a:solidFill>
@@ -24312,7 +24493,7 @@
               </a14:hiddenLine>
             </a:ext>
             <a:ext uri="{FAA26D3D-D897-4be2-8F04-BA451C77F1D7}">
-              <ma14:placeholderFlag xmlns="" xmlns:ma14="http://schemas.microsoft.com/office/mac/drawingml/2011/main" val="1"/>
+              <ma14:placeholderFlag xmlns:ma14="http://schemas.microsoft.com/office/mac/drawingml/2011/main" xmlns="" val="1"/>
             </a:ext>
           </a:extLst>
         </p:spPr>
@@ -24577,14 +24758,14 @@
           </a:ln>
           <a:extLst>
             <a:ext uri="{909E8E84-426E-40dd-AFC4-6F175D3DCCD1}">
-              <a14:hiddenFill xmlns="" xmlns:a14="http://schemas.microsoft.com/office/drawing/2010/main">
+              <a14:hiddenFill xmlns:a14="http://schemas.microsoft.com/office/drawing/2010/main" xmlns="">
                 <a:solidFill>
                   <a:srgbClr val="FFFFFF"/>
                 </a:solidFill>
               </a14:hiddenFill>
             </a:ext>
             <a:ext uri="{91240B29-F687-4f45-9708-019B960494DF}">
-              <a14:hiddenLine xmlns="" xmlns:a14="http://schemas.microsoft.com/office/drawing/2010/main" w="9525">
+              <a14:hiddenLine xmlns:a14="http://schemas.microsoft.com/office/drawing/2010/main" xmlns="" w="9525">
                 <a:solidFill>
                   <a:srgbClr val="000000"/>
                 </a:solidFill>
@@ -24594,7 +24775,7 @@
               </a14:hiddenLine>
             </a:ext>
             <a:ext uri="{FAA26D3D-D897-4be2-8F04-BA451C77F1D7}">
-              <ma14:placeholderFlag xmlns="" xmlns:ma14="http://schemas.microsoft.com/office/mac/drawingml/2011/main" val="1"/>
+              <ma14:placeholderFlag xmlns:ma14="http://schemas.microsoft.com/office/mac/drawingml/2011/main" xmlns="" val="1"/>
             </a:ext>
           </a:extLst>
         </p:spPr>
@@ -25011,14 +25192,14 @@
           </a:ln>
           <a:extLst>
             <a:ext uri="{909E8E84-426E-40dd-AFC4-6F175D3DCCD1}">
-              <a14:hiddenFill xmlns="" xmlns:a14="http://schemas.microsoft.com/office/drawing/2010/main">
+              <a14:hiddenFill xmlns:a14="http://schemas.microsoft.com/office/drawing/2010/main" xmlns="">
                 <a:solidFill>
                   <a:srgbClr val="FFFFFF"/>
                 </a:solidFill>
               </a14:hiddenFill>
             </a:ext>
             <a:ext uri="{91240B29-F687-4f45-9708-019B960494DF}">
-              <a14:hiddenLine xmlns="" xmlns:a14="http://schemas.microsoft.com/office/drawing/2010/main" w="9525">
+              <a14:hiddenLine xmlns:a14="http://schemas.microsoft.com/office/drawing/2010/main" xmlns="" w="9525">
                 <a:solidFill>
                   <a:srgbClr val="000000"/>
                 </a:solidFill>
@@ -25028,7 +25209,7 @@
               </a14:hiddenLine>
             </a:ext>
             <a:ext uri="{FAA26D3D-D897-4be2-8F04-BA451C77F1D7}">
-              <ma14:placeholderFlag xmlns="" xmlns:ma14="http://schemas.microsoft.com/office/mac/drawingml/2011/main" val="1"/>
+              <ma14:placeholderFlag xmlns:ma14="http://schemas.microsoft.com/office/mac/drawingml/2011/main" xmlns="" val="1"/>
             </a:ext>
           </a:extLst>
         </p:spPr>
@@ -30490,7 +30671,7 @@
           </a:ln>
           <a:extLst>
             <a:ext uri="{91240B29-F687-4f45-9708-019B960494DF}">
-              <a14:hiddenLine xmlns="" xmlns:a14="http://schemas.microsoft.com/office/drawing/2010/main" w="9525">
+              <a14:hiddenLine xmlns:a14="http://schemas.microsoft.com/office/drawing/2010/main" xmlns="" w="9525">
                 <a:solidFill>
                   <a:srgbClr val="000000"/>
                 </a:solidFill>
@@ -31400,14 +31581,14 @@
           </a:ln>
           <a:extLst>
             <a:ext uri="{909E8E84-426E-40dd-AFC4-6F175D3DCCD1}">
-              <a14:hiddenFill xmlns="" xmlns:a14="http://schemas.microsoft.com/office/drawing/2010/main">
+              <a14:hiddenFill xmlns:a14="http://schemas.microsoft.com/office/drawing/2010/main" xmlns="">
                 <a:solidFill>
                   <a:srgbClr val="FFFFFF"/>
                 </a:solidFill>
               </a14:hiddenFill>
             </a:ext>
             <a:ext uri="{91240B29-F687-4f45-9708-019B960494DF}">
-              <a14:hiddenLine xmlns="" xmlns:a14="http://schemas.microsoft.com/office/drawing/2010/main" w="9525">
+              <a14:hiddenLine xmlns:a14="http://schemas.microsoft.com/office/drawing/2010/main" xmlns="" w="9525">
                 <a:solidFill>
                   <a:srgbClr val="000000"/>
                 </a:solidFill>
@@ -31417,7 +31598,7 @@
               </a14:hiddenLine>
             </a:ext>
             <a:ext uri="{FAA26D3D-D897-4be2-8F04-BA451C77F1D7}">
-              <ma14:placeholderFlag xmlns="" xmlns:ma14="http://schemas.microsoft.com/office/mac/drawingml/2011/main" val="1"/>
+              <ma14:placeholderFlag xmlns:ma14="http://schemas.microsoft.com/office/mac/drawingml/2011/main" xmlns="" val="1"/>
             </a:ext>
           </a:extLst>
         </p:spPr>
@@ -33640,51 +33821,243 @@
           <a:chExt cx="0" cy="0"/>
         </a:xfrm>
       </p:grpSpPr>
+      <p:pic>
+        <p:nvPicPr>
+          <p:cNvPr id="4" name="Picture 3">
+            <a:extLst>
+              <a:ext uri="{FF2B5EF4-FFF2-40B4-BE49-F238E27FC236}">
+                <a16:creationId xmlns:a16="http://schemas.microsoft.com/office/drawing/2014/main" id="{DFA8771B-F21C-F543-BCB8-2CB7BC8FE74F}"/>
+              </a:ext>
+            </a:extLst>
+          </p:cNvPr>
+          <p:cNvPicPr>
+            <a:picLocks noChangeAspect="1"/>
+          </p:cNvPicPr>
+          <p:nvPr/>
+        </p:nvPicPr>
+        <p:blipFill>
+          <a:blip r:embed="rId2"/>
+          <a:stretch>
+            <a:fillRect/>
+          </a:stretch>
+        </p:blipFill>
+        <p:spPr>
+          <a:xfrm>
+            <a:off x="381000" y="304800"/>
+            <a:ext cx="8534400" cy="4511548"/>
+          </a:xfrm>
+          <a:prstGeom prst="rect">
+            <a:avLst/>
+          </a:prstGeom>
+        </p:spPr>
+      </p:pic>
       <p:sp>
         <p:nvSpPr>
-          <p:cNvPr id="70658" name="Title 7"/>
-          <p:cNvSpPr>
-            <a:spLocks noGrp="1"/>
+          <p:cNvPr id="6" name="Title 1">
+            <a:extLst>
+              <a:ext uri="{FF2B5EF4-FFF2-40B4-BE49-F238E27FC236}">
+                <a16:creationId xmlns:a16="http://schemas.microsoft.com/office/drawing/2014/main" id="{75D83838-CC51-0F41-9C4F-0B67D5FFBD0A}"/>
+              </a:ext>
+            </a:extLst>
+          </p:cNvPr>
+          <p:cNvSpPr txBox="1">
+            <a:spLocks/>
           </p:cNvSpPr>
-          <p:nvPr>
-            <p:ph type="title"/>
-          </p:nvPr>
+          <p:nvPr/>
         </p:nvSpPr>
-        <p:spPr>
+        <p:spPr bwMode="auto">
           <a:xfrm>
-            <a:off x="-76200" y="5867400"/>
-            <a:ext cx="9134622" cy="782220"/>
-          </a:xfrm>
+            <a:off x="0" y="4953000"/>
+            <a:ext cx="9144000" cy="1249767"/>
+          </a:xfrm>
+          <a:prstGeom prst="rect">
+            <a:avLst/>
+          </a:prstGeom>
+          <a:solidFill>
+            <a:schemeClr val="tx1">
+              <a:alpha val="59999"/>
+            </a:schemeClr>
+          </a:solidFill>
+          <a:ln>
+            <a:noFill/>
+          </a:ln>
+          <a:extLst>
+            <a:ext uri="{91240B29-F687-4f45-9708-019B960494DF}">
+              <a14:hiddenLine xmlns:a14="http://schemas.microsoft.com/office/drawing/2010/main" xmlns="" w="9525">
+                <a:solidFill>
+                  <a:srgbClr val="000000"/>
+                </a:solidFill>
+                <a:miter lim="800000"/>
+                <a:headEnd/>
+                <a:tailEnd/>
+              </a14:hiddenLine>
+            </a:ext>
+          </a:extLst>
         </p:spPr>
         <p:txBody>
-          <a:bodyPr/>
-          <a:lstStyle/>
-          <a:p>
-            <a:pPr algn="r" eaLnBrk="1" hangingPunct="1"/>
-            <a:r>
-              <a:rPr lang="en-US" sz="8000" dirty="0">
-                <a:solidFill>
-                  <a:srgbClr val="A6A6A6"/>
+          <a:bodyPr tIns="46800" bIns="93600" anchor="b">
+            <a:spAutoFit/>
+          </a:bodyPr>
+          <a:lstStyle>
+            <a:lvl1pPr eaLnBrk="0" hangingPunct="0">
+              <a:defRPr sz="2400" b="1">
+                <a:solidFill>
+                  <a:schemeClr val="tx1"/>
                 </a:solidFill>
                 <a:latin typeface="Arial" charset="0"/>
+                <a:ea typeface="ＭＳ Ｐゴシック" charset="0"/>
                 <a:cs typeface="Arial" charset="0"/>
-              </a:rPr>
-              <a:t>summary</a:t>
-            </a:r>
+              </a:defRPr>
+            </a:lvl1pPr>
+            <a:lvl2pPr marL="37931725" indent="-37474525" eaLnBrk="0" hangingPunct="0">
+              <a:defRPr sz="2400" b="1">
+                <a:solidFill>
+                  <a:schemeClr val="tx1"/>
+                </a:solidFill>
+                <a:latin typeface="Arial" charset="0"/>
+                <a:ea typeface="Arial" charset="0"/>
+                <a:cs typeface="Arial" charset="0"/>
+              </a:defRPr>
+            </a:lvl2pPr>
+            <a:lvl3pPr eaLnBrk="0" hangingPunct="0">
+              <a:defRPr sz="2400" b="1">
+                <a:solidFill>
+                  <a:schemeClr val="tx1"/>
+                </a:solidFill>
+                <a:latin typeface="Arial" charset="0"/>
+                <a:ea typeface="Arial" charset="0"/>
+                <a:cs typeface="Arial" charset="0"/>
+              </a:defRPr>
+            </a:lvl3pPr>
+            <a:lvl4pPr eaLnBrk="0" hangingPunct="0">
+              <a:defRPr sz="2400" b="1">
+                <a:solidFill>
+                  <a:schemeClr val="tx1"/>
+                </a:solidFill>
+                <a:latin typeface="Arial" charset="0"/>
+                <a:ea typeface="Arial" charset="0"/>
+                <a:cs typeface="Arial" charset="0"/>
+              </a:defRPr>
+            </a:lvl4pPr>
+            <a:lvl5pPr eaLnBrk="0" hangingPunct="0">
+              <a:defRPr sz="2400" b="1">
+                <a:solidFill>
+                  <a:schemeClr val="tx1"/>
+                </a:solidFill>
+                <a:latin typeface="Arial" charset="0"/>
+                <a:ea typeface="Arial" charset="0"/>
+                <a:cs typeface="Arial" charset="0"/>
+              </a:defRPr>
+            </a:lvl5pPr>
+            <a:lvl6pPr marL="457200" eaLnBrk="0" fontAlgn="base" hangingPunct="0">
+              <a:spcBef>
+                <a:spcPct val="0"/>
+              </a:spcBef>
+              <a:spcAft>
+                <a:spcPct val="0"/>
+              </a:spcAft>
+              <a:defRPr sz="2400" b="1">
+                <a:solidFill>
+                  <a:schemeClr val="tx1"/>
+                </a:solidFill>
+                <a:latin typeface="Arial" charset="0"/>
+                <a:ea typeface="Arial" charset="0"/>
+                <a:cs typeface="Arial" charset="0"/>
+              </a:defRPr>
+            </a:lvl6pPr>
+            <a:lvl7pPr marL="914400" eaLnBrk="0" fontAlgn="base" hangingPunct="0">
+              <a:spcBef>
+                <a:spcPct val="0"/>
+              </a:spcBef>
+              <a:spcAft>
+                <a:spcPct val="0"/>
+              </a:spcAft>
+              <a:defRPr sz="2400" b="1">
+                <a:solidFill>
+                  <a:schemeClr val="tx1"/>
+                </a:solidFill>
+                <a:latin typeface="Arial" charset="0"/>
+                <a:ea typeface="Arial" charset="0"/>
+                <a:cs typeface="Arial" charset="0"/>
+              </a:defRPr>
+            </a:lvl7pPr>
+            <a:lvl8pPr marL="1371600" eaLnBrk="0" fontAlgn="base" hangingPunct="0">
+              <a:spcBef>
+                <a:spcPct val="0"/>
+              </a:spcBef>
+              <a:spcAft>
+                <a:spcPct val="0"/>
+              </a:spcAft>
+              <a:defRPr sz="2400" b="1">
+                <a:solidFill>
+                  <a:schemeClr val="tx1"/>
+                </a:solidFill>
+                <a:latin typeface="Arial" charset="0"/>
+                <a:ea typeface="Arial" charset="0"/>
+                <a:cs typeface="Arial" charset="0"/>
+              </a:defRPr>
+            </a:lvl8pPr>
+            <a:lvl9pPr marL="1828800" eaLnBrk="0" fontAlgn="base" hangingPunct="0">
+              <a:spcBef>
+                <a:spcPct val="0"/>
+              </a:spcBef>
+              <a:spcAft>
+                <a:spcPct val="0"/>
+              </a:spcAft>
+              <a:defRPr sz="2400" b="1">
+                <a:solidFill>
+                  <a:schemeClr val="tx1"/>
+                </a:solidFill>
+                <a:latin typeface="Arial" charset="0"/>
+                <a:ea typeface="Arial" charset="0"/>
+                <a:cs typeface="Arial" charset="0"/>
+              </a:defRPr>
+            </a:lvl9pPr>
+          </a:lstStyle>
+          <a:p>
+            <a:pPr eaLnBrk="1" hangingPunct="1"/>
+            <a:r>
+              <a:rPr lang="en-US" sz="3600" b="0" dirty="0">
+                <a:solidFill>
+                  <a:srgbClr val="FFFFFF"/>
+                </a:solidFill>
+              </a:rPr>
+              <a:t>unfortunately </a:t>
+            </a:r>
+            <a:r>
+              <a:rPr lang="en-US" sz="3600" dirty="0">
+                <a:solidFill>
+                  <a:srgbClr val="99CC00"/>
+                </a:solidFill>
+              </a:rPr>
+              <a:t>ANOVAs</a:t>
+            </a:r>
+            <a:r>
+              <a:rPr lang="en-US" sz="3600" b="0" dirty="0">
+                <a:solidFill>
+                  <a:srgbClr val="FFFFFF"/>
+                </a:solidFill>
+              </a:rPr>
+              <a:t> do not work well in this case</a:t>
+            </a:r>
+            <a:endParaRPr lang="en-US" sz="3600" dirty="0">
+              <a:solidFill>
+                <a:srgbClr val="FF9900"/>
+              </a:solidFill>
+            </a:endParaRPr>
           </a:p>
         </p:txBody>
       </p:sp>
     </p:spTree>
     <p:extLst>
       <p:ext uri="{BB962C8B-B14F-4D97-AF65-F5344CB8AC3E}">
-        <p14:creationId xmlns:p14="http://schemas.microsoft.com/office/powerpoint/2010/main" val="1494445000"/>
+        <p14:creationId xmlns:p14="http://schemas.microsoft.com/office/powerpoint/2010/main" val="2735657207"/>
       </p:ext>
     </p:extLst>
   </p:cSld>
   <p:clrMapOvr>
     <a:masterClrMapping/>
   </p:clrMapOvr>
-  <p:transition/>
 </p:sld>
 </file>
 
@@ -33707,6 +34080,71 @@
       </p:grpSpPr>
       <p:sp>
         <p:nvSpPr>
+          <p:cNvPr id="70658" name="Title 7"/>
+          <p:cNvSpPr>
+            <a:spLocks noGrp="1"/>
+          </p:cNvSpPr>
+          <p:nvPr>
+            <p:ph type="title"/>
+          </p:nvPr>
+        </p:nvSpPr>
+        <p:spPr>
+          <a:xfrm>
+            <a:off x="-76200" y="5867400"/>
+            <a:ext cx="9134622" cy="782220"/>
+          </a:xfrm>
+        </p:spPr>
+        <p:txBody>
+          <a:bodyPr/>
+          <a:lstStyle/>
+          <a:p>
+            <a:pPr algn="r" eaLnBrk="1" hangingPunct="1"/>
+            <a:r>
+              <a:rPr lang="en-US" sz="8000" dirty="0">
+                <a:solidFill>
+                  <a:srgbClr val="A6A6A6"/>
+                </a:solidFill>
+                <a:latin typeface="Arial" charset="0"/>
+                <a:cs typeface="Arial" charset="0"/>
+              </a:rPr>
+              <a:t>summary</a:t>
+            </a:r>
+          </a:p>
+        </p:txBody>
+      </p:sp>
+    </p:spTree>
+    <p:extLst>
+      <p:ext uri="{BB962C8B-B14F-4D97-AF65-F5344CB8AC3E}">
+        <p14:creationId xmlns:p14="http://schemas.microsoft.com/office/powerpoint/2010/main" val="1494445000"/>
+      </p:ext>
+    </p:extLst>
+  </p:cSld>
+  <p:clrMapOvr>
+    <a:masterClrMapping/>
+  </p:clrMapOvr>
+  <p:transition/>
+</p:sld>
+</file>
+
+<file path=ppt/slides/slide59.xml><?xml version="1.0" encoding="utf-8"?>
+<p:sld xmlns:a="http://schemas.openxmlformats.org/drawingml/2006/main" xmlns:r="http://schemas.openxmlformats.org/officeDocument/2006/relationships" xmlns:p="http://schemas.openxmlformats.org/presentationml/2006/main">
+  <p:cSld>
+    <p:spTree>
+      <p:nvGrpSpPr>
+        <p:cNvPr id="1" name=""/>
+        <p:cNvGrpSpPr/>
+        <p:nvPr/>
+      </p:nvGrpSpPr>
+      <p:grpSpPr>
+        <a:xfrm>
+          <a:off x="0" y="0"/>
+          <a:ext cx="0" cy="0"/>
+          <a:chOff x="0" y="0"/>
+          <a:chExt cx="0" cy="0"/>
+        </a:xfrm>
+      </p:grpSpPr>
+      <p:sp>
+        <p:nvSpPr>
           <p:cNvPr id="4" name="Rectangle 3">
             <a:extLst>
               <a:ext uri="{FF2B5EF4-FFF2-40B4-BE49-F238E27FC236}">
@@ -33822,7 +34260,503 @@
 </p:sld>
 </file>
 
-<file path=ppt/slides/slide59.xml><?xml version="1.0" encoding="utf-8"?>
+<file path=ppt/slides/slide6.xml><?xml version="1.0" encoding="utf-8"?>
+<p:sld xmlns:a="http://schemas.openxmlformats.org/drawingml/2006/main" xmlns:r="http://schemas.openxmlformats.org/officeDocument/2006/relationships" xmlns:p="http://schemas.openxmlformats.org/presentationml/2006/main">
+  <p:cSld>
+    <p:spTree>
+      <p:nvGrpSpPr>
+        <p:cNvPr id="1" name=""/>
+        <p:cNvGrpSpPr/>
+        <p:nvPr/>
+      </p:nvGrpSpPr>
+      <p:grpSpPr>
+        <a:xfrm>
+          <a:off x="0" y="0"/>
+          <a:ext cx="0" cy="0"/>
+          <a:chOff x="0" y="0"/>
+          <a:chExt cx="0" cy="0"/>
+        </a:xfrm>
+      </p:grpSpPr>
+      <p:sp>
+        <p:nvSpPr>
+          <p:cNvPr id="4" name="Content Placeholder 2">
+            <a:extLst>
+              <a:ext uri="{FF2B5EF4-FFF2-40B4-BE49-F238E27FC236}">
+                <a16:creationId xmlns:a16="http://schemas.microsoft.com/office/drawing/2014/main" id="{88C898D3-8103-2F4D-9286-DCD3618B6B8C}"/>
+              </a:ext>
+            </a:extLst>
+          </p:cNvPr>
+          <p:cNvSpPr txBox="1">
+            <a:spLocks/>
+          </p:cNvSpPr>
+          <p:nvPr/>
+        </p:nvSpPr>
+        <p:spPr bwMode="auto">
+          <a:xfrm>
+            <a:off x="381000" y="304800"/>
+            <a:ext cx="8153400" cy="1600200"/>
+          </a:xfrm>
+          <a:prstGeom prst="rect">
+            <a:avLst/>
+          </a:prstGeom>
+          <a:noFill/>
+          <a:ln>
+            <a:noFill/>
+          </a:ln>
+          <a:extLst>
+            <a:ext uri="{909E8E84-426E-40dd-AFC4-6F175D3DCCD1}">
+              <a14:hiddenFill xmlns:a14="http://schemas.microsoft.com/office/drawing/2010/main" xmlns="">
+                <a:solidFill>
+                  <a:srgbClr val="FFFFFF"/>
+                </a:solidFill>
+              </a14:hiddenFill>
+            </a:ext>
+            <a:ext uri="{91240B29-F687-4f45-9708-019B960494DF}">
+              <a14:hiddenLine xmlns:a14="http://schemas.microsoft.com/office/drawing/2010/main" xmlns="" w="9525">
+                <a:solidFill>
+                  <a:srgbClr val="000000"/>
+                </a:solidFill>
+                <a:miter lim="800000"/>
+                <a:headEnd/>
+                <a:tailEnd/>
+              </a14:hiddenLine>
+            </a:ext>
+            <a:ext uri="{FAA26D3D-D897-4be2-8F04-BA451C77F1D7}">
+              <ma14:placeholderFlag xmlns:ma14="http://schemas.microsoft.com/office/mac/drawingml/2011/main" xmlns="" val="1"/>
+            </a:ext>
+          </a:extLst>
+        </p:spPr>
+        <p:txBody>
+          <a:bodyPr vert="horz" wrap="square" lIns="91440" tIns="45720" rIns="91440" bIns="45720" numCol="1" anchor="t" anchorCtr="0" compatLnSpc="1">
+            <a:prstTxWarp prst="textNoShape">
+              <a:avLst/>
+            </a:prstTxWarp>
+          </a:bodyPr>
+          <a:lstStyle>
+            <a:lvl1pPr marL="0" indent="0" algn="l" rtl="0" eaLnBrk="0" fontAlgn="base" hangingPunct="0">
+              <a:spcBef>
+                <a:spcPct val="20000"/>
+              </a:spcBef>
+              <a:spcAft>
+                <a:spcPct val="0"/>
+              </a:spcAft>
+              <a:defRPr sz="2400">
+                <a:solidFill>
+                  <a:srgbClr val="404040"/>
+                </a:solidFill>
+                <a:latin typeface="+mn-lt"/>
+                <a:ea typeface="ＭＳ Ｐゴシック" charset="0"/>
+                <a:cs typeface="+mn-cs"/>
+              </a:defRPr>
+            </a:lvl1pPr>
+            <a:lvl2pPr marL="742950" indent="-285750" algn="l" rtl="0" eaLnBrk="0" fontAlgn="base" hangingPunct="0">
+              <a:spcBef>
+                <a:spcPct val="20000"/>
+              </a:spcBef>
+              <a:spcAft>
+                <a:spcPct val="0"/>
+              </a:spcAft>
+              <a:defRPr sz="2400">
+                <a:solidFill>
+                  <a:srgbClr val="404040"/>
+                </a:solidFill>
+                <a:latin typeface="+mn-lt"/>
+                <a:ea typeface="+mn-ea"/>
+                <a:cs typeface="+mn-cs"/>
+              </a:defRPr>
+            </a:lvl2pPr>
+            <a:lvl3pPr marL="1143000" indent="-228600" algn="l" rtl="0" eaLnBrk="0" fontAlgn="base" hangingPunct="0">
+              <a:spcBef>
+                <a:spcPct val="20000"/>
+              </a:spcBef>
+              <a:spcAft>
+                <a:spcPct val="0"/>
+              </a:spcAft>
+              <a:defRPr sz="2400">
+                <a:solidFill>
+                  <a:srgbClr val="404040"/>
+                </a:solidFill>
+                <a:latin typeface="+mn-lt"/>
+                <a:ea typeface="+mn-ea"/>
+                <a:cs typeface="+mn-cs"/>
+              </a:defRPr>
+            </a:lvl3pPr>
+            <a:lvl4pPr marL="1600200" indent="-228600" algn="l" rtl="0" eaLnBrk="0" fontAlgn="base" hangingPunct="0">
+              <a:spcBef>
+                <a:spcPct val="20000"/>
+              </a:spcBef>
+              <a:spcAft>
+                <a:spcPct val="0"/>
+              </a:spcAft>
+              <a:defRPr sz="2400">
+                <a:solidFill>
+                  <a:srgbClr val="404040"/>
+                </a:solidFill>
+                <a:latin typeface="+mn-lt"/>
+                <a:ea typeface="+mn-ea"/>
+                <a:cs typeface="+mn-cs"/>
+              </a:defRPr>
+            </a:lvl4pPr>
+            <a:lvl5pPr marL="2057400" indent="-228600" algn="l" rtl="0" eaLnBrk="0" fontAlgn="base" hangingPunct="0">
+              <a:spcBef>
+                <a:spcPct val="20000"/>
+              </a:spcBef>
+              <a:spcAft>
+                <a:spcPct val="0"/>
+              </a:spcAft>
+              <a:defRPr sz="2400">
+                <a:solidFill>
+                  <a:srgbClr val="404040"/>
+                </a:solidFill>
+                <a:latin typeface="+mn-lt"/>
+                <a:ea typeface="+mn-ea"/>
+                <a:cs typeface="+mn-cs"/>
+              </a:defRPr>
+            </a:lvl5pPr>
+            <a:lvl6pPr marL="2514600" indent="-228600" algn="l" rtl="0" fontAlgn="base">
+              <a:spcBef>
+                <a:spcPct val="20000"/>
+              </a:spcBef>
+              <a:spcAft>
+                <a:spcPct val="0"/>
+              </a:spcAft>
+              <a:buChar char="»"/>
+              <a:defRPr sz="2000">
+                <a:solidFill>
+                  <a:schemeClr val="tx1"/>
+                </a:solidFill>
+                <a:latin typeface="+mn-lt"/>
+                <a:ea typeface="+mn-ea"/>
+                <a:cs typeface="+mn-cs"/>
+              </a:defRPr>
+            </a:lvl6pPr>
+            <a:lvl7pPr marL="2971800" indent="-228600" algn="l" rtl="0" fontAlgn="base">
+              <a:spcBef>
+                <a:spcPct val="20000"/>
+              </a:spcBef>
+              <a:spcAft>
+                <a:spcPct val="0"/>
+              </a:spcAft>
+              <a:buChar char="»"/>
+              <a:defRPr sz="2000">
+                <a:solidFill>
+                  <a:schemeClr val="tx1"/>
+                </a:solidFill>
+                <a:latin typeface="+mn-lt"/>
+                <a:ea typeface="+mn-ea"/>
+                <a:cs typeface="+mn-cs"/>
+              </a:defRPr>
+            </a:lvl7pPr>
+            <a:lvl8pPr marL="3429000" indent="-228600" algn="l" rtl="0" fontAlgn="base">
+              <a:spcBef>
+                <a:spcPct val="20000"/>
+              </a:spcBef>
+              <a:spcAft>
+                <a:spcPct val="0"/>
+              </a:spcAft>
+              <a:buChar char="»"/>
+              <a:defRPr sz="2000">
+                <a:solidFill>
+                  <a:schemeClr val="tx1"/>
+                </a:solidFill>
+                <a:latin typeface="+mn-lt"/>
+                <a:ea typeface="+mn-ea"/>
+                <a:cs typeface="+mn-cs"/>
+              </a:defRPr>
+            </a:lvl8pPr>
+            <a:lvl9pPr marL="3886200" indent="-228600" algn="l" rtl="0" fontAlgn="base">
+              <a:spcBef>
+                <a:spcPct val="20000"/>
+              </a:spcBef>
+              <a:spcAft>
+                <a:spcPct val="0"/>
+              </a:spcAft>
+              <a:buChar char="»"/>
+              <a:defRPr sz="2000">
+                <a:solidFill>
+                  <a:schemeClr val="tx1"/>
+                </a:solidFill>
+                <a:latin typeface="+mn-lt"/>
+                <a:ea typeface="+mn-ea"/>
+                <a:cs typeface="+mn-cs"/>
+              </a:defRPr>
+            </a:lvl9pPr>
+          </a:lstStyle>
+          <a:p>
+            <a:r>
+              <a:rPr lang="en-US" b="0" dirty="0">
+                <a:latin typeface="Arial" charset="0"/>
+                <a:cs typeface="Arial" charset="0"/>
+              </a:rPr>
+              <a:t>this theoretical normal distribution can then be compared to the actual distribution of the data. </a:t>
+            </a:r>
+          </a:p>
+        </p:txBody>
+      </p:sp>
+      <p:pic>
+        <p:nvPicPr>
+          <p:cNvPr id="6" name="Picture 5">
+            <a:extLst>
+              <a:ext uri="{FF2B5EF4-FFF2-40B4-BE49-F238E27FC236}">
+                <a16:creationId xmlns:a16="http://schemas.microsoft.com/office/drawing/2014/main" id="{EEA360C9-F16C-2543-A9F2-AD748D3DBA3A}"/>
+              </a:ext>
+            </a:extLst>
+          </p:cNvPr>
+          <p:cNvPicPr>
+            <a:picLocks noChangeAspect="1"/>
+          </p:cNvPicPr>
+          <p:nvPr/>
+        </p:nvPicPr>
+        <p:blipFill>
+          <a:blip r:embed="rId2"/>
+          <a:stretch>
+            <a:fillRect/>
+          </a:stretch>
+        </p:blipFill>
+        <p:spPr>
+          <a:xfrm>
+            <a:off x="1066800" y="1447800"/>
+            <a:ext cx="7226300" cy="4292600"/>
+          </a:xfrm>
+          <a:prstGeom prst="rect">
+            <a:avLst/>
+          </a:prstGeom>
+        </p:spPr>
+      </p:pic>
+      <p:sp>
+        <p:nvSpPr>
+          <p:cNvPr id="7" name="Content Placeholder 2">
+            <a:extLst>
+              <a:ext uri="{FF2B5EF4-FFF2-40B4-BE49-F238E27FC236}">
+                <a16:creationId xmlns:a16="http://schemas.microsoft.com/office/drawing/2014/main" id="{D808F20F-457A-5644-BC3C-49EDACEE53A4}"/>
+              </a:ext>
+            </a:extLst>
+          </p:cNvPr>
+          <p:cNvSpPr txBox="1">
+            <a:spLocks/>
+          </p:cNvSpPr>
+          <p:nvPr/>
+        </p:nvSpPr>
+        <p:spPr bwMode="auto">
+          <a:xfrm>
+            <a:off x="381000" y="5751286"/>
+            <a:ext cx="8153400" cy="954314"/>
+          </a:xfrm>
+          <a:prstGeom prst="rect">
+            <a:avLst/>
+          </a:prstGeom>
+          <a:noFill/>
+          <a:ln>
+            <a:noFill/>
+          </a:ln>
+          <a:extLst>
+            <a:ext uri="{909E8E84-426E-40dd-AFC4-6F175D3DCCD1}">
+              <a14:hiddenFill xmlns:a14="http://schemas.microsoft.com/office/drawing/2010/main" xmlns="">
+                <a:solidFill>
+                  <a:srgbClr val="FFFFFF"/>
+                </a:solidFill>
+              </a14:hiddenFill>
+            </a:ext>
+            <a:ext uri="{91240B29-F687-4f45-9708-019B960494DF}">
+              <a14:hiddenLine xmlns:a14="http://schemas.microsoft.com/office/drawing/2010/main" xmlns="" w="9525">
+                <a:solidFill>
+                  <a:srgbClr val="000000"/>
+                </a:solidFill>
+                <a:miter lim="800000"/>
+                <a:headEnd/>
+                <a:tailEnd/>
+              </a14:hiddenLine>
+            </a:ext>
+            <a:ext uri="{FAA26D3D-D897-4be2-8F04-BA451C77F1D7}">
+              <ma14:placeholderFlag xmlns:ma14="http://schemas.microsoft.com/office/mac/drawingml/2011/main" xmlns="" val="1"/>
+            </a:ext>
+          </a:extLst>
+        </p:spPr>
+        <p:txBody>
+          <a:bodyPr vert="horz" wrap="square" lIns="91440" tIns="45720" rIns="91440" bIns="45720" numCol="1" anchor="t" anchorCtr="0" compatLnSpc="1">
+            <a:prstTxWarp prst="textNoShape">
+              <a:avLst/>
+            </a:prstTxWarp>
+          </a:bodyPr>
+          <a:lstStyle>
+            <a:lvl1pPr marL="0" indent="0" algn="l" rtl="0" eaLnBrk="0" fontAlgn="base" hangingPunct="0">
+              <a:spcBef>
+                <a:spcPct val="20000"/>
+              </a:spcBef>
+              <a:spcAft>
+                <a:spcPct val="0"/>
+              </a:spcAft>
+              <a:defRPr sz="2400">
+                <a:solidFill>
+                  <a:srgbClr val="404040"/>
+                </a:solidFill>
+                <a:latin typeface="+mn-lt"/>
+                <a:ea typeface="ＭＳ Ｐゴシック" charset="0"/>
+                <a:cs typeface="+mn-cs"/>
+              </a:defRPr>
+            </a:lvl1pPr>
+            <a:lvl2pPr marL="742950" indent="-285750" algn="l" rtl="0" eaLnBrk="0" fontAlgn="base" hangingPunct="0">
+              <a:spcBef>
+                <a:spcPct val="20000"/>
+              </a:spcBef>
+              <a:spcAft>
+                <a:spcPct val="0"/>
+              </a:spcAft>
+              <a:defRPr sz="2400">
+                <a:solidFill>
+                  <a:srgbClr val="404040"/>
+                </a:solidFill>
+                <a:latin typeface="+mn-lt"/>
+                <a:ea typeface="+mn-ea"/>
+                <a:cs typeface="+mn-cs"/>
+              </a:defRPr>
+            </a:lvl2pPr>
+            <a:lvl3pPr marL="1143000" indent="-228600" algn="l" rtl="0" eaLnBrk="0" fontAlgn="base" hangingPunct="0">
+              <a:spcBef>
+                <a:spcPct val="20000"/>
+              </a:spcBef>
+              <a:spcAft>
+                <a:spcPct val="0"/>
+              </a:spcAft>
+              <a:defRPr sz="2400">
+                <a:solidFill>
+                  <a:srgbClr val="404040"/>
+                </a:solidFill>
+                <a:latin typeface="+mn-lt"/>
+                <a:ea typeface="+mn-ea"/>
+                <a:cs typeface="+mn-cs"/>
+              </a:defRPr>
+            </a:lvl3pPr>
+            <a:lvl4pPr marL="1600200" indent="-228600" algn="l" rtl="0" eaLnBrk="0" fontAlgn="base" hangingPunct="0">
+              <a:spcBef>
+                <a:spcPct val="20000"/>
+              </a:spcBef>
+              <a:spcAft>
+                <a:spcPct val="0"/>
+              </a:spcAft>
+              <a:defRPr sz="2400">
+                <a:solidFill>
+                  <a:srgbClr val="404040"/>
+                </a:solidFill>
+                <a:latin typeface="+mn-lt"/>
+                <a:ea typeface="+mn-ea"/>
+                <a:cs typeface="+mn-cs"/>
+              </a:defRPr>
+            </a:lvl4pPr>
+            <a:lvl5pPr marL="2057400" indent="-228600" algn="l" rtl="0" eaLnBrk="0" fontAlgn="base" hangingPunct="0">
+              <a:spcBef>
+                <a:spcPct val="20000"/>
+              </a:spcBef>
+              <a:spcAft>
+                <a:spcPct val="0"/>
+              </a:spcAft>
+              <a:defRPr sz="2400">
+                <a:solidFill>
+                  <a:srgbClr val="404040"/>
+                </a:solidFill>
+                <a:latin typeface="+mn-lt"/>
+                <a:ea typeface="+mn-ea"/>
+                <a:cs typeface="+mn-cs"/>
+              </a:defRPr>
+            </a:lvl5pPr>
+            <a:lvl6pPr marL="2514600" indent="-228600" algn="l" rtl="0" fontAlgn="base">
+              <a:spcBef>
+                <a:spcPct val="20000"/>
+              </a:spcBef>
+              <a:spcAft>
+                <a:spcPct val="0"/>
+              </a:spcAft>
+              <a:buChar char="»"/>
+              <a:defRPr sz="2000">
+                <a:solidFill>
+                  <a:schemeClr val="tx1"/>
+                </a:solidFill>
+                <a:latin typeface="+mn-lt"/>
+                <a:ea typeface="+mn-ea"/>
+                <a:cs typeface="+mn-cs"/>
+              </a:defRPr>
+            </a:lvl6pPr>
+            <a:lvl7pPr marL="2971800" indent="-228600" algn="l" rtl="0" fontAlgn="base">
+              <a:spcBef>
+                <a:spcPct val="20000"/>
+              </a:spcBef>
+              <a:spcAft>
+                <a:spcPct val="0"/>
+              </a:spcAft>
+              <a:buChar char="»"/>
+              <a:defRPr sz="2000">
+                <a:solidFill>
+                  <a:schemeClr val="tx1"/>
+                </a:solidFill>
+                <a:latin typeface="+mn-lt"/>
+                <a:ea typeface="+mn-ea"/>
+                <a:cs typeface="+mn-cs"/>
+              </a:defRPr>
+            </a:lvl7pPr>
+            <a:lvl8pPr marL="3429000" indent="-228600" algn="l" rtl="0" fontAlgn="base">
+              <a:spcBef>
+                <a:spcPct val="20000"/>
+              </a:spcBef>
+              <a:spcAft>
+                <a:spcPct val="0"/>
+              </a:spcAft>
+              <a:buChar char="»"/>
+              <a:defRPr sz="2000">
+                <a:solidFill>
+                  <a:schemeClr val="tx1"/>
+                </a:solidFill>
+                <a:latin typeface="+mn-lt"/>
+                <a:ea typeface="+mn-ea"/>
+                <a:cs typeface="+mn-cs"/>
+              </a:defRPr>
+            </a:lvl8pPr>
+            <a:lvl9pPr marL="3886200" indent="-228600" algn="l" rtl="0" fontAlgn="base">
+              <a:spcBef>
+                <a:spcPct val="20000"/>
+              </a:spcBef>
+              <a:spcAft>
+                <a:spcPct val="0"/>
+              </a:spcAft>
+              <a:buChar char="»"/>
+              <a:defRPr sz="2000">
+                <a:solidFill>
+                  <a:schemeClr val="tx1"/>
+                </a:solidFill>
+                <a:latin typeface="+mn-lt"/>
+                <a:ea typeface="+mn-ea"/>
+                <a:cs typeface="+mn-cs"/>
+              </a:defRPr>
+            </a:lvl9pPr>
+          </a:lstStyle>
+          <a:p>
+            <a:pPr algn="ctr"/>
+            <a:r>
+              <a:rPr lang="en-US" dirty="0">
+                <a:solidFill>
+                  <a:srgbClr val="99CC00"/>
+                </a:solidFill>
+                <a:latin typeface="Arial" charset="0"/>
+                <a:cs typeface="Arial" charset="0"/>
+              </a:rPr>
+              <a:t>&lt;are the actual data statistically different than the computed normal curve? &gt;</a:t>
+            </a:r>
+          </a:p>
+        </p:txBody>
+      </p:sp>
+    </p:spTree>
+    <p:extLst>
+      <p:ext uri="{BB962C8B-B14F-4D97-AF65-F5344CB8AC3E}">
+        <p14:creationId xmlns:p14="http://schemas.microsoft.com/office/powerpoint/2010/main" val="2416428669"/>
+      </p:ext>
+    </p:extLst>
+  </p:cSld>
+  <p:clrMapOvr>
+    <a:masterClrMapping/>
+  </p:clrMapOvr>
+</p:sld>
+</file>
+
+<file path=ppt/slides/slide60.xml><?xml version="1.0" encoding="utf-8"?>
 <p:sld xmlns:a="http://schemas.openxmlformats.org/drawingml/2006/main" xmlns:r="http://schemas.openxmlformats.org/officeDocument/2006/relationships" xmlns:p="http://schemas.openxmlformats.org/presentationml/2006/main">
   <p:cSld>
     <p:spTree>
@@ -38657,503 +39591,7 @@
 </p:sld>
 </file>
 
-<file path=ppt/slides/slide6.xml><?xml version="1.0" encoding="utf-8"?>
-<p:sld xmlns:a="http://schemas.openxmlformats.org/drawingml/2006/main" xmlns:r="http://schemas.openxmlformats.org/officeDocument/2006/relationships" xmlns:p="http://schemas.openxmlformats.org/presentationml/2006/main">
-  <p:cSld>
-    <p:spTree>
-      <p:nvGrpSpPr>
-        <p:cNvPr id="1" name=""/>
-        <p:cNvGrpSpPr/>
-        <p:nvPr/>
-      </p:nvGrpSpPr>
-      <p:grpSpPr>
-        <a:xfrm>
-          <a:off x="0" y="0"/>
-          <a:ext cx="0" cy="0"/>
-          <a:chOff x="0" y="0"/>
-          <a:chExt cx="0" cy="0"/>
-        </a:xfrm>
-      </p:grpSpPr>
-      <p:sp>
-        <p:nvSpPr>
-          <p:cNvPr id="4" name="Content Placeholder 2">
-            <a:extLst>
-              <a:ext uri="{FF2B5EF4-FFF2-40B4-BE49-F238E27FC236}">
-                <a16:creationId xmlns:a16="http://schemas.microsoft.com/office/drawing/2014/main" id="{88C898D3-8103-2F4D-9286-DCD3618B6B8C}"/>
-              </a:ext>
-            </a:extLst>
-          </p:cNvPr>
-          <p:cNvSpPr txBox="1">
-            <a:spLocks/>
-          </p:cNvSpPr>
-          <p:nvPr/>
-        </p:nvSpPr>
-        <p:spPr bwMode="auto">
-          <a:xfrm>
-            <a:off x="381000" y="304800"/>
-            <a:ext cx="8153400" cy="1600200"/>
-          </a:xfrm>
-          <a:prstGeom prst="rect">
-            <a:avLst/>
-          </a:prstGeom>
-          <a:noFill/>
-          <a:ln>
-            <a:noFill/>
-          </a:ln>
-          <a:extLst>
-            <a:ext uri="{909E8E84-426E-40dd-AFC4-6F175D3DCCD1}">
-              <a14:hiddenFill xmlns="" xmlns:a14="http://schemas.microsoft.com/office/drawing/2010/main">
-                <a:solidFill>
-                  <a:srgbClr val="FFFFFF"/>
-                </a:solidFill>
-              </a14:hiddenFill>
-            </a:ext>
-            <a:ext uri="{91240B29-F687-4f45-9708-019B960494DF}">
-              <a14:hiddenLine xmlns="" xmlns:a14="http://schemas.microsoft.com/office/drawing/2010/main" w="9525">
-                <a:solidFill>
-                  <a:srgbClr val="000000"/>
-                </a:solidFill>
-                <a:miter lim="800000"/>
-                <a:headEnd/>
-                <a:tailEnd/>
-              </a14:hiddenLine>
-            </a:ext>
-            <a:ext uri="{FAA26D3D-D897-4be2-8F04-BA451C77F1D7}">
-              <ma14:placeholderFlag xmlns="" xmlns:ma14="http://schemas.microsoft.com/office/mac/drawingml/2011/main" val="1"/>
-            </a:ext>
-          </a:extLst>
-        </p:spPr>
-        <p:txBody>
-          <a:bodyPr vert="horz" wrap="square" lIns="91440" tIns="45720" rIns="91440" bIns="45720" numCol="1" anchor="t" anchorCtr="0" compatLnSpc="1">
-            <a:prstTxWarp prst="textNoShape">
-              <a:avLst/>
-            </a:prstTxWarp>
-          </a:bodyPr>
-          <a:lstStyle>
-            <a:lvl1pPr marL="0" indent="0" algn="l" rtl="0" eaLnBrk="0" fontAlgn="base" hangingPunct="0">
-              <a:spcBef>
-                <a:spcPct val="20000"/>
-              </a:spcBef>
-              <a:spcAft>
-                <a:spcPct val="0"/>
-              </a:spcAft>
-              <a:defRPr sz="2400">
-                <a:solidFill>
-                  <a:srgbClr val="404040"/>
-                </a:solidFill>
-                <a:latin typeface="+mn-lt"/>
-                <a:ea typeface="ＭＳ Ｐゴシック" charset="0"/>
-                <a:cs typeface="+mn-cs"/>
-              </a:defRPr>
-            </a:lvl1pPr>
-            <a:lvl2pPr marL="742950" indent="-285750" algn="l" rtl="0" eaLnBrk="0" fontAlgn="base" hangingPunct="0">
-              <a:spcBef>
-                <a:spcPct val="20000"/>
-              </a:spcBef>
-              <a:spcAft>
-                <a:spcPct val="0"/>
-              </a:spcAft>
-              <a:defRPr sz="2400">
-                <a:solidFill>
-                  <a:srgbClr val="404040"/>
-                </a:solidFill>
-                <a:latin typeface="+mn-lt"/>
-                <a:ea typeface="+mn-ea"/>
-                <a:cs typeface="+mn-cs"/>
-              </a:defRPr>
-            </a:lvl2pPr>
-            <a:lvl3pPr marL="1143000" indent="-228600" algn="l" rtl="0" eaLnBrk="0" fontAlgn="base" hangingPunct="0">
-              <a:spcBef>
-                <a:spcPct val="20000"/>
-              </a:spcBef>
-              <a:spcAft>
-                <a:spcPct val="0"/>
-              </a:spcAft>
-              <a:defRPr sz="2400">
-                <a:solidFill>
-                  <a:srgbClr val="404040"/>
-                </a:solidFill>
-                <a:latin typeface="+mn-lt"/>
-                <a:ea typeface="+mn-ea"/>
-                <a:cs typeface="+mn-cs"/>
-              </a:defRPr>
-            </a:lvl3pPr>
-            <a:lvl4pPr marL="1600200" indent="-228600" algn="l" rtl="0" eaLnBrk="0" fontAlgn="base" hangingPunct="0">
-              <a:spcBef>
-                <a:spcPct val="20000"/>
-              </a:spcBef>
-              <a:spcAft>
-                <a:spcPct val="0"/>
-              </a:spcAft>
-              <a:defRPr sz="2400">
-                <a:solidFill>
-                  <a:srgbClr val="404040"/>
-                </a:solidFill>
-                <a:latin typeface="+mn-lt"/>
-                <a:ea typeface="+mn-ea"/>
-                <a:cs typeface="+mn-cs"/>
-              </a:defRPr>
-            </a:lvl4pPr>
-            <a:lvl5pPr marL="2057400" indent="-228600" algn="l" rtl="0" eaLnBrk="0" fontAlgn="base" hangingPunct="0">
-              <a:spcBef>
-                <a:spcPct val="20000"/>
-              </a:spcBef>
-              <a:spcAft>
-                <a:spcPct val="0"/>
-              </a:spcAft>
-              <a:defRPr sz="2400">
-                <a:solidFill>
-                  <a:srgbClr val="404040"/>
-                </a:solidFill>
-                <a:latin typeface="+mn-lt"/>
-                <a:ea typeface="+mn-ea"/>
-                <a:cs typeface="+mn-cs"/>
-              </a:defRPr>
-            </a:lvl5pPr>
-            <a:lvl6pPr marL="2514600" indent="-228600" algn="l" rtl="0" fontAlgn="base">
-              <a:spcBef>
-                <a:spcPct val="20000"/>
-              </a:spcBef>
-              <a:spcAft>
-                <a:spcPct val="0"/>
-              </a:spcAft>
-              <a:buChar char="»"/>
-              <a:defRPr sz="2000">
-                <a:solidFill>
-                  <a:schemeClr val="tx1"/>
-                </a:solidFill>
-                <a:latin typeface="+mn-lt"/>
-                <a:ea typeface="+mn-ea"/>
-                <a:cs typeface="+mn-cs"/>
-              </a:defRPr>
-            </a:lvl6pPr>
-            <a:lvl7pPr marL="2971800" indent="-228600" algn="l" rtl="0" fontAlgn="base">
-              <a:spcBef>
-                <a:spcPct val="20000"/>
-              </a:spcBef>
-              <a:spcAft>
-                <a:spcPct val="0"/>
-              </a:spcAft>
-              <a:buChar char="»"/>
-              <a:defRPr sz="2000">
-                <a:solidFill>
-                  <a:schemeClr val="tx1"/>
-                </a:solidFill>
-                <a:latin typeface="+mn-lt"/>
-                <a:ea typeface="+mn-ea"/>
-                <a:cs typeface="+mn-cs"/>
-              </a:defRPr>
-            </a:lvl7pPr>
-            <a:lvl8pPr marL="3429000" indent="-228600" algn="l" rtl="0" fontAlgn="base">
-              <a:spcBef>
-                <a:spcPct val="20000"/>
-              </a:spcBef>
-              <a:spcAft>
-                <a:spcPct val="0"/>
-              </a:spcAft>
-              <a:buChar char="»"/>
-              <a:defRPr sz="2000">
-                <a:solidFill>
-                  <a:schemeClr val="tx1"/>
-                </a:solidFill>
-                <a:latin typeface="+mn-lt"/>
-                <a:ea typeface="+mn-ea"/>
-                <a:cs typeface="+mn-cs"/>
-              </a:defRPr>
-            </a:lvl8pPr>
-            <a:lvl9pPr marL="3886200" indent="-228600" algn="l" rtl="0" fontAlgn="base">
-              <a:spcBef>
-                <a:spcPct val="20000"/>
-              </a:spcBef>
-              <a:spcAft>
-                <a:spcPct val="0"/>
-              </a:spcAft>
-              <a:buChar char="»"/>
-              <a:defRPr sz="2000">
-                <a:solidFill>
-                  <a:schemeClr val="tx1"/>
-                </a:solidFill>
-                <a:latin typeface="+mn-lt"/>
-                <a:ea typeface="+mn-ea"/>
-                <a:cs typeface="+mn-cs"/>
-              </a:defRPr>
-            </a:lvl9pPr>
-          </a:lstStyle>
-          <a:p>
-            <a:r>
-              <a:rPr lang="en-US" b="0" dirty="0">
-                <a:latin typeface="Arial" charset="0"/>
-                <a:cs typeface="Arial" charset="0"/>
-              </a:rPr>
-              <a:t>this theoretical normal distribution can then be compared to the actual distribution of the data. </a:t>
-            </a:r>
-          </a:p>
-        </p:txBody>
-      </p:sp>
-      <p:pic>
-        <p:nvPicPr>
-          <p:cNvPr id="6" name="Picture 5">
-            <a:extLst>
-              <a:ext uri="{FF2B5EF4-FFF2-40B4-BE49-F238E27FC236}">
-                <a16:creationId xmlns:a16="http://schemas.microsoft.com/office/drawing/2014/main" id="{EEA360C9-F16C-2543-A9F2-AD748D3DBA3A}"/>
-              </a:ext>
-            </a:extLst>
-          </p:cNvPr>
-          <p:cNvPicPr>
-            <a:picLocks noChangeAspect="1"/>
-          </p:cNvPicPr>
-          <p:nvPr/>
-        </p:nvPicPr>
-        <p:blipFill>
-          <a:blip r:embed="rId2"/>
-          <a:stretch>
-            <a:fillRect/>
-          </a:stretch>
-        </p:blipFill>
-        <p:spPr>
-          <a:xfrm>
-            <a:off x="1066800" y="1447800"/>
-            <a:ext cx="7226300" cy="4292600"/>
-          </a:xfrm>
-          <a:prstGeom prst="rect">
-            <a:avLst/>
-          </a:prstGeom>
-        </p:spPr>
-      </p:pic>
-      <p:sp>
-        <p:nvSpPr>
-          <p:cNvPr id="7" name="Content Placeholder 2">
-            <a:extLst>
-              <a:ext uri="{FF2B5EF4-FFF2-40B4-BE49-F238E27FC236}">
-                <a16:creationId xmlns:a16="http://schemas.microsoft.com/office/drawing/2014/main" id="{D808F20F-457A-5644-BC3C-49EDACEE53A4}"/>
-              </a:ext>
-            </a:extLst>
-          </p:cNvPr>
-          <p:cNvSpPr txBox="1">
-            <a:spLocks/>
-          </p:cNvSpPr>
-          <p:nvPr/>
-        </p:nvSpPr>
-        <p:spPr bwMode="auto">
-          <a:xfrm>
-            <a:off x="381000" y="5751286"/>
-            <a:ext cx="8153400" cy="954314"/>
-          </a:xfrm>
-          <a:prstGeom prst="rect">
-            <a:avLst/>
-          </a:prstGeom>
-          <a:noFill/>
-          <a:ln>
-            <a:noFill/>
-          </a:ln>
-          <a:extLst>
-            <a:ext uri="{909E8E84-426E-40dd-AFC4-6F175D3DCCD1}">
-              <a14:hiddenFill xmlns="" xmlns:a14="http://schemas.microsoft.com/office/drawing/2010/main">
-                <a:solidFill>
-                  <a:srgbClr val="FFFFFF"/>
-                </a:solidFill>
-              </a14:hiddenFill>
-            </a:ext>
-            <a:ext uri="{91240B29-F687-4f45-9708-019B960494DF}">
-              <a14:hiddenLine xmlns="" xmlns:a14="http://schemas.microsoft.com/office/drawing/2010/main" w="9525">
-                <a:solidFill>
-                  <a:srgbClr val="000000"/>
-                </a:solidFill>
-                <a:miter lim="800000"/>
-                <a:headEnd/>
-                <a:tailEnd/>
-              </a14:hiddenLine>
-            </a:ext>
-            <a:ext uri="{FAA26D3D-D897-4be2-8F04-BA451C77F1D7}">
-              <ma14:placeholderFlag xmlns="" xmlns:ma14="http://schemas.microsoft.com/office/mac/drawingml/2011/main" val="1"/>
-            </a:ext>
-          </a:extLst>
-        </p:spPr>
-        <p:txBody>
-          <a:bodyPr vert="horz" wrap="square" lIns="91440" tIns="45720" rIns="91440" bIns="45720" numCol="1" anchor="t" anchorCtr="0" compatLnSpc="1">
-            <a:prstTxWarp prst="textNoShape">
-              <a:avLst/>
-            </a:prstTxWarp>
-          </a:bodyPr>
-          <a:lstStyle>
-            <a:lvl1pPr marL="0" indent="0" algn="l" rtl="0" eaLnBrk="0" fontAlgn="base" hangingPunct="0">
-              <a:spcBef>
-                <a:spcPct val="20000"/>
-              </a:spcBef>
-              <a:spcAft>
-                <a:spcPct val="0"/>
-              </a:spcAft>
-              <a:defRPr sz="2400">
-                <a:solidFill>
-                  <a:srgbClr val="404040"/>
-                </a:solidFill>
-                <a:latin typeface="+mn-lt"/>
-                <a:ea typeface="ＭＳ Ｐゴシック" charset="0"/>
-                <a:cs typeface="+mn-cs"/>
-              </a:defRPr>
-            </a:lvl1pPr>
-            <a:lvl2pPr marL="742950" indent="-285750" algn="l" rtl="0" eaLnBrk="0" fontAlgn="base" hangingPunct="0">
-              <a:spcBef>
-                <a:spcPct val="20000"/>
-              </a:spcBef>
-              <a:spcAft>
-                <a:spcPct val="0"/>
-              </a:spcAft>
-              <a:defRPr sz="2400">
-                <a:solidFill>
-                  <a:srgbClr val="404040"/>
-                </a:solidFill>
-                <a:latin typeface="+mn-lt"/>
-                <a:ea typeface="+mn-ea"/>
-                <a:cs typeface="+mn-cs"/>
-              </a:defRPr>
-            </a:lvl2pPr>
-            <a:lvl3pPr marL="1143000" indent="-228600" algn="l" rtl="0" eaLnBrk="0" fontAlgn="base" hangingPunct="0">
-              <a:spcBef>
-                <a:spcPct val="20000"/>
-              </a:spcBef>
-              <a:spcAft>
-                <a:spcPct val="0"/>
-              </a:spcAft>
-              <a:defRPr sz="2400">
-                <a:solidFill>
-                  <a:srgbClr val="404040"/>
-                </a:solidFill>
-                <a:latin typeface="+mn-lt"/>
-                <a:ea typeface="+mn-ea"/>
-                <a:cs typeface="+mn-cs"/>
-              </a:defRPr>
-            </a:lvl3pPr>
-            <a:lvl4pPr marL="1600200" indent="-228600" algn="l" rtl="0" eaLnBrk="0" fontAlgn="base" hangingPunct="0">
-              <a:spcBef>
-                <a:spcPct val="20000"/>
-              </a:spcBef>
-              <a:spcAft>
-                <a:spcPct val="0"/>
-              </a:spcAft>
-              <a:defRPr sz="2400">
-                <a:solidFill>
-                  <a:srgbClr val="404040"/>
-                </a:solidFill>
-                <a:latin typeface="+mn-lt"/>
-                <a:ea typeface="+mn-ea"/>
-                <a:cs typeface="+mn-cs"/>
-              </a:defRPr>
-            </a:lvl4pPr>
-            <a:lvl5pPr marL="2057400" indent="-228600" algn="l" rtl="0" eaLnBrk="0" fontAlgn="base" hangingPunct="0">
-              <a:spcBef>
-                <a:spcPct val="20000"/>
-              </a:spcBef>
-              <a:spcAft>
-                <a:spcPct val="0"/>
-              </a:spcAft>
-              <a:defRPr sz="2400">
-                <a:solidFill>
-                  <a:srgbClr val="404040"/>
-                </a:solidFill>
-                <a:latin typeface="+mn-lt"/>
-                <a:ea typeface="+mn-ea"/>
-                <a:cs typeface="+mn-cs"/>
-              </a:defRPr>
-            </a:lvl5pPr>
-            <a:lvl6pPr marL="2514600" indent="-228600" algn="l" rtl="0" fontAlgn="base">
-              <a:spcBef>
-                <a:spcPct val="20000"/>
-              </a:spcBef>
-              <a:spcAft>
-                <a:spcPct val="0"/>
-              </a:spcAft>
-              <a:buChar char="»"/>
-              <a:defRPr sz="2000">
-                <a:solidFill>
-                  <a:schemeClr val="tx1"/>
-                </a:solidFill>
-                <a:latin typeface="+mn-lt"/>
-                <a:ea typeface="+mn-ea"/>
-                <a:cs typeface="+mn-cs"/>
-              </a:defRPr>
-            </a:lvl6pPr>
-            <a:lvl7pPr marL="2971800" indent="-228600" algn="l" rtl="0" fontAlgn="base">
-              <a:spcBef>
-                <a:spcPct val="20000"/>
-              </a:spcBef>
-              <a:spcAft>
-                <a:spcPct val="0"/>
-              </a:spcAft>
-              <a:buChar char="»"/>
-              <a:defRPr sz="2000">
-                <a:solidFill>
-                  <a:schemeClr val="tx1"/>
-                </a:solidFill>
-                <a:latin typeface="+mn-lt"/>
-                <a:ea typeface="+mn-ea"/>
-                <a:cs typeface="+mn-cs"/>
-              </a:defRPr>
-            </a:lvl7pPr>
-            <a:lvl8pPr marL="3429000" indent="-228600" algn="l" rtl="0" fontAlgn="base">
-              <a:spcBef>
-                <a:spcPct val="20000"/>
-              </a:spcBef>
-              <a:spcAft>
-                <a:spcPct val="0"/>
-              </a:spcAft>
-              <a:buChar char="»"/>
-              <a:defRPr sz="2000">
-                <a:solidFill>
-                  <a:schemeClr val="tx1"/>
-                </a:solidFill>
-                <a:latin typeface="+mn-lt"/>
-                <a:ea typeface="+mn-ea"/>
-                <a:cs typeface="+mn-cs"/>
-              </a:defRPr>
-            </a:lvl8pPr>
-            <a:lvl9pPr marL="3886200" indent="-228600" algn="l" rtl="0" fontAlgn="base">
-              <a:spcBef>
-                <a:spcPct val="20000"/>
-              </a:spcBef>
-              <a:spcAft>
-                <a:spcPct val="0"/>
-              </a:spcAft>
-              <a:buChar char="»"/>
-              <a:defRPr sz="2000">
-                <a:solidFill>
-                  <a:schemeClr val="tx1"/>
-                </a:solidFill>
-                <a:latin typeface="+mn-lt"/>
-                <a:ea typeface="+mn-ea"/>
-                <a:cs typeface="+mn-cs"/>
-              </a:defRPr>
-            </a:lvl9pPr>
-          </a:lstStyle>
-          <a:p>
-            <a:pPr algn="ctr"/>
-            <a:r>
-              <a:rPr lang="en-US" dirty="0">
-                <a:solidFill>
-                  <a:srgbClr val="99CC00"/>
-                </a:solidFill>
-                <a:latin typeface="Arial" charset="0"/>
-                <a:cs typeface="Arial" charset="0"/>
-              </a:rPr>
-              <a:t>&lt;are the actual data statistically different than the computed normal curve? &gt;</a:t>
-            </a:r>
-          </a:p>
-        </p:txBody>
-      </p:sp>
-    </p:spTree>
-    <p:extLst>
-      <p:ext uri="{BB962C8B-B14F-4D97-AF65-F5344CB8AC3E}">
-        <p14:creationId xmlns:p14="http://schemas.microsoft.com/office/powerpoint/2010/main" val="2416428669"/>
-      </p:ext>
-    </p:extLst>
-  </p:cSld>
-  <p:clrMapOvr>
-    <a:masterClrMapping/>
-  </p:clrMapOvr>
-</p:sld>
-</file>
-
-<file path=ppt/slides/slide60.xml><?xml version="1.0" encoding="utf-8"?>
+<file path=ppt/slides/slide61.xml><?xml version="1.0" encoding="utf-8"?>
 <p:sld xmlns:a="http://schemas.openxmlformats.org/drawingml/2006/main" xmlns:r="http://schemas.openxmlformats.org/officeDocument/2006/relationships" xmlns:p="http://schemas.openxmlformats.org/presentationml/2006/main">
   <p:cSld>
     <p:spTree>
@@ -39270,14 +39708,14 @@
           </a:ln>
           <a:extLst>
             <a:ext uri="{909E8E84-426E-40dd-AFC4-6F175D3DCCD1}">
-              <a14:hiddenFill xmlns="" xmlns:a14="http://schemas.microsoft.com/office/drawing/2010/main">
+              <a14:hiddenFill xmlns:a14="http://schemas.microsoft.com/office/drawing/2010/main" xmlns="">
                 <a:solidFill>
                   <a:srgbClr val="FFFFFF"/>
                 </a:solidFill>
               </a14:hiddenFill>
             </a:ext>
             <a:ext uri="{91240B29-F687-4f45-9708-019B960494DF}">
-              <a14:hiddenLine xmlns="" xmlns:a14="http://schemas.microsoft.com/office/drawing/2010/main" w="9525">
+              <a14:hiddenLine xmlns:a14="http://schemas.microsoft.com/office/drawing/2010/main" xmlns="" w="9525">
                 <a:solidFill>
                   <a:srgbClr val="000000"/>
                 </a:solidFill>
@@ -39287,7 +39725,7 @@
               </a14:hiddenLine>
             </a:ext>
             <a:ext uri="{FAA26D3D-D897-4be2-8F04-BA451C77F1D7}">
-              <ma14:placeholderFlag xmlns="" xmlns:ma14="http://schemas.microsoft.com/office/mac/drawingml/2011/main" val="1"/>
+              <ma14:placeholderFlag xmlns:ma14="http://schemas.microsoft.com/office/mac/drawingml/2011/main" xmlns="" val="1"/>
             </a:ext>
           </a:extLst>
         </p:spPr>
@@ -39725,7 +40163,7 @@
             </a:ln>
             <a:extLst>
               <a:ext uri="{91240B29-F687-4f45-9708-019B960494DF}">
-                <a14:hiddenLine xmlns="" xmlns:a14="http://schemas.microsoft.com/office/drawing/2010/main" w="9525">
+                <a14:hiddenLine xmlns:a14="http://schemas.microsoft.com/office/drawing/2010/main" xmlns="" w="9525">
                   <a:solidFill>
                     <a:srgbClr val="000000"/>
                   </a:solidFill>
@@ -39776,14 +40214,14 @@
             </a:ln>
             <a:extLst>
               <a:ext uri="{909E8E84-426E-40dd-AFC4-6F175D3DCCD1}">
-                <a14:hiddenFill xmlns="" xmlns:a14="http://schemas.microsoft.com/office/drawing/2010/main">
+                <a14:hiddenFill xmlns:a14="http://schemas.microsoft.com/office/drawing/2010/main" xmlns="">
                   <a:solidFill>
                     <a:srgbClr val="FFFFFF"/>
                   </a:solidFill>
                 </a14:hiddenFill>
               </a:ext>
               <a:ext uri="{91240B29-F687-4f45-9708-019B960494DF}">
-                <a14:hiddenLine xmlns="" xmlns:a14="http://schemas.microsoft.com/office/drawing/2010/main" w="9525">
+                <a14:hiddenLine xmlns:a14="http://schemas.microsoft.com/office/drawing/2010/main" xmlns="" w="9525">
                   <a:solidFill>
                     <a:srgbClr val="000000"/>
                   </a:solidFill>
@@ -40079,14 +40517,14 @@
           </a:ln>
           <a:extLst>
             <a:ext uri="{909E8E84-426E-40dd-AFC4-6F175D3DCCD1}">
-              <a14:hiddenFill xmlns="" xmlns:a14="http://schemas.microsoft.com/office/drawing/2010/main">
+              <a14:hiddenFill xmlns:a14="http://schemas.microsoft.com/office/drawing/2010/main" xmlns="">
                 <a:solidFill>
                   <a:srgbClr val="FFFFFF"/>
                 </a:solidFill>
               </a14:hiddenFill>
             </a:ext>
             <a:ext uri="{91240B29-F687-4f45-9708-019B960494DF}">
-              <a14:hiddenLine xmlns="" xmlns:a14="http://schemas.microsoft.com/office/drawing/2010/main" w="9525">
+              <a14:hiddenLine xmlns:a14="http://schemas.microsoft.com/office/drawing/2010/main" xmlns="" w="9525">
                 <a:solidFill>
                   <a:srgbClr val="000000"/>
                 </a:solidFill>
@@ -40096,7 +40534,7 @@
               </a14:hiddenLine>
             </a:ext>
             <a:ext uri="{FAA26D3D-D897-4be2-8F04-BA451C77F1D7}">
-              <ma14:placeholderFlag xmlns="" xmlns:ma14="http://schemas.microsoft.com/office/mac/drawingml/2011/main" val="1"/>
+              <ma14:placeholderFlag xmlns:ma14="http://schemas.microsoft.com/office/mac/drawingml/2011/main" xmlns="" val="1"/>
             </a:ext>
           </a:extLst>
         </p:spPr>
@@ -40319,14 +40757,14 @@
             </a:ln>
             <a:extLst>
               <a:ext uri="{909E8E84-426E-40dd-AFC4-6F175D3DCCD1}">
-                <a14:hiddenFill xmlns="" xmlns:a14="http://schemas.microsoft.com/office/drawing/2010/main">
+                <a14:hiddenFill xmlns:a14="http://schemas.microsoft.com/office/drawing/2010/main" xmlns="">
                   <a:solidFill>
                     <a:srgbClr val="FFFFFF"/>
                   </a:solidFill>
                 </a14:hiddenFill>
               </a:ext>
               <a:ext uri="{91240B29-F687-4f45-9708-019B960494DF}">
-                <a14:hiddenLine xmlns="" xmlns:a14="http://schemas.microsoft.com/office/drawing/2010/main" w="9525">
+                <a14:hiddenLine xmlns:a14="http://schemas.microsoft.com/office/drawing/2010/main" xmlns="" w="9525">
                   <a:solidFill>
                     <a:srgbClr val="000000"/>
                   </a:solidFill>
@@ -40336,7 +40774,7 @@
                 </a14:hiddenLine>
               </a:ext>
               <a:ext uri="{FAA26D3D-D897-4be2-8F04-BA451C77F1D7}">
-                <ma14:placeholderFlag xmlns="" xmlns:ma14="http://schemas.microsoft.com/office/mac/drawingml/2011/main" val="1"/>
+                <ma14:placeholderFlag xmlns:ma14="http://schemas.microsoft.com/office/mac/drawingml/2011/main" xmlns="" val="1"/>
               </a:ext>
             </a:extLst>
           </p:spPr>
@@ -40570,14 +41008,14 @@
           </a:ln>
           <a:extLst>
             <a:ext uri="{909E8E84-426E-40dd-AFC4-6F175D3DCCD1}">
-              <a14:hiddenFill xmlns="" xmlns:a14="http://schemas.microsoft.com/office/drawing/2010/main">
+              <a14:hiddenFill xmlns:a14="http://schemas.microsoft.com/office/drawing/2010/main" xmlns="">
                 <a:solidFill>
                   <a:srgbClr val="FFFFFF"/>
                 </a:solidFill>
               </a14:hiddenFill>
             </a:ext>
             <a:ext uri="{91240B29-F687-4f45-9708-019B960494DF}">
-              <a14:hiddenLine xmlns="" xmlns:a14="http://schemas.microsoft.com/office/drawing/2010/main" w="9525">
+              <a14:hiddenLine xmlns:a14="http://schemas.microsoft.com/office/drawing/2010/main" xmlns="" w="9525">
                 <a:solidFill>
                   <a:srgbClr val="000000"/>
                 </a:solidFill>
@@ -40587,7 +41025,7 @@
               </a14:hiddenLine>
             </a:ext>
             <a:ext uri="{FAA26D3D-D897-4be2-8F04-BA451C77F1D7}">
-              <ma14:placeholderFlag xmlns="" xmlns:ma14="http://schemas.microsoft.com/office/mac/drawingml/2011/main" val="1"/>
+              <ma14:placeholderFlag xmlns:ma14="http://schemas.microsoft.com/office/mac/drawingml/2011/main" xmlns="" val="1"/>
             </a:ext>
           </a:extLst>
         </p:spPr>

--- a/15-NormalityTesting/15-Roudaut-test-normality-45min.pptx
+++ b/15-NormalityTesting/15-Roudaut-test-normality-45min.pptx
@@ -370,14 +370,14 @@
           </a:ln>
           <a:extLst>
             <a:ext uri="{909E8E84-426E-40dd-AFC4-6F175D3DCCD1}">
-              <a14:hiddenFill xmlns="" xmlns:a14="http://schemas.microsoft.com/office/drawing/2010/main">
+              <a14:hiddenFill xmlns:a14="http://schemas.microsoft.com/office/drawing/2010/main" xmlns="">
                 <a:solidFill>
                   <a:srgbClr val="FFFFFF"/>
                 </a:solidFill>
               </a14:hiddenFill>
             </a:ext>
             <a:ext uri="{FAA26D3D-D897-4be2-8F04-BA451C77F1D7}">
-              <ma14:placeholderFlag xmlns="" xmlns:ma14="http://schemas.microsoft.com/office/mac/drawingml/2011/main" val="1"/>
+              <ma14:placeholderFlag xmlns:ma14="http://schemas.microsoft.com/office/mac/drawingml/2011/main" xmlns="" val="1"/>
             </a:ext>
           </a:extLst>
         </p:spPr>
@@ -816,14 +816,14 @@
           <a:ln/>
           <a:extLst>
             <a:ext uri="{909E8E84-426E-40dd-AFC4-6F175D3DCCD1}">
-              <a14:hiddenFill xmlns="" xmlns:a14="http://schemas.microsoft.com/office/drawing/2010/main">
+              <a14:hiddenFill xmlns:a14="http://schemas.microsoft.com/office/drawing/2010/main" xmlns="">
                 <a:solidFill>
                   <a:srgbClr val="FFFFFF"/>
                 </a:solidFill>
               </a14:hiddenFill>
             </a:ext>
             <a:ext uri="{91240B29-F687-4f45-9708-019B960494DF}">
-              <a14:hiddenLine xmlns="" xmlns:a14="http://schemas.microsoft.com/office/drawing/2010/main" w="9525">
+              <a14:hiddenLine xmlns:a14="http://schemas.microsoft.com/office/drawing/2010/main" xmlns="" w="9525">
                 <a:solidFill>
                   <a:srgbClr val="000000"/>
                 </a:solidFill>
@@ -833,7 +833,7 @@
               </a14:hiddenLine>
             </a:ext>
             <a:ext uri="{FAA26D3D-D897-4be2-8F04-BA451C77F1D7}">
-              <ma14:placeholderFlag xmlns="" xmlns:ma14="http://schemas.microsoft.com/office/mac/drawingml/2011/main" val="1"/>
+              <ma14:placeholderFlag xmlns:ma14="http://schemas.microsoft.com/office/mac/drawingml/2011/main" xmlns="" val="1"/>
             </a:ext>
           </a:extLst>
         </p:spPr>
@@ -2679,14 +2679,14 @@
           </a:ln>
           <a:extLst>
             <a:ext uri="{909E8E84-426E-40dd-AFC4-6F175D3DCCD1}">
-              <a14:hiddenFill xmlns="" xmlns:a14="http://schemas.microsoft.com/office/drawing/2010/main">
+              <a14:hiddenFill xmlns:a14="http://schemas.microsoft.com/office/drawing/2010/main" xmlns="">
                 <a:solidFill>
                   <a:srgbClr val="FFFFFF"/>
                 </a:solidFill>
               </a14:hiddenFill>
             </a:ext>
             <a:ext uri="{91240B29-F687-4f45-9708-019B960494DF}">
-              <a14:hiddenLine xmlns="" xmlns:a14="http://schemas.microsoft.com/office/drawing/2010/main" w="9525">
+              <a14:hiddenLine xmlns:a14="http://schemas.microsoft.com/office/drawing/2010/main" xmlns="" w="9525">
                 <a:solidFill>
                   <a:srgbClr val="000000"/>
                 </a:solidFill>
@@ -2696,7 +2696,7 @@
               </a14:hiddenLine>
             </a:ext>
             <a:ext uri="{FAA26D3D-D897-4be2-8F04-BA451C77F1D7}">
-              <ma14:placeholderFlag xmlns="" xmlns:ma14="http://schemas.microsoft.com/office/mac/drawingml/2011/main" val="1"/>
+              <ma14:placeholderFlag xmlns:ma14="http://schemas.microsoft.com/office/mac/drawingml/2011/main" xmlns="" val="1"/>
             </a:ext>
           </a:extLst>
         </p:spPr>
@@ -2740,14 +2740,14 @@
           </a:ln>
           <a:extLst>
             <a:ext uri="{909E8E84-426E-40dd-AFC4-6F175D3DCCD1}">
-              <a14:hiddenFill xmlns="" xmlns:a14="http://schemas.microsoft.com/office/drawing/2010/main">
+              <a14:hiddenFill xmlns:a14="http://schemas.microsoft.com/office/drawing/2010/main" xmlns="">
                 <a:solidFill>
                   <a:srgbClr val="FFFFFF"/>
                 </a:solidFill>
               </a14:hiddenFill>
             </a:ext>
             <a:ext uri="{91240B29-F687-4f45-9708-019B960494DF}">
-              <a14:hiddenLine xmlns="" xmlns:a14="http://schemas.microsoft.com/office/drawing/2010/main" w="9525">
+              <a14:hiddenLine xmlns:a14="http://schemas.microsoft.com/office/drawing/2010/main" xmlns="" w="9525">
                 <a:solidFill>
                   <a:srgbClr val="000000"/>
                 </a:solidFill>
@@ -2757,7 +2757,7 @@
               </a14:hiddenLine>
             </a:ext>
             <a:ext uri="{FAA26D3D-D897-4be2-8F04-BA451C77F1D7}">
-              <ma14:placeholderFlag xmlns="" xmlns:ma14="http://schemas.microsoft.com/office/mac/drawingml/2011/main" val="1"/>
+              <ma14:placeholderFlag xmlns:ma14="http://schemas.microsoft.com/office/mac/drawingml/2011/main" xmlns="" val="1"/>
             </a:ext>
           </a:extLst>
         </p:spPr>
@@ -3311,14 +3311,14 @@
           </a:ln>
           <a:extLst>
             <a:ext uri="{909E8E84-426E-40dd-AFC4-6F175D3DCCD1}">
-              <a14:hiddenFill xmlns="" xmlns:a14="http://schemas.microsoft.com/office/drawing/2010/main">
+              <a14:hiddenFill xmlns:a14="http://schemas.microsoft.com/office/drawing/2010/main" xmlns="">
                 <a:solidFill>
                   <a:srgbClr val="FFFFFF"/>
                 </a:solidFill>
               </a14:hiddenFill>
             </a:ext>
             <a:ext uri="{91240B29-F687-4f45-9708-019B960494DF}">
-              <a14:hiddenLine xmlns="" xmlns:a14="http://schemas.microsoft.com/office/drawing/2010/main" w="9525">
+              <a14:hiddenLine xmlns:a14="http://schemas.microsoft.com/office/drawing/2010/main" xmlns="" w="9525">
                 <a:solidFill>
                   <a:srgbClr val="000000"/>
                 </a:solidFill>
@@ -3600,14 +3600,14 @@
           </a:ln>
           <a:extLst>
             <a:ext uri="{909E8E84-426E-40dd-AFC4-6F175D3DCCD1}">
-              <a14:hiddenFill xmlns="" xmlns:a14="http://schemas.microsoft.com/office/drawing/2010/main">
+              <a14:hiddenFill xmlns:a14="http://schemas.microsoft.com/office/drawing/2010/main" xmlns="">
                 <a:solidFill>
                   <a:srgbClr val="FFFFFF"/>
                 </a:solidFill>
               </a14:hiddenFill>
             </a:ext>
             <a:ext uri="{91240B29-F687-4f45-9708-019B960494DF}">
-              <a14:hiddenLine xmlns="" xmlns:a14="http://schemas.microsoft.com/office/drawing/2010/main" w="12700">
+              <a14:hiddenLine xmlns:a14="http://schemas.microsoft.com/office/drawing/2010/main" xmlns="" w="12700">
                 <a:solidFill>
                   <a:schemeClr val="tx1"/>
                 </a:solidFill>
@@ -3714,7 +3714,7 @@
           </a:ln>
           <a:extLst>
             <a:ext uri="{909E8E84-426E-40dd-AFC4-6F175D3DCCD1}">
-              <a14:hiddenFill xmlns="" xmlns:a14="http://schemas.microsoft.com/office/drawing/2010/main">
+              <a14:hiddenFill xmlns:a14="http://schemas.microsoft.com/office/drawing/2010/main" xmlns="">
                 <a:solidFill>
                   <a:srgbClr val="FFFFFF"/>
                 </a:solidFill>
@@ -3752,14 +3752,14 @@
           </a:ln>
           <a:extLst>
             <a:ext uri="{909E8E84-426E-40dd-AFC4-6F175D3DCCD1}">
-              <a14:hiddenFill xmlns="" xmlns:a14="http://schemas.microsoft.com/office/drawing/2010/main">
+              <a14:hiddenFill xmlns:a14="http://schemas.microsoft.com/office/drawing/2010/main" xmlns="">
                 <a:solidFill>
                   <a:srgbClr val="FFFFFF"/>
                 </a:solidFill>
               </a14:hiddenFill>
             </a:ext>
             <a:ext uri="{91240B29-F687-4f45-9708-019B960494DF}">
-              <a14:hiddenLine xmlns="" xmlns:a14="http://schemas.microsoft.com/office/drawing/2010/main" w="12700">
+              <a14:hiddenLine xmlns:a14="http://schemas.microsoft.com/office/drawing/2010/main" xmlns="" w="12700">
                 <a:solidFill>
                   <a:schemeClr val="tx1"/>
                 </a:solidFill>
@@ -7576,14 +7576,14 @@
           </a:ln>
           <a:extLst>
             <a:ext uri="{909E8E84-426E-40dd-AFC4-6F175D3DCCD1}">
-              <a14:hiddenFill xmlns:a14="http://schemas.microsoft.com/office/drawing/2010/main" xmlns="">
+              <a14:hiddenFill xmlns="" xmlns:a14="http://schemas.microsoft.com/office/drawing/2010/main">
                 <a:solidFill>
                   <a:srgbClr val="FFFFFF"/>
                 </a:solidFill>
               </a14:hiddenFill>
             </a:ext>
             <a:ext uri="{91240B29-F687-4f45-9708-019B960494DF}">
-              <a14:hiddenLine xmlns:a14="http://schemas.microsoft.com/office/drawing/2010/main" xmlns="" w="9525">
+              <a14:hiddenLine xmlns="" xmlns:a14="http://schemas.microsoft.com/office/drawing/2010/main" w="9525">
                 <a:solidFill>
                   <a:srgbClr val="000000"/>
                 </a:solidFill>
@@ -7593,7 +7593,7 @@
               </a14:hiddenLine>
             </a:ext>
             <a:ext uri="{FAA26D3D-D897-4be2-8F04-BA451C77F1D7}">
-              <ma14:placeholderFlag xmlns:ma14="http://schemas.microsoft.com/office/mac/drawingml/2011/main" xmlns="" val="1"/>
+              <ma14:placeholderFlag xmlns="" xmlns:ma14="http://schemas.microsoft.com/office/mac/drawingml/2011/main" val="1"/>
             </a:ext>
           </a:extLst>
         </p:spPr>
@@ -7904,14 +7904,14 @@
           </a:ln>
           <a:extLst>
             <a:ext uri="{909E8E84-426E-40dd-AFC4-6F175D3DCCD1}">
-              <a14:hiddenFill xmlns:a14="http://schemas.microsoft.com/office/drawing/2010/main" xmlns="">
+              <a14:hiddenFill xmlns="" xmlns:a14="http://schemas.microsoft.com/office/drawing/2010/main">
                 <a:solidFill>
                   <a:srgbClr val="FFFFFF"/>
                 </a:solidFill>
               </a14:hiddenFill>
             </a:ext>
             <a:ext uri="{91240B29-F687-4f45-9708-019B960494DF}">
-              <a14:hiddenLine xmlns:a14="http://schemas.microsoft.com/office/drawing/2010/main" xmlns="" w="9525">
+              <a14:hiddenLine xmlns="" xmlns:a14="http://schemas.microsoft.com/office/drawing/2010/main" w="9525">
                 <a:solidFill>
                   <a:srgbClr val="000000"/>
                 </a:solidFill>
@@ -7921,7 +7921,7 @@
               </a14:hiddenLine>
             </a:ext>
             <a:ext uri="{FAA26D3D-D897-4be2-8F04-BA451C77F1D7}">
-              <ma14:placeholderFlag xmlns:ma14="http://schemas.microsoft.com/office/mac/drawingml/2011/main" xmlns="" val="1"/>
+              <ma14:placeholderFlag xmlns="" xmlns:ma14="http://schemas.microsoft.com/office/mac/drawingml/2011/main" val="1"/>
             </a:ext>
           </a:extLst>
         </p:spPr>
@@ -8302,7 +8302,7 @@
             </a:ln>
             <a:extLst>
               <a:ext uri="{91240B29-F687-4f45-9708-019B960494DF}">
-                <a14:hiddenLine xmlns:a14="http://schemas.microsoft.com/office/drawing/2010/main" xmlns="" w="9525">
+                <a14:hiddenLine xmlns="" xmlns:a14="http://schemas.microsoft.com/office/drawing/2010/main" w="9525">
                   <a:solidFill>
                     <a:srgbClr val="000000"/>
                   </a:solidFill>
@@ -8353,14 +8353,14 @@
             </a:ln>
             <a:extLst>
               <a:ext uri="{909E8E84-426E-40dd-AFC4-6F175D3DCCD1}">
-                <a14:hiddenFill xmlns:a14="http://schemas.microsoft.com/office/drawing/2010/main" xmlns="">
+                <a14:hiddenFill xmlns="" xmlns:a14="http://schemas.microsoft.com/office/drawing/2010/main">
                   <a:solidFill>
                     <a:srgbClr val="FFFFFF"/>
                   </a:solidFill>
                 </a14:hiddenFill>
               </a:ext>
               <a:ext uri="{91240B29-F687-4f45-9708-019B960494DF}">
-                <a14:hiddenLine xmlns:a14="http://schemas.microsoft.com/office/drawing/2010/main" xmlns="" w="9525">
+                <a14:hiddenLine xmlns="" xmlns:a14="http://schemas.microsoft.com/office/drawing/2010/main" w="9525">
                   <a:solidFill>
                     <a:srgbClr val="000000"/>
                   </a:solidFill>
@@ -9017,14 +9017,14 @@
           </a:ln>
           <a:extLst>
             <a:ext uri="{909E8E84-426E-40dd-AFC4-6F175D3DCCD1}">
-              <a14:hiddenFill xmlns:a14="http://schemas.microsoft.com/office/drawing/2010/main" xmlns="">
+              <a14:hiddenFill xmlns="" xmlns:a14="http://schemas.microsoft.com/office/drawing/2010/main">
                 <a:solidFill>
                   <a:srgbClr val="FFFFFF"/>
                 </a:solidFill>
               </a14:hiddenFill>
             </a:ext>
             <a:ext uri="{91240B29-F687-4f45-9708-019B960494DF}">
-              <a14:hiddenLine xmlns:a14="http://schemas.microsoft.com/office/drawing/2010/main" xmlns="" w="9525">
+              <a14:hiddenLine xmlns="" xmlns:a14="http://schemas.microsoft.com/office/drawing/2010/main" w="9525">
                 <a:solidFill>
                   <a:srgbClr val="000000"/>
                 </a:solidFill>
@@ -9034,7 +9034,7 @@
               </a14:hiddenLine>
             </a:ext>
             <a:ext uri="{FAA26D3D-D897-4be2-8F04-BA451C77F1D7}">
-              <ma14:placeholderFlag xmlns:ma14="http://schemas.microsoft.com/office/mac/drawingml/2011/main" xmlns="" val="1"/>
+              <ma14:placeholderFlag xmlns="" xmlns:ma14="http://schemas.microsoft.com/office/mac/drawingml/2011/main" val="1"/>
             </a:ext>
           </a:extLst>
         </p:spPr>
@@ -14719,14 +14719,14 @@
           </a:ln>
           <a:extLst>
             <a:ext uri="{909E8E84-426E-40dd-AFC4-6F175D3DCCD1}">
-              <a14:hiddenFill xmlns:a14="http://schemas.microsoft.com/office/drawing/2010/main" xmlns="">
+              <a14:hiddenFill xmlns="" xmlns:a14="http://schemas.microsoft.com/office/drawing/2010/main">
                 <a:solidFill>
                   <a:srgbClr val="FFFFFF"/>
                 </a:solidFill>
               </a14:hiddenFill>
             </a:ext>
             <a:ext uri="{91240B29-F687-4f45-9708-019B960494DF}">
-              <a14:hiddenLine xmlns:a14="http://schemas.microsoft.com/office/drawing/2010/main" xmlns="" w="9525">
+              <a14:hiddenLine xmlns="" xmlns:a14="http://schemas.microsoft.com/office/drawing/2010/main" w="9525">
                 <a:solidFill>
                   <a:srgbClr val="000000"/>
                 </a:solidFill>
@@ -14736,7 +14736,7 @@
               </a14:hiddenLine>
             </a:ext>
             <a:ext uri="{FAA26D3D-D897-4be2-8F04-BA451C77F1D7}">
-              <ma14:placeholderFlag xmlns:ma14="http://schemas.microsoft.com/office/mac/drawingml/2011/main" xmlns="" val="1"/>
+              <ma14:placeholderFlag xmlns="" xmlns:ma14="http://schemas.microsoft.com/office/mac/drawingml/2011/main" val="1"/>
             </a:ext>
           </a:extLst>
         </p:spPr>
@@ -14995,14 +14995,14 @@
           </a:ln>
           <a:extLst>
             <a:ext uri="{909E8E84-426E-40dd-AFC4-6F175D3DCCD1}">
-              <a14:hiddenFill xmlns:a14="http://schemas.microsoft.com/office/drawing/2010/main" xmlns="">
+              <a14:hiddenFill xmlns="" xmlns:a14="http://schemas.microsoft.com/office/drawing/2010/main">
                 <a:solidFill>
                   <a:srgbClr val="FFFFFF"/>
                 </a:solidFill>
               </a14:hiddenFill>
             </a:ext>
             <a:ext uri="{91240B29-F687-4f45-9708-019B960494DF}">
-              <a14:hiddenLine xmlns:a14="http://schemas.microsoft.com/office/drawing/2010/main" xmlns="" w="9525">
+              <a14:hiddenLine xmlns="" xmlns:a14="http://schemas.microsoft.com/office/drawing/2010/main" w="9525">
                 <a:solidFill>
                   <a:srgbClr val="000000"/>
                 </a:solidFill>
@@ -15012,7 +15012,7 @@
               </a14:hiddenLine>
             </a:ext>
             <a:ext uri="{FAA26D3D-D897-4be2-8F04-BA451C77F1D7}">
-              <ma14:placeholderFlag xmlns:ma14="http://schemas.microsoft.com/office/mac/drawingml/2011/main" xmlns="" val="1"/>
+              <ma14:placeholderFlag xmlns="" xmlns:ma14="http://schemas.microsoft.com/office/mac/drawingml/2011/main" val="1"/>
             </a:ext>
           </a:extLst>
         </p:spPr>
@@ -15372,14 +15372,14 @@
           </a:ln>
           <a:extLst>
             <a:ext uri="{909E8E84-426E-40dd-AFC4-6F175D3DCCD1}">
-              <a14:hiddenFill xmlns:a14="http://schemas.microsoft.com/office/drawing/2010/main" xmlns="">
+              <a14:hiddenFill xmlns="" xmlns:a14="http://schemas.microsoft.com/office/drawing/2010/main">
                 <a:solidFill>
                   <a:srgbClr val="FFFFFF"/>
                 </a:solidFill>
               </a14:hiddenFill>
             </a:ext>
             <a:ext uri="{91240B29-F687-4f45-9708-019B960494DF}">
-              <a14:hiddenLine xmlns:a14="http://schemas.microsoft.com/office/drawing/2010/main" xmlns="" w="9525">
+              <a14:hiddenLine xmlns="" xmlns:a14="http://schemas.microsoft.com/office/drawing/2010/main" w="9525">
                 <a:solidFill>
                   <a:srgbClr val="000000"/>
                 </a:solidFill>
@@ -15389,7 +15389,7 @@
               </a14:hiddenLine>
             </a:ext>
             <a:ext uri="{FAA26D3D-D897-4be2-8F04-BA451C77F1D7}">
-              <ma14:placeholderFlag xmlns:ma14="http://schemas.microsoft.com/office/mac/drawingml/2011/main" xmlns="" val="1"/>
+              <ma14:placeholderFlag xmlns="" xmlns:ma14="http://schemas.microsoft.com/office/mac/drawingml/2011/main" val="1"/>
             </a:ext>
           </a:extLst>
         </p:spPr>
@@ -15760,14 +15760,14 @@
           </a:ln>
           <a:extLst>
             <a:ext uri="{909E8E84-426E-40dd-AFC4-6F175D3DCCD1}">
-              <a14:hiddenFill xmlns:a14="http://schemas.microsoft.com/office/drawing/2010/main" xmlns="">
+              <a14:hiddenFill xmlns="" xmlns:a14="http://schemas.microsoft.com/office/drawing/2010/main">
                 <a:solidFill>
                   <a:srgbClr val="FFFFFF"/>
                 </a:solidFill>
               </a14:hiddenFill>
             </a:ext>
             <a:ext uri="{91240B29-F687-4f45-9708-019B960494DF}">
-              <a14:hiddenLine xmlns:a14="http://schemas.microsoft.com/office/drawing/2010/main" xmlns="" w="9525">
+              <a14:hiddenLine xmlns="" xmlns:a14="http://schemas.microsoft.com/office/drawing/2010/main" w="9525">
                 <a:solidFill>
                   <a:srgbClr val="000000"/>
                 </a:solidFill>
@@ -15777,7 +15777,7 @@
               </a14:hiddenLine>
             </a:ext>
             <a:ext uri="{FAA26D3D-D897-4be2-8F04-BA451C77F1D7}">
-              <ma14:placeholderFlag xmlns:ma14="http://schemas.microsoft.com/office/mac/drawingml/2011/main" xmlns="" val="1"/>
+              <ma14:placeholderFlag xmlns="" xmlns:ma14="http://schemas.microsoft.com/office/mac/drawingml/2011/main" val="1"/>
             </a:ext>
           </a:extLst>
         </p:spPr>
@@ -15996,14 +15996,14 @@
             </a:ln>
             <a:extLst>
               <a:ext uri="{909E8E84-426E-40dd-AFC4-6F175D3DCCD1}">
-                <a14:hiddenFill xmlns:a14="http://schemas.microsoft.com/office/drawing/2010/main" xmlns="">
+                <a14:hiddenFill xmlns="" xmlns:a14="http://schemas.microsoft.com/office/drawing/2010/main">
                   <a:solidFill>
                     <a:srgbClr val="FFFFFF"/>
                   </a:solidFill>
                 </a14:hiddenFill>
               </a:ext>
               <a:ext uri="{91240B29-F687-4f45-9708-019B960494DF}">
-                <a14:hiddenLine xmlns:a14="http://schemas.microsoft.com/office/drawing/2010/main" xmlns="" w="9525">
+                <a14:hiddenLine xmlns="" xmlns:a14="http://schemas.microsoft.com/office/drawing/2010/main" w="9525">
                   <a:solidFill>
                     <a:srgbClr val="000000"/>
                   </a:solidFill>
@@ -16013,7 +16013,7 @@
                 </a14:hiddenLine>
               </a:ext>
               <a:ext uri="{FAA26D3D-D897-4be2-8F04-BA451C77F1D7}">
-                <ma14:placeholderFlag xmlns:ma14="http://schemas.microsoft.com/office/mac/drawingml/2011/main" xmlns="" val="1"/>
+                <ma14:placeholderFlag xmlns="" xmlns:ma14="http://schemas.microsoft.com/office/mac/drawingml/2011/main" val="1"/>
               </a:ext>
             </a:extLst>
           </p:spPr>
@@ -16620,14 +16620,14 @@
           </a:ln>
           <a:extLst>
             <a:ext uri="{909E8E84-426E-40dd-AFC4-6F175D3DCCD1}">
-              <a14:hiddenFill xmlns:a14="http://schemas.microsoft.com/office/drawing/2010/main" xmlns="">
+              <a14:hiddenFill xmlns="" xmlns:a14="http://schemas.microsoft.com/office/drawing/2010/main">
                 <a:solidFill>
                   <a:srgbClr val="FFFFFF"/>
                 </a:solidFill>
               </a14:hiddenFill>
             </a:ext>
             <a:ext uri="{91240B29-F687-4f45-9708-019B960494DF}">
-              <a14:hiddenLine xmlns:a14="http://schemas.microsoft.com/office/drawing/2010/main" xmlns="" w="9525">
+              <a14:hiddenLine xmlns="" xmlns:a14="http://schemas.microsoft.com/office/drawing/2010/main" w="9525">
                 <a:solidFill>
                   <a:srgbClr val="000000"/>
                 </a:solidFill>
@@ -16637,7 +16637,7 @@
               </a14:hiddenLine>
             </a:ext>
             <a:ext uri="{FAA26D3D-D897-4be2-8F04-BA451C77F1D7}">
-              <ma14:placeholderFlag xmlns:ma14="http://schemas.microsoft.com/office/mac/drawingml/2011/main" xmlns="" val="1"/>
+              <ma14:placeholderFlag xmlns="" xmlns:ma14="http://schemas.microsoft.com/office/mac/drawingml/2011/main" val="1"/>
             </a:ext>
           </a:extLst>
         </p:spPr>
@@ -17030,14 +17030,14 @@
           </a:ln>
           <a:extLst>
             <a:ext uri="{909E8E84-426E-40dd-AFC4-6F175D3DCCD1}">
-              <a14:hiddenFill xmlns:a14="http://schemas.microsoft.com/office/drawing/2010/main" xmlns="">
+              <a14:hiddenFill xmlns="" xmlns:a14="http://schemas.microsoft.com/office/drawing/2010/main">
                 <a:solidFill>
                   <a:srgbClr val="FFFFFF"/>
                 </a:solidFill>
               </a14:hiddenFill>
             </a:ext>
             <a:ext uri="{91240B29-F687-4f45-9708-019B960494DF}">
-              <a14:hiddenLine xmlns:a14="http://schemas.microsoft.com/office/drawing/2010/main" xmlns="" w="9525">
+              <a14:hiddenLine xmlns="" xmlns:a14="http://schemas.microsoft.com/office/drawing/2010/main" w="9525">
                 <a:solidFill>
                   <a:srgbClr val="000000"/>
                 </a:solidFill>
@@ -17047,7 +17047,7 @@
               </a14:hiddenLine>
             </a:ext>
             <a:ext uri="{FAA26D3D-D897-4be2-8F04-BA451C77F1D7}">
-              <ma14:placeholderFlag xmlns:ma14="http://schemas.microsoft.com/office/mac/drawingml/2011/main" xmlns="" val="1"/>
+              <ma14:placeholderFlag xmlns="" xmlns:ma14="http://schemas.microsoft.com/office/mac/drawingml/2011/main" val="1"/>
             </a:ext>
           </a:extLst>
         </p:spPr>
@@ -17691,14 +17691,14 @@
           </a:ln>
           <a:extLst>
             <a:ext uri="{909E8E84-426E-40dd-AFC4-6F175D3DCCD1}">
-              <a14:hiddenFill xmlns:a14="http://schemas.microsoft.com/office/drawing/2010/main" xmlns="">
+              <a14:hiddenFill xmlns="" xmlns:a14="http://schemas.microsoft.com/office/drawing/2010/main">
                 <a:solidFill>
                   <a:srgbClr val="FFFFFF"/>
                 </a:solidFill>
               </a14:hiddenFill>
             </a:ext>
             <a:ext uri="{91240B29-F687-4f45-9708-019B960494DF}">
-              <a14:hiddenLine xmlns:a14="http://schemas.microsoft.com/office/drawing/2010/main" xmlns="" w="9525">
+              <a14:hiddenLine xmlns="" xmlns:a14="http://schemas.microsoft.com/office/drawing/2010/main" w="9525">
                 <a:solidFill>
                   <a:srgbClr val="000000"/>
                 </a:solidFill>
@@ -17708,7 +17708,7 @@
               </a14:hiddenLine>
             </a:ext>
             <a:ext uri="{FAA26D3D-D897-4be2-8F04-BA451C77F1D7}">
-              <ma14:placeholderFlag xmlns:ma14="http://schemas.microsoft.com/office/mac/drawingml/2011/main" xmlns="" val="1"/>
+              <ma14:placeholderFlag xmlns="" xmlns:ma14="http://schemas.microsoft.com/office/mac/drawingml/2011/main" val="1"/>
             </a:ext>
           </a:extLst>
         </p:spPr>
@@ -18501,7 +18501,7 @@
           </a:ln>
           <a:extLst>
             <a:ext uri="{91240B29-F687-4f45-9708-019B960494DF}">
-              <a14:hiddenLine xmlns:a14="http://schemas.microsoft.com/office/drawing/2010/main" xmlns="" w="9525">
+              <a14:hiddenLine xmlns="" xmlns:a14="http://schemas.microsoft.com/office/drawing/2010/main" w="9525">
                 <a:solidFill>
                   <a:srgbClr val="000000"/>
                 </a:solidFill>
@@ -18893,14 +18893,14 @@
           </a:ln>
           <a:extLst>
             <a:ext uri="{909E8E84-426E-40dd-AFC4-6F175D3DCCD1}">
-              <a14:hiddenFill xmlns:a14="http://schemas.microsoft.com/office/drawing/2010/main" xmlns="">
+              <a14:hiddenFill xmlns="" xmlns:a14="http://schemas.microsoft.com/office/drawing/2010/main">
                 <a:solidFill>
                   <a:srgbClr val="FFFFFF"/>
                 </a:solidFill>
               </a14:hiddenFill>
             </a:ext>
             <a:ext uri="{91240B29-F687-4f45-9708-019B960494DF}">
-              <a14:hiddenLine xmlns:a14="http://schemas.microsoft.com/office/drawing/2010/main" xmlns="" w="9525">
+              <a14:hiddenLine xmlns="" xmlns:a14="http://schemas.microsoft.com/office/drawing/2010/main" w="9525">
                 <a:solidFill>
                   <a:srgbClr val="000000"/>
                 </a:solidFill>
@@ -18910,7 +18910,7 @@
               </a14:hiddenLine>
             </a:ext>
             <a:ext uri="{FAA26D3D-D897-4be2-8F04-BA451C77F1D7}">
-              <ma14:placeholderFlag xmlns:ma14="http://schemas.microsoft.com/office/mac/drawingml/2011/main" xmlns="" val="1"/>
+              <ma14:placeholderFlag xmlns="" xmlns:ma14="http://schemas.microsoft.com/office/mac/drawingml/2011/main" val="1"/>
             </a:ext>
           </a:extLst>
         </p:spPr>
@@ -20498,7 +20498,7 @@
             </a:ln>
             <a:extLst>
               <a:ext uri="{91240B29-F687-4f45-9708-019B960494DF}">
-                <a14:hiddenLine xmlns:a14="http://schemas.microsoft.com/office/drawing/2010/main" xmlns="" w="9525">
+                <a14:hiddenLine xmlns="" xmlns:a14="http://schemas.microsoft.com/office/drawing/2010/main" w="9525">
                   <a:solidFill>
                     <a:srgbClr val="000000"/>
                   </a:solidFill>
@@ -20549,14 +20549,14 @@
             </a:ln>
             <a:extLst>
               <a:ext uri="{909E8E84-426E-40dd-AFC4-6F175D3DCCD1}">
-                <a14:hiddenFill xmlns:a14="http://schemas.microsoft.com/office/drawing/2010/main" xmlns="">
+                <a14:hiddenFill xmlns="" xmlns:a14="http://schemas.microsoft.com/office/drawing/2010/main">
                   <a:solidFill>
                     <a:srgbClr val="FFFFFF"/>
                   </a:solidFill>
                 </a14:hiddenFill>
               </a:ext>
               <a:ext uri="{91240B29-F687-4f45-9708-019B960494DF}">
-                <a14:hiddenLine xmlns:a14="http://schemas.microsoft.com/office/drawing/2010/main" xmlns="" w="9525">
+                <a14:hiddenLine xmlns="" xmlns:a14="http://schemas.microsoft.com/office/drawing/2010/main" w="9525">
                   <a:solidFill>
                     <a:srgbClr val="000000"/>
                   </a:solidFill>
@@ -21641,14 +21641,14 @@
           </a:ln>
           <a:extLst>
             <a:ext uri="{909E8E84-426E-40dd-AFC4-6F175D3DCCD1}">
-              <a14:hiddenFill xmlns:a14="http://schemas.microsoft.com/office/drawing/2010/main" xmlns="">
+              <a14:hiddenFill xmlns="" xmlns:a14="http://schemas.microsoft.com/office/drawing/2010/main">
                 <a:solidFill>
                   <a:srgbClr val="FFFFFF"/>
                 </a:solidFill>
               </a14:hiddenFill>
             </a:ext>
             <a:ext uri="{91240B29-F687-4f45-9708-019B960494DF}">
-              <a14:hiddenLine xmlns:a14="http://schemas.microsoft.com/office/drawing/2010/main" xmlns="" w="9525">
+              <a14:hiddenLine xmlns="" xmlns:a14="http://schemas.microsoft.com/office/drawing/2010/main" w="9525">
                 <a:solidFill>
                   <a:srgbClr val="000000"/>
                 </a:solidFill>
@@ -21658,7 +21658,7 @@
               </a14:hiddenLine>
             </a:ext>
             <a:ext uri="{FAA26D3D-D897-4be2-8F04-BA451C77F1D7}">
-              <ma14:placeholderFlag xmlns:ma14="http://schemas.microsoft.com/office/mac/drawingml/2011/main" xmlns="" val="1"/>
+              <ma14:placeholderFlag xmlns="" xmlns:ma14="http://schemas.microsoft.com/office/mac/drawingml/2011/main" val="1"/>
             </a:ext>
           </a:extLst>
         </p:spPr>
@@ -21881,14 +21881,14 @@
             </a:ln>
             <a:extLst>
               <a:ext uri="{909E8E84-426E-40dd-AFC4-6F175D3DCCD1}">
-                <a14:hiddenFill xmlns:a14="http://schemas.microsoft.com/office/drawing/2010/main" xmlns="">
+                <a14:hiddenFill xmlns="" xmlns:a14="http://schemas.microsoft.com/office/drawing/2010/main">
                   <a:solidFill>
                     <a:srgbClr val="FFFFFF"/>
                   </a:solidFill>
                 </a14:hiddenFill>
               </a:ext>
               <a:ext uri="{91240B29-F687-4f45-9708-019B960494DF}">
-                <a14:hiddenLine xmlns:a14="http://schemas.microsoft.com/office/drawing/2010/main" xmlns="" w="9525">
+                <a14:hiddenLine xmlns="" xmlns:a14="http://schemas.microsoft.com/office/drawing/2010/main" w="9525">
                   <a:solidFill>
                     <a:srgbClr val="000000"/>
                   </a:solidFill>
@@ -21898,7 +21898,7 @@
                 </a14:hiddenLine>
               </a:ext>
               <a:ext uri="{FAA26D3D-D897-4be2-8F04-BA451C77F1D7}">
-                <ma14:placeholderFlag xmlns:ma14="http://schemas.microsoft.com/office/mac/drawingml/2011/main" xmlns="" val="1"/>
+                <ma14:placeholderFlag xmlns="" xmlns:ma14="http://schemas.microsoft.com/office/mac/drawingml/2011/main" val="1"/>
               </a:ext>
             </a:extLst>
           </p:spPr>
@@ -22142,14 +22142,14 @@
           </a:ln>
           <a:extLst>
             <a:ext uri="{909E8E84-426E-40dd-AFC4-6F175D3DCCD1}">
-              <a14:hiddenFill xmlns:a14="http://schemas.microsoft.com/office/drawing/2010/main" xmlns="">
+              <a14:hiddenFill xmlns="" xmlns:a14="http://schemas.microsoft.com/office/drawing/2010/main">
                 <a:solidFill>
                   <a:srgbClr val="FFFFFF"/>
                 </a:solidFill>
               </a14:hiddenFill>
             </a:ext>
             <a:ext uri="{91240B29-F687-4f45-9708-019B960494DF}">
-              <a14:hiddenLine xmlns:a14="http://schemas.microsoft.com/office/drawing/2010/main" xmlns="" w="9525">
+              <a14:hiddenLine xmlns="" xmlns:a14="http://schemas.microsoft.com/office/drawing/2010/main" w="9525">
                 <a:solidFill>
                   <a:srgbClr val="000000"/>
                 </a:solidFill>
@@ -22159,7 +22159,7 @@
               </a14:hiddenLine>
             </a:ext>
             <a:ext uri="{FAA26D3D-D897-4be2-8F04-BA451C77F1D7}">
-              <ma14:placeholderFlag xmlns:ma14="http://schemas.microsoft.com/office/mac/drawingml/2011/main" xmlns="" val="1"/>
+              <ma14:placeholderFlag xmlns="" xmlns:ma14="http://schemas.microsoft.com/office/mac/drawingml/2011/main" val="1"/>
             </a:ext>
           </a:extLst>
         </p:spPr>
@@ -22741,14 +22741,14 @@
             </a:ln>
             <a:extLst>
               <a:ext uri="{909E8E84-426E-40dd-AFC4-6F175D3DCCD1}">
-                <a14:hiddenFill xmlns:a14="http://schemas.microsoft.com/office/drawing/2010/main" xmlns="">
+                <a14:hiddenFill xmlns="" xmlns:a14="http://schemas.microsoft.com/office/drawing/2010/main">
                   <a:solidFill>
                     <a:srgbClr val="FFFFFF"/>
                   </a:solidFill>
                 </a14:hiddenFill>
               </a:ext>
               <a:ext uri="{91240B29-F687-4f45-9708-019B960494DF}">
-                <a14:hiddenLine xmlns:a14="http://schemas.microsoft.com/office/drawing/2010/main" xmlns="" w="9525">
+                <a14:hiddenLine xmlns="" xmlns:a14="http://schemas.microsoft.com/office/drawing/2010/main" w="9525">
                   <a:solidFill>
                     <a:srgbClr val="000000"/>
                   </a:solidFill>
@@ -22758,7 +22758,7 @@
                 </a14:hiddenLine>
               </a:ext>
               <a:ext uri="{FAA26D3D-D897-4be2-8F04-BA451C77F1D7}">
-                <ma14:placeholderFlag xmlns:ma14="http://schemas.microsoft.com/office/mac/drawingml/2011/main" xmlns="" val="1"/>
+                <ma14:placeholderFlag xmlns="" xmlns:ma14="http://schemas.microsoft.com/office/mac/drawingml/2011/main" val="1"/>
               </a:ext>
             </a:extLst>
           </p:spPr>
@@ -23464,14 +23464,14 @@
           </a:ln>
           <a:extLst>
             <a:ext uri="{909E8E84-426E-40dd-AFC4-6F175D3DCCD1}">
-              <a14:hiddenFill xmlns:a14="http://schemas.microsoft.com/office/drawing/2010/main" xmlns="">
+              <a14:hiddenFill xmlns="" xmlns:a14="http://schemas.microsoft.com/office/drawing/2010/main">
                 <a:solidFill>
                   <a:srgbClr val="FFFFFF"/>
                 </a:solidFill>
               </a14:hiddenFill>
             </a:ext>
             <a:ext uri="{91240B29-F687-4f45-9708-019B960494DF}">
-              <a14:hiddenLine xmlns:a14="http://schemas.microsoft.com/office/drawing/2010/main" xmlns="" w="9525">
+              <a14:hiddenLine xmlns="" xmlns:a14="http://schemas.microsoft.com/office/drawing/2010/main" w="9525">
                 <a:solidFill>
                   <a:srgbClr val="000000"/>
                 </a:solidFill>
@@ -23481,7 +23481,7 @@
               </a14:hiddenLine>
             </a:ext>
             <a:ext uri="{FAA26D3D-D897-4be2-8F04-BA451C77F1D7}">
-              <ma14:placeholderFlag xmlns:ma14="http://schemas.microsoft.com/office/mac/drawingml/2011/main" xmlns="" val="1"/>
+              <ma14:placeholderFlag xmlns="" xmlns:ma14="http://schemas.microsoft.com/office/mac/drawingml/2011/main" val="1"/>
             </a:ext>
           </a:extLst>
         </p:spPr>
@@ -24476,14 +24476,14 @@
           </a:ln>
           <a:extLst>
             <a:ext uri="{909E8E84-426E-40dd-AFC4-6F175D3DCCD1}">
-              <a14:hiddenFill xmlns:a14="http://schemas.microsoft.com/office/drawing/2010/main" xmlns="">
+              <a14:hiddenFill xmlns="" xmlns:a14="http://schemas.microsoft.com/office/drawing/2010/main">
                 <a:solidFill>
                   <a:srgbClr val="FFFFFF"/>
                 </a:solidFill>
               </a14:hiddenFill>
             </a:ext>
             <a:ext uri="{91240B29-F687-4f45-9708-019B960494DF}">
-              <a14:hiddenLine xmlns:a14="http://schemas.microsoft.com/office/drawing/2010/main" xmlns="" w="9525">
+              <a14:hiddenLine xmlns="" xmlns:a14="http://schemas.microsoft.com/office/drawing/2010/main" w="9525">
                 <a:solidFill>
                   <a:srgbClr val="000000"/>
                 </a:solidFill>
@@ -24493,7 +24493,7 @@
               </a14:hiddenLine>
             </a:ext>
             <a:ext uri="{FAA26D3D-D897-4be2-8F04-BA451C77F1D7}">
-              <ma14:placeholderFlag xmlns:ma14="http://schemas.microsoft.com/office/mac/drawingml/2011/main" xmlns="" val="1"/>
+              <ma14:placeholderFlag xmlns="" xmlns:ma14="http://schemas.microsoft.com/office/mac/drawingml/2011/main" val="1"/>
             </a:ext>
           </a:extLst>
         </p:spPr>
@@ -24758,14 +24758,14 @@
           </a:ln>
           <a:extLst>
             <a:ext uri="{909E8E84-426E-40dd-AFC4-6F175D3DCCD1}">
-              <a14:hiddenFill xmlns:a14="http://schemas.microsoft.com/office/drawing/2010/main" xmlns="">
+              <a14:hiddenFill xmlns="" xmlns:a14="http://schemas.microsoft.com/office/drawing/2010/main">
                 <a:solidFill>
                   <a:srgbClr val="FFFFFF"/>
                 </a:solidFill>
               </a14:hiddenFill>
             </a:ext>
             <a:ext uri="{91240B29-F687-4f45-9708-019B960494DF}">
-              <a14:hiddenLine xmlns:a14="http://schemas.microsoft.com/office/drawing/2010/main" xmlns="" w="9525">
+              <a14:hiddenLine xmlns="" xmlns:a14="http://schemas.microsoft.com/office/drawing/2010/main" w="9525">
                 <a:solidFill>
                   <a:srgbClr val="000000"/>
                 </a:solidFill>
@@ -24775,7 +24775,7 @@
               </a14:hiddenLine>
             </a:ext>
             <a:ext uri="{FAA26D3D-D897-4be2-8F04-BA451C77F1D7}">
-              <ma14:placeholderFlag xmlns:ma14="http://schemas.microsoft.com/office/mac/drawingml/2011/main" xmlns="" val="1"/>
+              <ma14:placeholderFlag xmlns="" xmlns:ma14="http://schemas.microsoft.com/office/mac/drawingml/2011/main" val="1"/>
             </a:ext>
           </a:extLst>
         </p:spPr>
@@ -25192,14 +25192,14 @@
           </a:ln>
           <a:extLst>
             <a:ext uri="{909E8E84-426E-40dd-AFC4-6F175D3DCCD1}">
-              <a14:hiddenFill xmlns:a14="http://schemas.microsoft.com/office/drawing/2010/main" xmlns="">
+              <a14:hiddenFill xmlns="" xmlns:a14="http://schemas.microsoft.com/office/drawing/2010/main">
                 <a:solidFill>
                   <a:srgbClr val="FFFFFF"/>
                 </a:solidFill>
               </a14:hiddenFill>
             </a:ext>
             <a:ext uri="{91240B29-F687-4f45-9708-019B960494DF}">
-              <a14:hiddenLine xmlns:a14="http://schemas.microsoft.com/office/drawing/2010/main" xmlns="" w="9525">
+              <a14:hiddenLine xmlns="" xmlns:a14="http://schemas.microsoft.com/office/drawing/2010/main" w="9525">
                 <a:solidFill>
                   <a:srgbClr val="000000"/>
                 </a:solidFill>
@@ -25209,7 +25209,7 @@
               </a14:hiddenLine>
             </a:ext>
             <a:ext uri="{FAA26D3D-D897-4be2-8F04-BA451C77F1D7}">
-              <ma14:placeholderFlag xmlns:ma14="http://schemas.microsoft.com/office/mac/drawingml/2011/main" xmlns="" val="1"/>
+              <ma14:placeholderFlag xmlns="" xmlns:ma14="http://schemas.microsoft.com/office/mac/drawingml/2011/main" val="1"/>
             </a:ext>
           </a:extLst>
         </p:spPr>
@@ -30671,7 +30671,7 @@
           </a:ln>
           <a:extLst>
             <a:ext uri="{91240B29-F687-4f45-9708-019B960494DF}">
-              <a14:hiddenLine xmlns:a14="http://schemas.microsoft.com/office/drawing/2010/main" xmlns="" w="9525">
+              <a14:hiddenLine xmlns="" xmlns:a14="http://schemas.microsoft.com/office/drawing/2010/main" w="9525">
                 <a:solidFill>
                   <a:srgbClr val="000000"/>
                 </a:solidFill>
@@ -31581,14 +31581,14 @@
           </a:ln>
           <a:extLst>
             <a:ext uri="{909E8E84-426E-40dd-AFC4-6F175D3DCCD1}">
-              <a14:hiddenFill xmlns:a14="http://schemas.microsoft.com/office/drawing/2010/main" xmlns="">
+              <a14:hiddenFill xmlns="" xmlns:a14="http://schemas.microsoft.com/office/drawing/2010/main">
                 <a:solidFill>
                   <a:srgbClr val="FFFFFF"/>
                 </a:solidFill>
               </a14:hiddenFill>
             </a:ext>
             <a:ext uri="{91240B29-F687-4f45-9708-019B960494DF}">
-              <a14:hiddenLine xmlns:a14="http://schemas.microsoft.com/office/drawing/2010/main" xmlns="" w="9525">
+              <a14:hiddenLine xmlns="" xmlns:a14="http://schemas.microsoft.com/office/drawing/2010/main" w="9525">
                 <a:solidFill>
                   <a:srgbClr val="000000"/>
                 </a:solidFill>
@@ -31598,7 +31598,7 @@
               </a14:hiddenLine>
             </a:ext>
             <a:ext uri="{FAA26D3D-D897-4be2-8F04-BA451C77F1D7}">
-              <ma14:placeholderFlag xmlns:ma14="http://schemas.microsoft.com/office/mac/drawingml/2011/main" xmlns="" val="1"/>
+              <ma14:placeholderFlag xmlns="" xmlns:ma14="http://schemas.microsoft.com/office/mac/drawingml/2011/main" val="1"/>
             </a:ext>
           </a:extLst>
         </p:spPr>
@@ -33883,7 +33883,7 @@
           </a:ln>
           <a:extLst>
             <a:ext uri="{91240B29-F687-4f45-9708-019B960494DF}">
-              <a14:hiddenLine xmlns:a14="http://schemas.microsoft.com/office/drawing/2010/main" xmlns="" w="9525">
+              <a14:hiddenLine xmlns="" xmlns:a14="http://schemas.microsoft.com/office/drawing/2010/main" w="9525">
                 <a:solidFill>
                   <a:srgbClr val="000000"/>
                 </a:solidFill>
@@ -34305,14 +34305,14 @@
           </a:ln>
           <a:extLst>
             <a:ext uri="{909E8E84-426E-40dd-AFC4-6F175D3DCCD1}">
-              <a14:hiddenFill xmlns:a14="http://schemas.microsoft.com/office/drawing/2010/main" xmlns="">
+              <a14:hiddenFill xmlns="" xmlns:a14="http://schemas.microsoft.com/office/drawing/2010/main">
                 <a:solidFill>
                   <a:srgbClr val="FFFFFF"/>
                 </a:solidFill>
               </a14:hiddenFill>
             </a:ext>
             <a:ext uri="{91240B29-F687-4f45-9708-019B960494DF}">
-              <a14:hiddenLine xmlns:a14="http://schemas.microsoft.com/office/drawing/2010/main" xmlns="" w="9525">
+              <a14:hiddenLine xmlns="" xmlns:a14="http://schemas.microsoft.com/office/drawing/2010/main" w="9525">
                 <a:solidFill>
                   <a:srgbClr val="000000"/>
                 </a:solidFill>
@@ -34322,7 +34322,7 @@
               </a14:hiddenLine>
             </a:ext>
             <a:ext uri="{FAA26D3D-D897-4be2-8F04-BA451C77F1D7}">
-              <ma14:placeholderFlag xmlns:ma14="http://schemas.microsoft.com/office/mac/drawingml/2011/main" xmlns="" val="1"/>
+              <ma14:placeholderFlag xmlns="" xmlns:ma14="http://schemas.microsoft.com/office/mac/drawingml/2011/main" val="1"/>
             </a:ext>
           </a:extLst>
         </p:spPr>
@@ -34551,14 +34551,14 @@
           </a:ln>
           <a:extLst>
             <a:ext uri="{909E8E84-426E-40dd-AFC4-6F175D3DCCD1}">
-              <a14:hiddenFill xmlns:a14="http://schemas.microsoft.com/office/drawing/2010/main" xmlns="">
+              <a14:hiddenFill xmlns="" xmlns:a14="http://schemas.microsoft.com/office/drawing/2010/main">
                 <a:solidFill>
                   <a:srgbClr val="FFFFFF"/>
                 </a:solidFill>
               </a14:hiddenFill>
             </a:ext>
             <a:ext uri="{91240B29-F687-4f45-9708-019B960494DF}">
-              <a14:hiddenLine xmlns:a14="http://schemas.microsoft.com/office/drawing/2010/main" xmlns="" w="9525">
+              <a14:hiddenLine xmlns="" xmlns:a14="http://schemas.microsoft.com/office/drawing/2010/main" w="9525">
                 <a:solidFill>
                   <a:srgbClr val="000000"/>
                 </a:solidFill>
@@ -34568,7 +34568,7 @@
               </a14:hiddenLine>
             </a:ext>
             <a:ext uri="{FAA26D3D-D897-4be2-8F04-BA451C77F1D7}">
-              <ma14:placeholderFlag xmlns:ma14="http://schemas.microsoft.com/office/mac/drawingml/2011/main" xmlns="" val="1"/>
+              <ma14:placeholderFlag xmlns="" xmlns:ma14="http://schemas.microsoft.com/office/mac/drawingml/2011/main" val="1"/>
             </a:ext>
           </a:extLst>
         </p:spPr>
@@ -39708,14 +39708,14 @@
           </a:ln>
           <a:extLst>
             <a:ext uri="{909E8E84-426E-40dd-AFC4-6F175D3DCCD1}">
-              <a14:hiddenFill xmlns:a14="http://schemas.microsoft.com/office/drawing/2010/main" xmlns="">
+              <a14:hiddenFill xmlns="" xmlns:a14="http://schemas.microsoft.com/office/drawing/2010/main">
                 <a:solidFill>
                   <a:srgbClr val="FFFFFF"/>
                 </a:solidFill>
               </a14:hiddenFill>
             </a:ext>
             <a:ext uri="{91240B29-F687-4f45-9708-019B960494DF}">
-              <a14:hiddenLine xmlns:a14="http://schemas.microsoft.com/office/drawing/2010/main" xmlns="" w="9525">
+              <a14:hiddenLine xmlns="" xmlns:a14="http://schemas.microsoft.com/office/drawing/2010/main" w="9525">
                 <a:solidFill>
                   <a:srgbClr val="000000"/>
                 </a:solidFill>
@@ -39725,7 +39725,7 @@
               </a14:hiddenLine>
             </a:ext>
             <a:ext uri="{FAA26D3D-D897-4be2-8F04-BA451C77F1D7}">
-              <ma14:placeholderFlag xmlns:ma14="http://schemas.microsoft.com/office/mac/drawingml/2011/main" xmlns="" val="1"/>
+              <ma14:placeholderFlag xmlns="" xmlns:ma14="http://schemas.microsoft.com/office/mac/drawingml/2011/main" val="1"/>
             </a:ext>
           </a:extLst>
         </p:spPr>
@@ -40163,7 +40163,7 @@
             </a:ln>
             <a:extLst>
               <a:ext uri="{91240B29-F687-4f45-9708-019B960494DF}">
-                <a14:hiddenLine xmlns:a14="http://schemas.microsoft.com/office/drawing/2010/main" xmlns="" w="9525">
+                <a14:hiddenLine xmlns="" xmlns:a14="http://schemas.microsoft.com/office/drawing/2010/main" w="9525">
                   <a:solidFill>
                     <a:srgbClr val="000000"/>
                   </a:solidFill>
@@ -40214,14 +40214,14 @@
             </a:ln>
             <a:extLst>
               <a:ext uri="{909E8E84-426E-40dd-AFC4-6F175D3DCCD1}">
-                <a14:hiddenFill xmlns:a14="http://schemas.microsoft.com/office/drawing/2010/main" xmlns="">
+                <a14:hiddenFill xmlns="" xmlns:a14="http://schemas.microsoft.com/office/drawing/2010/main">
                   <a:solidFill>
                     <a:srgbClr val="FFFFFF"/>
                   </a:solidFill>
                 </a14:hiddenFill>
               </a:ext>
               <a:ext uri="{91240B29-F687-4f45-9708-019B960494DF}">
-                <a14:hiddenLine xmlns:a14="http://schemas.microsoft.com/office/drawing/2010/main" xmlns="" w="9525">
+                <a14:hiddenLine xmlns="" xmlns:a14="http://schemas.microsoft.com/office/drawing/2010/main" w="9525">
                   <a:solidFill>
                     <a:srgbClr val="000000"/>
                   </a:solidFill>
@@ -40517,14 +40517,14 @@
           </a:ln>
           <a:extLst>
             <a:ext uri="{909E8E84-426E-40dd-AFC4-6F175D3DCCD1}">
-              <a14:hiddenFill xmlns:a14="http://schemas.microsoft.com/office/drawing/2010/main" xmlns="">
+              <a14:hiddenFill xmlns="" xmlns:a14="http://schemas.microsoft.com/office/drawing/2010/main">
                 <a:solidFill>
                   <a:srgbClr val="FFFFFF"/>
                 </a:solidFill>
               </a14:hiddenFill>
             </a:ext>
             <a:ext uri="{91240B29-F687-4f45-9708-019B960494DF}">
-              <a14:hiddenLine xmlns:a14="http://schemas.microsoft.com/office/drawing/2010/main" xmlns="" w="9525">
+              <a14:hiddenLine xmlns="" xmlns:a14="http://schemas.microsoft.com/office/drawing/2010/main" w="9525">
                 <a:solidFill>
                   <a:srgbClr val="000000"/>
                 </a:solidFill>
@@ -40534,7 +40534,7 @@
               </a14:hiddenLine>
             </a:ext>
             <a:ext uri="{FAA26D3D-D897-4be2-8F04-BA451C77F1D7}">
-              <ma14:placeholderFlag xmlns:ma14="http://schemas.microsoft.com/office/mac/drawingml/2011/main" xmlns="" val="1"/>
+              <ma14:placeholderFlag xmlns="" xmlns:ma14="http://schemas.microsoft.com/office/mac/drawingml/2011/main" val="1"/>
             </a:ext>
           </a:extLst>
         </p:spPr>
@@ -40757,14 +40757,14 @@
             </a:ln>
             <a:extLst>
               <a:ext uri="{909E8E84-426E-40dd-AFC4-6F175D3DCCD1}">
-                <a14:hiddenFill xmlns:a14="http://schemas.microsoft.com/office/drawing/2010/main" xmlns="">
+                <a14:hiddenFill xmlns="" xmlns:a14="http://schemas.microsoft.com/office/drawing/2010/main">
                   <a:solidFill>
                     <a:srgbClr val="FFFFFF"/>
                   </a:solidFill>
                 </a14:hiddenFill>
               </a:ext>
               <a:ext uri="{91240B29-F687-4f45-9708-019B960494DF}">
-                <a14:hiddenLine xmlns:a14="http://schemas.microsoft.com/office/drawing/2010/main" xmlns="" w="9525">
+                <a14:hiddenLine xmlns="" xmlns:a14="http://schemas.microsoft.com/office/drawing/2010/main" w="9525">
                   <a:solidFill>
                     <a:srgbClr val="000000"/>
                   </a:solidFill>
@@ -40774,7 +40774,7 @@
                 </a14:hiddenLine>
               </a:ext>
               <a:ext uri="{FAA26D3D-D897-4be2-8F04-BA451C77F1D7}">
-                <ma14:placeholderFlag xmlns:ma14="http://schemas.microsoft.com/office/mac/drawingml/2011/main" xmlns="" val="1"/>
+                <ma14:placeholderFlag xmlns="" xmlns:ma14="http://schemas.microsoft.com/office/mac/drawingml/2011/main" val="1"/>
               </a:ext>
             </a:extLst>
           </p:spPr>
@@ -41008,14 +41008,14 @@
           </a:ln>
           <a:extLst>
             <a:ext uri="{909E8E84-426E-40dd-AFC4-6F175D3DCCD1}">
-              <a14:hiddenFill xmlns:a14="http://schemas.microsoft.com/office/drawing/2010/main" xmlns="">
+              <a14:hiddenFill xmlns="" xmlns:a14="http://schemas.microsoft.com/office/drawing/2010/main">
                 <a:solidFill>
                   <a:srgbClr val="FFFFFF"/>
                 </a:solidFill>
               </a14:hiddenFill>
             </a:ext>
             <a:ext uri="{91240B29-F687-4f45-9708-019B960494DF}">
-              <a14:hiddenLine xmlns:a14="http://schemas.microsoft.com/office/drawing/2010/main" xmlns="" w="9525">
+              <a14:hiddenLine xmlns="" xmlns:a14="http://schemas.microsoft.com/office/drawing/2010/main" w="9525">
                 <a:solidFill>
                   <a:srgbClr val="000000"/>
                 </a:solidFill>
@@ -41025,7 +41025,7 @@
               </a14:hiddenLine>
             </a:ext>
             <a:ext uri="{FAA26D3D-D897-4be2-8F04-BA451C77F1D7}">
-              <ma14:placeholderFlag xmlns:ma14="http://schemas.microsoft.com/office/mac/drawingml/2011/main" xmlns="" val="1"/>
+              <ma14:placeholderFlag xmlns="" xmlns:ma14="http://schemas.microsoft.com/office/mac/drawingml/2011/main" val="1"/>
             </a:ext>
           </a:extLst>
         </p:spPr>

--- a/15-NormalityTesting/15-Roudaut-test-normality-45min.pptx
+++ b/15-NormalityTesting/15-Roudaut-test-normality-45min.pptx
@@ -370,14 +370,14 @@
           </a:ln>
           <a:extLst>
             <a:ext uri="{909E8E84-426E-40dd-AFC4-6F175D3DCCD1}">
-              <a14:hiddenFill xmlns:a14="http://schemas.microsoft.com/office/drawing/2010/main" xmlns="">
+              <a14:hiddenFill xmlns="" xmlns:a14="http://schemas.microsoft.com/office/drawing/2010/main">
                 <a:solidFill>
                   <a:srgbClr val="FFFFFF"/>
                 </a:solidFill>
               </a14:hiddenFill>
             </a:ext>
             <a:ext uri="{FAA26D3D-D897-4be2-8F04-BA451C77F1D7}">
-              <ma14:placeholderFlag xmlns:ma14="http://schemas.microsoft.com/office/mac/drawingml/2011/main" xmlns="" val="1"/>
+              <ma14:placeholderFlag xmlns="" xmlns:ma14="http://schemas.microsoft.com/office/mac/drawingml/2011/main" val="1"/>
             </a:ext>
           </a:extLst>
         </p:spPr>
@@ -816,14 +816,14 @@
           <a:ln/>
           <a:extLst>
             <a:ext uri="{909E8E84-426E-40dd-AFC4-6F175D3DCCD1}">
-              <a14:hiddenFill xmlns:a14="http://schemas.microsoft.com/office/drawing/2010/main" xmlns="">
+              <a14:hiddenFill xmlns="" xmlns:a14="http://schemas.microsoft.com/office/drawing/2010/main">
                 <a:solidFill>
                   <a:srgbClr val="FFFFFF"/>
                 </a:solidFill>
               </a14:hiddenFill>
             </a:ext>
             <a:ext uri="{91240B29-F687-4f45-9708-019B960494DF}">
-              <a14:hiddenLine xmlns:a14="http://schemas.microsoft.com/office/drawing/2010/main" xmlns="" w="9525">
+              <a14:hiddenLine xmlns="" xmlns:a14="http://schemas.microsoft.com/office/drawing/2010/main" w="9525">
                 <a:solidFill>
                   <a:srgbClr val="000000"/>
                 </a:solidFill>
@@ -833,7 +833,7 @@
               </a14:hiddenLine>
             </a:ext>
             <a:ext uri="{FAA26D3D-D897-4be2-8F04-BA451C77F1D7}">
-              <ma14:placeholderFlag xmlns:ma14="http://schemas.microsoft.com/office/mac/drawingml/2011/main" xmlns="" val="1"/>
+              <ma14:placeholderFlag xmlns="" xmlns:ma14="http://schemas.microsoft.com/office/mac/drawingml/2011/main" val="1"/>
             </a:ext>
           </a:extLst>
         </p:spPr>
@@ -2679,14 +2679,14 @@
           </a:ln>
           <a:extLst>
             <a:ext uri="{909E8E84-426E-40dd-AFC4-6F175D3DCCD1}">
-              <a14:hiddenFill xmlns:a14="http://schemas.microsoft.com/office/drawing/2010/main" xmlns="">
+              <a14:hiddenFill xmlns="" xmlns:a14="http://schemas.microsoft.com/office/drawing/2010/main">
                 <a:solidFill>
                   <a:srgbClr val="FFFFFF"/>
                 </a:solidFill>
               </a14:hiddenFill>
             </a:ext>
             <a:ext uri="{91240B29-F687-4f45-9708-019B960494DF}">
-              <a14:hiddenLine xmlns:a14="http://schemas.microsoft.com/office/drawing/2010/main" xmlns="" w="9525">
+              <a14:hiddenLine xmlns="" xmlns:a14="http://schemas.microsoft.com/office/drawing/2010/main" w="9525">
                 <a:solidFill>
                   <a:srgbClr val="000000"/>
                 </a:solidFill>
@@ -2696,7 +2696,7 @@
               </a14:hiddenLine>
             </a:ext>
             <a:ext uri="{FAA26D3D-D897-4be2-8F04-BA451C77F1D7}">
-              <ma14:placeholderFlag xmlns:ma14="http://schemas.microsoft.com/office/mac/drawingml/2011/main" xmlns="" val="1"/>
+              <ma14:placeholderFlag xmlns="" xmlns:ma14="http://schemas.microsoft.com/office/mac/drawingml/2011/main" val="1"/>
             </a:ext>
           </a:extLst>
         </p:spPr>
@@ -2740,14 +2740,14 @@
           </a:ln>
           <a:extLst>
             <a:ext uri="{909E8E84-426E-40dd-AFC4-6F175D3DCCD1}">
-              <a14:hiddenFill xmlns:a14="http://schemas.microsoft.com/office/drawing/2010/main" xmlns="">
+              <a14:hiddenFill xmlns="" xmlns:a14="http://schemas.microsoft.com/office/drawing/2010/main">
                 <a:solidFill>
                   <a:srgbClr val="FFFFFF"/>
                 </a:solidFill>
               </a14:hiddenFill>
             </a:ext>
             <a:ext uri="{91240B29-F687-4f45-9708-019B960494DF}">
-              <a14:hiddenLine xmlns:a14="http://schemas.microsoft.com/office/drawing/2010/main" xmlns="" w="9525">
+              <a14:hiddenLine xmlns="" xmlns:a14="http://schemas.microsoft.com/office/drawing/2010/main" w="9525">
                 <a:solidFill>
                   <a:srgbClr val="000000"/>
                 </a:solidFill>
@@ -2757,7 +2757,7 @@
               </a14:hiddenLine>
             </a:ext>
             <a:ext uri="{FAA26D3D-D897-4be2-8F04-BA451C77F1D7}">
-              <ma14:placeholderFlag xmlns:ma14="http://schemas.microsoft.com/office/mac/drawingml/2011/main" xmlns="" val="1"/>
+              <ma14:placeholderFlag xmlns="" xmlns:ma14="http://schemas.microsoft.com/office/mac/drawingml/2011/main" val="1"/>
             </a:ext>
           </a:extLst>
         </p:spPr>
@@ -3311,14 +3311,14 @@
           </a:ln>
           <a:extLst>
             <a:ext uri="{909E8E84-426E-40dd-AFC4-6F175D3DCCD1}">
-              <a14:hiddenFill xmlns:a14="http://schemas.microsoft.com/office/drawing/2010/main" xmlns="">
+              <a14:hiddenFill xmlns="" xmlns:a14="http://schemas.microsoft.com/office/drawing/2010/main">
                 <a:solidFill>
                   <a:srgbClr val="FFFFFF"/>
                 </a:solidFill>
               </a14:hiddenFill>
             </a:ext>
             <a:ext uri="{91240B29-F687-4f45-9708-019B960494DF}">
-              <a14:hiddenLine xmlns:a14="http://schemas.microsoft.com/office/drawing/2010/main" xmlns="" w="9525">
+              <a14:hiddenLine xmlns="" xmlns:a14="http://schemas.microsoft.com/office/drawing/2010/main" w="9525">
                 <a:solidFill>
                   <a:srgbClr val="000000"/>
                 </a:solidFill>
@@ -3600,14 +3600,14 @@
           </a:ln>
           <a:extLst>
             <a:ext uri="{909E8E84-426E-40dd-AFC4-6F175D3DCCD1}">
-              <a14:hiddenFill xmlns:a14="http://schemas.microsoft.com/office/drawing/2010/main" xmlns="">
+              <a14:hiddenFill xmlns="" xmlns:a14="http://schemas.microsoft.com/office/drawing/2010/main">
                 <a:solidFill>
                   <a:srgbClr val="FFFFFF"/>
                 </a:solidFill>
               </a14:hiddenFill>
             </a:ext>
             <a:ext uri="{91240B29-F687-4f45-9708-019B960494DF}">
-              <a14:hiddenLine xmlns:a14="http://schemas.microsoft.com/office/drawing/2010/main" xmlns="" w="12700">
+              <a14:hiddenLine xmlns="" xmlns:a14="http://schemas.microsoft.com/office/drawing/2010/main" w="12700">
                 <a:solidFill>
                   <a:schemeClr val="tx1"/>
                 </a:solidFill>
@@ -3714,7 +3714,7 @@
           </a:ln>
           <a:extLst>
             <a:ext uri="{909E8E84-426E-40dd-AFC4-6F175D3DCCD1}">
-              <a14:hiddenFill xmlns:a14="http://schemas.microsoft.com/office/drawing/2010/main" xmlns="">
+              <a14:hiddenFill xmlns="" xmlns:a14="http://schemas.microsoft.com/office/drawing/2010/main">
                 <a:solidFill>
                   <a:srgbClr val="FFFFFF"/>
                 </a:solidFill>
@@ -3752,14 +3752,14 @@
           </a:ln>
           <a:extLst>
             <a:ext uri="{909E8E84-426E-40dd-AFC4-6F175D3DCCD1}">
-              <a14:hiddenFill xmlns:a14="http://schemas.microsoft.com/office/drawing/2010/main" xmlns="">
+              <a14:hiddenFill xmlns="" xmlns:a14="http://schemas.microsoft.com/office/drawing/2010/main">
                 <a:solidFill>
                   <a:srgbClr val="FFFFFF"/>
                 </a:solidFill>
               </a14:hiddenFill>
             </a:ext>
             <a:ext uri="{91240B29-F687-4f45-9708-019B960494DF}">
-              <a14:hiddenLine xmlns:a14="http://schemas.microsoft.com/office/drawing/2010/main" xmlns="" w="12700">
+              <a14:hiddenLine xmlns="" xmlns:a14="http://schemas.microsoft.com/office/drawing/2010/main" w="12700">
                 <a:solidFill>
                   <a:schemeClr val="tx1"/>
                 </a:solidFill>
@@ -7576,14 +7576,14 @@
           </a:ln>
           <a:extLst>
             <a:ext uri="{909E8E84-426E-40dd-AFC4-6F175D3DCCD1}">
-              <a14:hiddenFill xmlns="" xmlns:a14="http://schemas.microsoft.com/office/drawing/2010/main">
+              <a14:hiddenFill xmlns:a14="http://schemas.microsoft.com/office/drawing/2010/main" xmlns="">
                 <a:solidFill>
                   <a:srgbClr val="FFFFFF"/>
                 </a:solidFill>
               </a14:hiddenFill>
             </a:ext>
             <a:ext uri="{91240B29-F687-4f45-9708-019B960494DF}">
-              <a14:hiddenLine xmlns="" xmlns:a14="http://schemas.microsoft.com/office/drawing/2010/main" w="9525">
+              <a14:hiddenLine xmlns:a14="http://schemas.microsoft.com/office/drawing/2010/main" xmlns="" w="9525">
                 <a:solidFill>
                   <a:srgbClr val="000000"/>
                 </a:solidFill>
@@ -7593,7 +7593,7 @@
               </a14:hiddenLine>
             </a:ext>
             <a:ext uri="{FAA26D3D-D897-4be2-8F04-BA451C77F1D7}">
-              <ma14:placeholderFlag xmlns="" xmlns:ma14="http://schemas.microsoft.com/office/mac/drawingml/2011/main" val="1"/>
+              <ma14:placeholderFlag xmlns:ma14="http://schemas.microsoft.com/office/mac/drawingml/2011/main" xmlns="" val="1"/>
             </a:ext>
           </a:extLst>
         </p:spPr>
@@ -7904,14 +7904,14 @@
           </a:ln>
           <a:extLst>
             <a:ext uri="{909E8E84-426E-40dd-AFC4-6F175D3DCCD1}">
-              <a14:hiddenFill xmlns="" xmlns:a14="http://schemas.microsoft.com/office/drawing/2010/main">
+              <a14:hiddenFill xmlns:a14="http://schemas.microsoft.com/office/drawing/2010/main" xmlns="">
                 <a:solidFill>
                   <a:srgbClr val="FFFFFF"/>
                 </a:solidFill>
               </a14:hiddenFill>
             </a:ext>
             <a:ext uri="{91240B29-F687-4f45-9708-019B960494DF}">
-              <a14:hiddenLine xmlns="" xmlns:a14="http://schemas.microsoft.com/office/drawing/2010/main" w="9525">
+              <a14:hiddenLine xmlns:a14="http://schemas.microsoft.com/office/drawing/2010/main" xmlns="" w="9525">
                 <a:solidFill>
                   <a:srgbClr val="000000"/>
                 </a:solidFill>
@@ -7921,7 +7921,7 @@
               </a14:hiddenLine>
             </a:ext>
             <a:ext uri="{FAA26D3D-D897-4be2-8F04-BA451C77F1D7}">
-              <ma14:placeholderFlag xmlns="" xmlns:ma14="http://schemas.microsoft.com/office/mac/drawingml/2011/main" val="1"/>
+              <ma14:placeholderFlag xmlns:ma14="http://schemas.microsoft.com/office/mac/drawingml/2011/main" xmlns="" val="1"/>
             </a:ext>
           </a:extLst>
         </p:spPr>
@@ -8302,7 +8302,7 @@
             </a:ln>
             <a:extLst>
               <a:ext uri="{91240B29-F687-4f45-9708-019B960494DF}">
-                <a14:hiddenLine xmlns="" xmlns:a14="http://schemas.microsoft.com/office/drawing/2010/main" w="9525">
+                <a14:hiddenLine xmlns:a14="http://schemas.microsoft.com/office/drawing/2010/main" xmlns="" w="9525">
                   <a:solidFill>
                     <a:srgbClr val="000000"/>
                   </a:solidFill>
@@ -8353,14 +8353,14 @@
             </a:ln>
             <a:extLst>
               <a:ext uri="{909E8E84-426E-40dd-AFC4-6F175D3DCCD1}">
-                <a14:hiddenFill xmlns="" xmlns:a14="http://schemas.microsoft.com/office/drawing/2010/main">
+                <a14:hiddenFill xmlns:a14="http://schemas.microsoft.com/office/drawing/2010/main" xmlns="">
                   <a:solidFill>
                     <a:srgbClr val="FFFFFF"/>
                   </a:solidFill>
                 </a14:hiddenFill>
               </a:ext>
               <a:ext uri="{91240B29-F687-4f45-9708-019B960494DF}">
-                <a14:hiddenLine xmlns="" xmlns:a14="http://schemas.microsoft.com/office/drawing/2010/main" w="9525">
+                <a14:hiddenLine xmlns:a14="http://schemas.microsoft.com/office/drawing/2010/main" xmlns="" w="9525">
                   <a:solidFill>
                     <a:srgbClr val="000000"/>
                   </a:solidFill>
@@ -9017,14 +9017,14 @@
           </a:ln>
           <a:extLst>
             <a:ext uri="{909E8E84-426E-40dd-AFC4-6F175D3DCCD1}">
-              <a14:hiddenFill xmlns="" xmlns:a14="http://schemas.microsoft.com/office/drawing/2010/main">
+              <a14:hiddenFill xmlns:a14="http://schemas.microsoft.com/office/drawing/2010/main" xmlns="">
                 <a:solidFill>
                   <a:srgbClr val="FFFFFF"/>
                 </a:solidFill>
               </a14:hiddenFill>
             </a:ext>
             <a:ext uri="{91240B29-F687-4f45-9708-019B960494DF}">
-              <a14:hiddenLine xmlns="" xmlns:a14="http://schemas.microsoft.com/office/drawing/2010/main" w="9525">
+              <a14:hiddenLine xmlns:a14="http://schemas.microsoft.com/office/drawing/2010/main" xmlns="" w="9525">
                 <a:solidFill>
                   <a:srgbClr val="000000"/>
                 </a:solidFill>
@@ -9034,7 +9034,7 @@
               </a14:hiddenLine>
             </a:ext>
             <a:ext uri="{FAA26D3D-D897-4be2-8F04-BA451C77F1D7}">
-              <ma14:placeholderFlag xmlns="" xmlns:ma14="http://schemas.microsoft.com/office/mac/drawingml/2011/main" val="1"/>
+              <ma14:placeholderFlag xmlns:ma14="http://schemas.microsoft.com/office/mac/drawingml/2011/main" xmlns="" val="1"/>
             </a:ext>
           </a:extLst>
         </p:spPr>
@@ -14719,14 +14719,14 @@
           </a:ln>
           <a:extLst>
             <a:ext uri="{909E8E84-426E-40dd-AFC4-6F175D3DCCD1}">
-              <a14:hiddenFill xmlns="" xmlns:a14="http://schemas.microsoft.com/office/drawing/2010/main">
+              <a14:hiddenFill xmlns:a14="http://schemas.microsoft.com/office/drawing/2010/main" xmlns="">
                 <a:solidFill>
                   <a:srgbClr val="FFFFFF"/>
                 </a:solidFill>
               </a14:hiddenFill>
             </a:ext>
             <a:ext uri="{91240B29-F687-4f45-9708-019B960494DF}">
-              <a14:hiddenLine xmlns="" xmlns:a14="http://schemas.microsoft.com/office/drawing/2010/main" w="9525">
+              <a14:hiddenLine xmlns:a14="http://schemas.microsoft.com/office/drawing/2010/main" xmlns="" w="9525">
                 <a:solidFill>
                   <a:srgbClr val="000000"/>
                 </a:solidFill>
@@ -14736,7 +14736,7 @@
               </a14:hiddenLine>
             </a:ext>
             <a:ext uri="{FAA26D3D-D897-4be2-8F04-BA451C77F1D7}">
-              <ma14:placeholderFlag xmlns="" xmlns:ma14="http://schemas.microsoft.com/office/mac/drawingml/2011/main" val="1"/>
+              <ma14:placeholderFlag xmlns:ma14="http://schemas.microsoft.com/office/mac/drawingml/2011/main" xmlns="" val="1"/>
             </a:ext>
           </a:extLst>
         </p:spPr>
@@ -14995,14 +14995,14 @@
           </a:ln>
           <a:extLst>
             <a:ext uri="{909E8E84-426E-40dd-AFC4-6F175D3DCCD1}">
-              <a14:hiddenFill xmlns="" xmlns:a14="http://schemas.microsoft.com/office/drawing/2010/main">
+              <a14:hiddenFill xmlns:a14="http://schemas.microsoft.com/office/drawing/2010/main" xmlns="">
                 <a:solidFill>
                   <a:srgbClr val="FFFFFF"/>
                 </a:solidFill>
               </a14:hiddenFill>
             </a:ext>
             <a:ext uri="{91240B29-F687-4f45-9708-019B960494DF}">
-              <a14:hiddenLine xmlns="" xmlns:a14="http://schemas.microsoft.com/office/drawing/2010/main" w="9525">
+              <a14:hiddenLine xmlns:a14="http://schemas.microsoft.com/office/drawing/2010/main" xmlns="" w="9525">
                 <a:solidFill>
                   <a:srgbClr val="000000"/>
                 </a:solidFill>
@@ -15012,7 +15012,7 @@
               </a14:hiddenLine>
             </a:ext>
             <a:ext uri="{FAA26D3D-D897-4be2-8F04-BA451C77F1D7}">
-              <ma14:placeholderFlag xmlns="" xmlns:ma14="http://schemas.microsoft.com/office/mac/drawingml/2011/main" val="1"/>
+              <ma14:placeholderFlag xmlns:ma14="http://schemas.microsoft.com/office/mac/drawingml/2011/main" xmlns="" val="1"/>
             </a:ext>
           </a:extLst>
         </p:spPr>
@@ -15372,14 +15372,14 @@
           </a:ln>
           <a:extLst>
             <a:ext uri="{909E8E84-426E-40dd-AFC4-6F175D3DCCD1}">
-              <a14:hiddenFill xmlns="" xmlns:a14="http://schemas.microsoft.com/office/drawing/2010/main">
+              <a14:hiddenFill xmlns:a14="http://schemas.microsoft.com/office/drawing/2010/main" xmlns="">
                 <a:solidFill>
                   <a:srgbClr val="FFFFFF"/>
                 </a:solidFill>
               </a14:hiddenFill>
             </a:ext>
             <a:ext uri="{91240B29-F687-4f45-9708-019B960494DF}">
-              <a14:hiddenLine xmlns="" xmlns:a14="http://schemas.microsoft.com/office/drawing/2010/main" w="9525">
+              <a14:hiddenLine xmlns:a14="http://schemas.microsoft.com/office/drawing/2010/main" xmlns="" w="9525">
                 <a:solidFill>
                   <a:srgbClr val="000000"/>
                 </a:solidFill>
@@ -15389,7 +15389,7 @@
               </a14:hiddenLine>
             </a:ext>
             <a:ext uri="{FAA26D3D-D897-4be2-8F04-BA451C77F1D7}">
-              <ma14:placeholderFlag xmlns="" xmlns:ma14="http://schemas.microsoft.com/office/mac/drawingml/2011/main" val="1"/>
+              <ma14:placeholderFlag xmlns:ma14="http://schemas.microsoft.com/office/mac/drawingml/2011/main" xmlns="" val="1"/>
             </a:ext>
           </a:extLst>
         </p:spPr>
@@ -15760,14 +15760,14 @@
           </a:ln>
           <a:extLst>
             <a:ext uri="{909E8E84-426E-40dd-AFC4-6F175D3DCCD1}">
-              <a14:hiddenFill xmlns="" xmlns:a14="http://schemas.microsoft.com/office/drawing/2010/main">
+              <a14:hiddenFill xmlns:a14="http://schemas.microsoft.com/office/drawing/2010/main" xmlns="">
                 <a:solidFill>
                   <a:srgbClr val="FFFFFF"/>
                 </a:solidFill>
               </a14:hiddenFill>
             </a:ext>
             <a:ext uri="{91240B29-F687-4f45-9708-019B960494DF}">
-              <a14:hiddenLine xmlns="" xmlns:a14="http://schemas.microsoft.com/office/drawing/2010/main" w="9525">
+              <a14:hiddenLine xmlns:a14="http://schemas.microsoft.com/office/drawing/2010/main" xmlns="" w="9525">
                 <a:solidFill>
                   <a:srgbClr val="000000"/>
                 </a:solidFill>
@@ -15777,7 +15777,7 @@
               </a14:hiddenLine>
             </a:ext>
             <a:ext uri="{FAA26D3D-D897-4be2-8F04-BA451C77F1D7}">
-              <ma14:placeholderFlag xmlns="" xmlns:ma14="http://schemas.microsoft.com/office/mac/drawingml/2011/main" val="1"/>
+              <ma14:placeholderFlag xmlns:ma14="http://schemas.microsoft.com/office/mac/drawingml/2011/main" xmlns="" val="1"/>
             </a:ext>
           </a:extLst>
         </p:spPr>
@@ -15996,14 +15996,14 @@
             </a:ln>
             <a:extLst>
               <a:ext uri="{909E8E84-426E-40dd-AFC4-6F175D3DCCD1}">
-                <a14:hiddenFill xmlns="" xmlns:a14="http://schemas.microsoft.com/office/drawing/2010/main">
+                <a14:hiddenFill xmlns:a14="http://schemas.microsoft.com/office/drawing/2010/main" xmlns="">
                   <a:solidFill>
                     <a:srgbClr val="FFFFFF"/>
                   </a:solidFill>
                 </a14:hiddenFill>
               </a:ext>
               <a:ext uri="{91240B29-F687-4f45-9708-019B960494DF}">
-                <a14:hiddenLine xmlns="" xmlns:a14="http://schemas.microsoft.com/office/drawing/2010/main" w="9525">
+                <a14:hiddenLine xmlns:a14="http://schemas.microsoft.com/office/drawing/2010/main" xmlns="" w="9525">
                   <a:solidFill>
                     <a:srgbClr val="000000"/>
                   </a:solidFill>
@@ -16013,7 +16013,7 @@
                 </a14:hiddenLine>
               </a:ext>
               <a:ext uri="{FAA26D3D-D897-4be2-8F04-BA451C77F1D7}">
-                <ma14:placeholderFlag xmlns="" xmlns:ma14="http://schemas.microsoft.com/office/mac/drawingml/2011/main" val="1"/>
+                <ma14:placeholderFlag xmlns:ma14="http://schemas.microsoft.com/office/mac/drawingml/2011/main" xmlns="" val="1"/>
               </a:ext>
             </a:extLst>
           </p:spPr>
@@ -16620,14 +16620,14 @@
           </a:ln>
           <a:extLst>
             <a:ext uri="{909E8E84-426E-40dd-AFC4-6F175D3DCCD1}">
-              <a14:hiddenFill xmlns="" xmlns:a14="http://schemas.microsoft.com/office/drawing/2010/main">
+              <a14:hiddenFill xmlns:a14="http://schemas.microsoft.com/office/drawing/2010/main" xmlns="">
                 <a:solidFill>
                   <a:srgbClr val="FFFFFF"/>
                 </a:solidFill>
               </a14:hiddenFill>
             </a:ext>
             <a:ext uri="{91240B29-F687-4f45-9708-019B960494DF}">
-              <a14:hiddenLine xmlns="" xmlns:a14="http://schemas.microsoft.com/office/drawing/2010/main" w="9525">
+              <a14:hiddenLine xmlns:a14="http://schemas.microsoft.com/office/drawing/2010/main" xmlns="" w="9525">
                 <a:solidFill>
                   <a:srgbClr val="000000"/>
                 </a:solidFill>
@@ -16637,7 +16637,7 @@
               </a14:hiddenLine>
             </a:ext>
             <a:ext uri="{FAA26D3D-D897-4be2-8F04-BA451C77F1D7}">
-              <ma14:placeholderFlag xmlns="" xmlns:ma14="http://schemas.microsoft.com/office/mac/drawingml/2011/main" val="1"/>
+              <ma14:placeholderFlag xmlns:ma14="http://schemas.microsoft.com/office/mac/drawingml/2011/main" xmlns="" val="1"/>
             </a:ext>
           </a:extLst>
         </p:spPr>
@@ -17030,14 +17030,14 @@
           </a:ln>
           <a:extLst>
             <a:ext uri="{909E8E84-426E-40dd-AFC4-6F175D3DCCD1}">
-              <a14:hiddenFill xmlns="" xmlns:a14="http://schemas.microsoft.com/office/drawing/2010/main">
+              <a14:hiddenFill xmlns:a14="http://schemas.microsoft.com/office/drawing/2010/main" xmlns="">
                 <a:solidFill>
                   <a:srgbClr val="FFFFFF"/>
                 </a:solidFill>
               </a14:hiddenFill>
             </a:ext>
             <a:ext uri="{91240B29-F687-4f45-9708-019B960494DF}">
-              <a14:hiddenLine xmlns="" xmlns:a14="http://schemas.microsoft.com/office/drawing/2010/main" w="9525">
+              <a14:hiddenLine xmlns:a14="http://schemas.microsoft.com/office/drawing/2010/main" xmlns="" w="9525">
                 <a:solidFill>
                   <a:srgbClr val="000000"/>
                 </a:solidFill>
@@ -17047,7 +17047,7 @@
               </a14:hiddenLine>
             </a:ext>
             <a:ext uri="{FAA26D3D-D897-4be2-8F04-BA451C77F1D7}">
-              <ma14:placeholderFlag xmlns="" xmlns:ma14="http://schemas.microsoft.com/office/mac/drawingml/2011/main" val="1"/>
+              <ma14:placeholderFlag xmlns:ma14="http://schemas.microsoft.com/office/mac/drawingml/2011/main" xmlns="" val="1"/>
             </a:ext>
           </a:extLst>
         </p:spPr>
@@ -17691,14 +17691,14 @@
           </a:ln>
           <a:extLst>
             <a:ext uri="{909E8E84-426E-40dd-AFC4-6F175D3DCCD1}">
-              <a14:hiddenFill xmlns="" xmlns:a14="http://schemas.microsoft.com/office/drawing/2010/main">
+              <a14:hiddenFill xmlns:a14="http://schemas.microsoft.com/office/drawing/2010/main" xmlns="">
                 <a:solidFill>
                   <a:srgbClr val="FFFFFF"/>
                 </a:solidFill>
               </a14:hiddenFill>
             </a:ext>
             <a:ext uri="{91240B29-F687-4f45-9708-019B960494DF}">
-              <a14:hiddenLine xmlns="" xmlns:a14="http://schemas.microsoft.com/office/drawing/2010/main" w="9525">
+              <a14:hiddenLine xmlns:a14="http://schemas.microsoft.com/office/drawing/2010/main" xmlns="" w="9525">
                 <a:solidFill>
                   <a:srgbClr val="000000"/>
                 </a:solidFill>
@@ -17708,7 +17708,7 @@
               </a14:hiddenLine>
             </a:ext>
             <a:ext uri="{FAA26D3D-D897-4be2-8F04-BA451C77F1D7}">
-              <ma14:placeholderFlag xmlns="" xmlns:ma14="http://schemas.microsoft.com/office/mac/drawingml/2011/main" val="1"/>
+              <ma14:placeholderFlag xmlns:ma14="http://schemas.microsoft.com/office/mac/drawingml/2011/main" xmlns="" val="1"/>
             </a:ext>
           </a:extLst>
         </p:spPr>
@@ -18501,7 +18501,7 @@
           </a:ln>
           <a:extLst>
             <a:ext uri="{91240B29-F687-4f45-9708-019B960494DF}">
-              <a14:hiddenLine xmlns="" xmlns:a14="http://schemas.microsoft.com/office/drawing/2010/main" w="9525">
+              <a14:hiddenLine xmlns:a14="http://schemas.microsoft.com/office/drawing/2010/main" xmlns="" w="9525">
                 <a:solidFill>
                   <a:srgbClr val="000000"/>
                 </a:solidFill>
@@ -18893,14 +18893,14 @@
           </a:ln>
           <a:extLst>
             <a:ext uri="{909E8E84-426E-40dd-AFC4-6F175D3DCCD1}">
-              <a14:hiddenFill xmlns="" xmlns:a14="http://schemas.microsoft.com/office/drawing/2010/main">
+              <a14:hiddenFill xmlns:a14="http://schemas.microsoft.com/office/drawing/2010/main" xmlns="">
                 <a:solidFill>
                   <a:srgbClr val="FFFFFF"/>
                 </a:solidFill>
               </a14:hiddenFill>
             </a:ext>
             <a:ext uri="{91240B29-F687-4f45-9708-019B960494DF}">
-              <a14:hiddenLine xmlns="" xmlns:a14="http://schemas.microsoft.com/office/drawing/2010/main" w="9525">
+              <a14:hiddenLine xmlns:a14="http://schemas.microsoft.com/office/drawing/2010/main" xmlns="" w="9525">
                 <a:solidFill>
                   <a:srgbClr val="000000"/>
                 </a:solidFill>
@@ -18910,7 +18910,7 @@
               </a14:hiddenLine>
             </a:ext>
             <a:ext uri="{FAA26D3D-D897-4be2-8F04-BA451C77F1D7}">
-              <ma14:placeholderFlag xmlns="" xmlns:ma14="http://schemas.microsoft.com/office/mac/drawingml/2011/main" val="1"/>
+              <ma14:placeholderFlag xmlns:ma14="http://schemas.microsoft.com/office/mac/drawingml/2011/main" xmlns="" val="1"/>
             </a:ext>
           </a:extLst>
         </p:spPr>
@@ -20498,7 +20498,7 @@
             </a:ln>
             <a:extLst>
               <a:ext uri="{91240B29-F687-4f45-9708-019B960494DF}">
-                <a14:hiddenLine xmlns="" xmlns:a14="http://schemas.microsoft.com/office/drawing/2010/main" w="9525">
+                <a14:hiddenLine xmlns:a14="http://schemas.microsoft.com/office/drawing/2010/main" xmlns="" w="9525">
                   <a:solidFill>
                     <a:srgbClr val="000000"/>
                   </a:solidFill>
@@ -20549,14 +20549,14 @@
             </a:ln>
             <a:extLst>
               <a:ext uri="{909E8E84-426E-40dd-AFC4-6F175D3DCCD1}">
-                <a14:hiddenFill xmlns="" xmlns:a14="http://schemas.microsoft.com/office/drawing/2010/main">
+                <a14:hiddenFill xmlns:a14="http://schemas.microsoft.com/office/drawing/2010/main" xmlns="">
                   <a:solidFill>
                     <a:srgbClr val="FFFFFF"/>
                   </a:solidFill>
                 </a14:hiddenFill>
               </a:ext>
               <a:ext uri="{91240B29-F687-4f45-9708-019B960494DF}">
-                <a14:hiddenLine xmlns="" xmlns:a14="http://schemas.microsoft.com/office/drawing/2010/main" w="9525">
+                <a14:hiddenLine xmlns:a14="http://schemas.microsoft.com/office/drawing/2010/main" xmlns="" w="9525">
                   <a:solidFill>
                     <a:srgbClr val="000000"/>
                   </a:solidFill>
@@ -21641,14 +21641,14 @@
           </a:ln>
           <a:extLst>
             <a:ext uri="{909E8E84-426E-40dd-AFC4-6F175D3DCCD1}">
-              <a14:hiddenFill xmlns="" xmlns:a14="http://schemas.microsoft.com/office/drawing/2010/main">
+              <a14:hiddenFill xmlns:a14="http://schemas.microsoft.com/office/drawing/2010/main" xmlns="">
                 <a:solidFill>
                   <a:srgbClr val="FFFFFF"/>
                 </a:solidFill>
               </a14:hiddenFill>
             </a:ext>
             <a:ext uri="{91240B29-F687-4f45-9708-019B960494DF}">
-              <a14:hiddenLine xmlns="" xmlns:a14="http://schemas.microsoft.com/office/drawing/2010/main" w="9525">
+              <a14:hiddenLine xmlns:a14="http://schemas.microsoft.com/office/drawing/2010/main" xmlns="" w="9525">
                 <a:solidFill>
                   <a:srgbClr val="000000"/>
                 </a:solidFill>
@@ -21658,7 +21658,7 @@
               </a14:hiddenLine>
             </a:ext>
             <a:ext uri="{FAA26D3D-D897-4be2-8F04-BA451C77F1D7}">
-              <ma14:placeholderFlag xmlns="" xmlns:ma14="http://schemas.microsoft.com/office/mac/drawingml/2011/main" val="1"/>
+              <ma14:placeholderFlag xmlns:ma14="http://schemas.microsoft.com/office/mac/drawingml/2011/main" xmlns="" val="1"/>
             </a:ext>
           </a:extLst>
         </p:spPr>
@@ -21881,14 +21881,14 @@
             </a:ln>
             <a:extLst>
               <a:ext uri="{909E8E84-426E-40dd-AFC4-6F175D3DCCD1}">
-                <a14:hiddenFill xmlns="" xmlns:a14="http://schemas.microsoft.com/office/drawing/2010/main">
+                <a14:hiddenFill xmlns:a14="http://schemas.microsoft.com/office/drawing/2010/main" xmlns="">
                   <a:solidFill>
                     <a:srgbClr val="FFFFFF"/>
                   </a:solidFill>
                 </a14:hiddenFill>
               </a:ext>
               <a:ext uri="{91240B29-F687-4f45-9708-019B960494DF}">
-                <a14:hiddenLine xmlns="" xmlns:a14="http://schemas.microsoft.com/office/drawing/2010/main" w="9525">
+                <a14:hiddenLine xmlns:a14="http://schemas.microsoft.com/office/drawing/2010/main" xmlns="" w="9525">
                   <a:solidFill>
                     <a:srgbClr val="000000"/>
                   </a:solidFill>
@@ -21898,7 +21898,7 @@
                 </a14:hiddenLine>
               </a:ext>
               <a:ext uri="{FAA26D3D-D897-4be2-8F04-BA451C77F1D7}">
-                <ma14:placeholderFlag xmlns="" xmlns:ma14="http://schemas.microsoft.com/office/mac/drawingml/2011/main" val="1"/>
+                <ma14:placeholderFlag xmlns:ma14="http://schemas.microsoft.com/office/mac/drawingml/2011/main" xmlns="" val="1"/>
               </a:ext>
             </a:extLst>
           </p:spPr>
@@ -22142,14 +22142,14 @@
           </a:ln>
           <a:extLst>
             <a:ext uri="{909E8E84-426E-40dd-AFC4-6F175D3DCCD1}">
-              <a14:hiddenFill xmlns="" xmlns:a14="http://schemas.microsoft.com/office/drawing/2010/main">
+              <a14:hiddenFill xmlns:a14="http://schemas.microsoft.com/office/drawing/2010/main" xmlns="">
                 <a:solidFill>
                   <a:srgbClr val="FFFFFF"/>
                 </a:solidFill>
               </a14:hiddenFill>
             </a:ext>
             <a:ext uri="{91240B29-F687-4f45-9708-019B960494DF}">
-              <a14:hiddenLine xmlns="" xmlns:a14="http://schemas.microsoft.com/office/drawing/2010/main" w="9525">
+              <a14:hiddenLine xmlns:a14="http://schemas.microsoft.com/office/drawing/2010/main" xmlns="" w="9525">
                 <a:solidFill>
                   <a:srgbClr val="000000"/>
                 </a:solidFill>
@@ -22159,7 +22159,7 @@
               </a14:hiddenLine>
             </a:ext>
             <a:ext uri="{FAA26D3D-D897-4be2-8F04-BA451C77F1D7}">
-              <ma14:placeholderFlag xmlns="" xmlns:ma14="http://schemas.microsoft.com/office/mac/drawingml/2011/main" val="1"/>
+              <ma14:placeholderFlag xmlns:ma14="http://schemas.microsoft.com/office/mac/drawingml/2011/main" xmlns="" val="1"/>
             </a:ext>
           </a:extLst>
         </p:spPr>
@@ -22707,10 +22707,10 @@
         </p:nvGrpSpPr>
         <p:grpSpPr>
           <a:xfrm>
-            <a:off x="371061" y="765332"/>
-            <a:ext cx="8153400" cy="3077961"/>
-            <a:chOff x="371061" y="765332"/>
-            <a:chExt cx="8153400" cy="3077961"/>
+            <a:off x="371061" y="765331"/>
+            <a:ext cx="8153400" cy="3077962"/>
+            <a:chOff x="371061" y="765331"/>
+            <a:chExt cx="8153400" cy="3077962"/>
           </a:xfrm>
         </p:grpSpPr>
         <p:sp>
@@ -22729,7 +22729,7 @@
           </p:nvSpPr>
           <p:spPr bwMode="auto">
             <a:xfrm>
-              <a:off x="371061" y="1295400"/>
+              <a:off x="371061" y="1371600"/>
               <a:ext cx="8153400" cy="1147465"/>
             </a:xfrm>
             <a:prstGeom prst="rect">
@@ -22741,14 +22741,14 @@
             </a:ln>
             <a:extLst>
               <a:ext uri="{909E8E84-426E-40dd-AFC4-6F175D3DCCD1}">
-                <a14:hiddenFill xmlns="" xmlns:a14="http://schemas.microsoft.com/office/drawing/2010/main">
+                <a14:hiddenFill xmlns:a14="http://schemas.microsoft.com/office/drawing/2010/main" xmlns="">
                   <a:solidFill>
                     <a:srgbClr val="FFFFFF"/>
                   </a:solidFill>
                 </a14:hiddenFill>
               </a:ext>
               <a:ext uri="{91240B29-F687-4f45-9708-019B960494DF}">
-                <a14:hiddenLine xmlns="" xmlns:a14="http://schemas.microsoft.com/office/drawing/2010/main" w="9525">
+                <a14:hiddenLine xmlns:a14="http://schemas.microsoft.com/office/drawing/2010/main" xmlns="" w="9525">
                   <a:solidFill>
                     <a:srgbClr val="000000"/>
                   </a:solidFill>
@@ -22758,7 +22758,7 @@
                 </a14:hiddenLine>
               </a:ext>
               <a:ext uri="{FAA26D3D-D897-4be2-8F04-BA451C77F1D7}">
-                <ma14:placeholderFlag xmlns="" xmlns:ma14="http://schemas.microsoft.com/office/mac/drawingml/2011/main" val="1"/>
+                <ma14:placeholderFlag xmlns:ma14="http://schemas.microsoft.com/office/mac/drawingml/2011/main" xmlns="" val="1"/>
               </a:ext>
             </a:extLst>
           </p:spPr>
@@ -22931,10 +22931,10 @@
         </p:sp>
         <p:sp>
           <p:nvSpPr>
-            <p:cNvPr id="7" name="Freeform 6">
+            <p:cNvPr id="8" name="Freeform 7">
               <a:extLst>
                 <a:ext uri="{FF2B5EF4-FFF2-40B4-BE49-F238E27FC236}">
-                  <a16:creationId xmlns:a16="http://schemas.microsoft.com/office/drawing/2014/main" id="{6175665A-C39B-E14E-A3A7-1B6D6A73E2CB}"/>
+                  <a16:creationId xmlns:a16="http://schemas.microsoft.com/office/drawing/2014/main" id="{D5A260DB-7A32-804F-B07A-E9F2F51AE68D}"/>
                 </a:ext>
               </a:extLst>
             </p:cNvPr>
@@ -22943,8 +22943,8 @@
           </p:nvSpPr>
           <p:spPr bwMode="auto">
             <a:xfrm>
-              <a:off x="3558209" y="874643"/>
-              <a:ext cx="4591878" cy="258696"/>
+              <a:off x="2514600" y="810336"/>
+              <a:ext cx="3581400" cy="75236"/>
             </a:xfrm>
             <a:custGeom>
               <a:avLst/>
@@ -23040,10 +23040,10 @@
         </p:sp>
         <p:sp>
           <p:nvSpPr>
-            <p:cNvPr id="8" name="Freeform 7">
+            <p:cNvPr id="9" name="Freeform 8">
               <a:extLst>
                 <a:ext uri="{FF2B5EF4-FFF2-40B4-BE49-F238E27FC236}">
-                  <a16:creationId xmlns:a16="http://schemas.microsoft.com/office/drawing/2014/main" id="{D5A260DB-7A32-804F-B07A-E9F2F51AE68D}"/>
+                  <a16:creationId xmlns:a16="http://schemas.microsoft.com/office/drawing/2014/main" id="{B9EEB824-EE6B-1B46-8CE7-4A5B4FFBFFB7}"/>
                 </a:ext>
               </a:extLst>
             </p:cNvPr>
@@ -23052,8 +23052,8 @@
           </p:nvSpPr>
           <p:spPr bwMode="auto">
             <a:xfrm>
-              <a:off x="2514600" y="810336"/>
-              <a:ext cx="4591878" cy="258696"/>
+              <a:off x="1676400" y="765331"/>
+              <a:ext cx="5715000" cy="302167"/>
             </a:xfrm>
             <a:custGeom>
               <a:avLst/>
@@ -23149,10 +23149,10 @@
         </p:sp>
         <p:sp>
           <p:nvSpPr>
-            <p:cNvPr id="9" name="Freeform 8">
+            <p:cNvPr id="11" name="Freeform 10">
               <a:extLst>
                 <a:ext uri="{FF2B5EF4-FFF2-40B4-BE49-F238E27FC236}">
-                  <a16:creationId xmlns:a16="http://schemas.microsoft.com/office/drawing/2014/main" id="{B9EEB824-EE6B-1B46-8CE7-4A5B4FFBFFB7}"/>
+                  <a16:creationId xmlns:a16="http://schemas.microsoft.com/office/drawing/2014/main" id="{7B4F42D9-5A4A-C24F-B2A4-72B2CF1896CC}"/>
                 </a:ext>
               </a:extLst>
             </p:cNvPr>
@@ -23161,8 +23161,8 @@
           </p:nvSpPr>
           <p:spPr bwMode="auto">
             <a:xfrm>
-              <a:off x="1676400" y="765332"/>
-              <a:ext cx="4591878" cy="258696"/>
+              <a:off x="864704" y="914400"/>
+              <a:ext cx="7517296" cy="380157"/>
             </a:xfrm>
             <a:custGeom>
               <a:avLst/>
@@ -23258,115 +23258,6 @@
         </p:sp>
         <p:sp>
           <p:nvSpPr>
-            <p:cNvPr id="11" name="Freeform 10">
-              <a:extLst>
-                <a:ext uri="{FF2B5EF4-FFF2-40B4-BE49-F238E27FC236}">
-                  <a16:creationId xmlns:a16="http://schemas.microsoft.com/office/drawing/2014/main" id="{7B4F42D9-5A4A-C24F-B2A4-72B2CF1896CC}"/>
-                </a:ext>
-              </a:extLst>
-            </p:cNvPr>
-            <p:cNvSpPr/>
-            <p:nvPr/>
-          </p:nvSpPr>
-          <p:spPr bwMode="auto">
-            <a:xfrm>
-              <a:off x="864704" y="769736"/>
-              <a:ext cx="4591878" cy="258696"/>
-            </a:xfrm>
-            <a:custGeom>
-              <a:avLst/>
-              <a:gdLst>
-                <a:gd name="connsiteX0" fmla="*/ 4591878 w 4591878"/>
-                <a:gd name="connsiteY0" fmla="*/ 0 h 258696"/>
-                <a:gd name="connsiteX1" fmla="*/ 1590261 w 4591878"/>
-                <a:gd name="connsiteY1" fmla="*/ 258418 h 258696"/>
-                <a:gd name="connsiteX2" fmla="*/ 0 w 4591878"/>
-                <a:gd name="connsiteY2" fmla="*/ 39757 h 258696"/>
-              </a:gdLst>
-              <a:ahLst/>
-              <a:cxnLst>
-                <a:cxn ang="0">
-                  <a:pos x="connsiteX0" y="connsiteY0"/>
-                </a:cxn>
-                <a:cxn ang="0">
-                  <a:pos x="connsiteX1" y="connsiteY1"/>
-                </a:cxn>
-                <a:cxn ang="0">
-                  <a:pos x="connsiteX2" y="connsiteY2"/>
-                </a:cxn>
-              </a:cxnLst>
-              <a:rect l="l" t="t" r="r" b="b"/>
-              <a:pathLst>
-                <a:path w="4591878" h="258696">
-                  <a:moveTo>
-                    <a:pt x="4591878" y="0"/>
-                  </a:moveTo>
-                  <a:cubicBezTo>
-                    <a:pt x="3473726" y="125896"/>
-                    <a:pt x="2355574" y="251792"/>
-                    <a:pt x="1590261" y="258418"/>
-                  </a:cubicBezTo>
-                  <a:cubicBezTo>
-                    <a:pt x="824948" y="265044"/>
-                    <a:pt x="412474" y="152400"/>
-                    <a:pt x="0" y="39757"/>
-                  </a:cubicBezTo>
-                </a:path>
-              </a:pathLst>
-            </a:custGeom>
-            <a:noFill/>
-            <a:ln w="9525" cap="flat" cmpd="sng" algn="ctr">
-              <a:solidFill>
-                <a:srgbClr val="99CC00"/>
-              </a:solidFill>
-              <a:prstDash val="sysDash"/>
-              <a:round/>
-              <a:headEnd type="none" w="med" len="med"/>
-              <a:tailEnd type="triangle" w="lg" len="med"/>
-            </a:ln>
-            <a:effectLst/>
-          </p:spPr>
-          <p:txBody>
-            <a:bodyPr vert="horz" wrap="square" lIns="91440" tIns="45720" rIns="91440" bIns="45720" numCol="1" rtlCol="0" anchor="t" anchorCtr="0" compatLnSpc="1">
-              <a:prstTxWarp prst="textNoShape">
-                <a:avLst/>
-              </a:prstTxWarp>
-            </a:bodyPr>
-            <a:lstStyle/>
-            <a:p>
-              <a:pPr marL="0" marR="0" indent="0" algn="l" defTabSz="914400" rtl="0" eaLnBrk="1" fontAlgn="base" latinLnBrk="0" hangingPunct="1">
-                <a:lnSpc>
-                  <a:spcPct val="100000"/>
-                </a:lnSpc>
-                <a:spcBef>
-                  <a:spcPct val="0"/>
-                </a:spcBef>
-                <a:spcAft>
-                  <a:spcPct val="0"/>
-                </a:spcAft>
-                <a:buClrTx/>
-                <a:buSzTx/>
-                <a:buFontTx/>
-                <a:buNone/>
-                <a:tabLst/>
-              </a:pPr>
-              <a:endParaRPr kumimoji="0" lang="en-US" sz="1800" b="1" i="0" u="none" strike="noStrike" cap="none" normalizeH="0" baseline="0">
-                <a:ln>
-                  <a:noFill/>
-                </a:ln>
-                <a:solidFill>
-                  <a:schemeClr val="tx1"/>
-                </a:solidFill>
-                <a:effectLst/>
-                <a:latin typeface="Arial" pitchFamily="-112" charset="0"/>
-                <a:ea typeface="Arial" pitchFamily="-112" charset="0"/>
-                <a:cs typeface="Arial" pitchFamily="-112" charset="0"/>
-              </a:endParaRPr>
-            </a:p>
-          </p:txBody>
-        </p:sp>
-        <p:sp>
-          <p:nvSpPr>
             <p:cNvPr id="12" name="Rectangle 11">
               <a:extLst>
                 <a:ext uri="{FF2B5EF4-FFF2-40B4-BE49-F238E27FC236}">
@@ -23464,14 +23355,14 @@
           </a:ln>
           <a:extLst>
             <a:ext uri="{909E8E84-426E-40dd-AFC4-6F175D3DCCD1}">
-              <a14:hiddenFill xmlns="" xmlns:a14="http://schemas.microsoft.com/office/drawing/2010/main">
+              <a14:hiddenFill xmlns:a14="http://schemas.microsoft.com/office/drawing/2010/main" xmlns="">
                 <a:solidFill>
                   <a:srgbClr val="FFFFFF"/>
                 </a:solidFill>
               </a14:hiddenFill>
             </a:ext>
             <a:ext uri="{91240B29-F687-4f45-9708-019B960494DF}">
-              <a14:hiddenLine xmlns="" xmlns:a14="http://schemas.microsoft.com/office/drawing/2010/main" w="9525">
+              <a14:hiddenLine xmlns:a14="http://schemas.microsoft.com/office/drawing/2010/main" xmlns="" w="9525">
                 <a:solidFill>
                   <a:srgbClr val="000000"/>
                 </a:solidFill>
@@ -23481,7 +23372,7 @@
               </a14:hiddenLine>
             </a:ext>
             <a:ext uri="{FAA26D3D-D897-4be2-8F04-BA451C77F1D7}">
-              <ma14:placeholderFlag xmlns="" xmlns:ma14="http://schemas.microsoft.com/office/mac/drawingml/2011/main" val="1"/>
+              <ma14:placeholderFlag xmlns:ma14="http://schemas.microsoft.com/office/mac/drawingml/2011/main" xmlns="" val="1"/>
             </a:ext>
           </a:extLst>
         </p:spPr>
@@ -23659,6 +23550,115 @@
             <a:endParaRPr lang="en-US" b="0" dirty="0">
               <a:latin typeface="Arial" charset="0"/>
               <a:cs typeface="Arial" charset="0"/>
+            </a:endParaRPr>
+          </a:p>
+        </p:txBody>
+      </p:sp>
+      <p:sp>
+        <p:nvSpPr>
+          <p:cNvPr id="15" name="Freeform 14">
+            <a:extLst>
+              <a:ext uri="{FF2B5EF4-FFF2-40B4-BE49-F238E27FC236}">
+                <a16:creationId xmlns:a16="http://schemas.microsoft.com/office/drawing/2014/main" id="{E750FE8C-C095-0543-B249-7B589F53EC17}"/>
+              </a:ext>
+            </a:extLst>
+          </p:cNvPr>
+          <p:cNvSpPr/>
+          <p:nvPr/>
+        </p:nvSpPr>
+        <p:spPr bwMode="auto">
+          <a:xfrm>
+            <a:off x="3941535" y="602106"/>
+            <a:ext cx="1011465" cy="120318"/>
+          </a:xfrm>
+          <a:custGeom>
+            <a:avLst/>
+            <a:gdLst>
+              <a:gd name="connsiteX0" fmla="*/ 4591878 w 4591878"/>
+              <a:gd name="connsiteY0" fmla="*/ 0 h 258696"/>
+              <a:gd name="connsiteX1" fmla="*/ 1590261 w 4591878"/>
+              <a:gd name="connsiteY1" fmla="*/ 258418 h 258696"/>
+              <a:gd name="connsiteX2" fmla="*/ 0 w 4591878"/>
+              <a:gd name="connsiteY2" fmla="*/ 39757 h 258696"/>
+            </a:gdLst>
+            <a:ahLst/>
+            <a:cxnLst>
+              <a:cxn ang="0">
+                <a:pos x="connsiteX0" y="connsiteY0"/>
+              </a:cxn>
+              <a:cxn ang="0">
+                <a:pos x="connsiteX1" y="connsiteY1"/>
+              </a:cxn>
+              <a:cxn ang="0">
+                <a:pos x="connsiteX2" y="connsiteY2"/>
+              </a:cxn>
+            </a:cxnLst>
+            <a:rect l="l" t="t" r="r" b="b"/>
+            <a:pathLst>
+              <a:path w="4591878" h="258696">
+                <a:moveTo>
+                  <a:pt x="4591878" y="0"/>
+                </a:moveTo>
+                <a:cubicBezTo>
+                  <a:pt x="3473726" y="125896"/>
+                  <a:pt x="2355574" y="251792"/>
+                  <a:pt x="1590261" y="258418"/>
+                </a:cubicBezTo>
+                <a:cubicBezTo>
+                  <a:pt x="824948" y="265044"/>
+                  <a:pt x="412474" y="152400"/>
+                  <a:pt x="0" y="39757"/>
+                </a:cubicBezTo>
+              </a:path>
+            </a:pathLst>
+          </a:custGeom>
+          <a:noFill/>
+          <a:ln w="9525" cap="flat" cmpd="sng" algn="ctr">
+            <a:solidFill>
+              <a:srgbClr val="99CC00"/>
+            </a:solidFill>
+            <a:prstDash val="sysDash"/>
+            <a:round/>
+            <a:headEnd type="none" w="med" len="med"/>
+            <a:tailEnd type="triangle" w="lg" len="med"/>
+          </a:ln>
+          <a:effectLst/>
+        </p:spPr>
+        <p:txBody>
+          <a:bodyPr vert="horz" wrap="square" lIns="91440" tIns="45720" rIns="91440" bIns="45720" numCol="1" rtlCol="0" anchor="t" anchorCtr="0" compatLnSpc="1">
+            <a:prstTxWarp prst="textNoShape">
+              <a:avLst/>
+            </a:prstTxWarp>
+          </a:bodyPr>
+          <a:lstStyle/>
+          <a:p>
+            <a:pPr marL="0" marR="0" indent="0" algn="l" defTabSz="914400" rtl="0" eaLnBrk="1" fontAlgn="base" latinLnBrk="0" hangingPunct="1">
+              <a:lnSpc>
+                <a:spcPct val="100000"/>
+              </a:lnSpc>
+              <a:spcBef>
+                <a:spcPct val="0"/>
+              </a:spcBef>
+              <a:spcAft>
+                <a:spcPct val="0"/>
+              </a:spcAft>
+              <a:buClrTx/>
+              <a:buSzTx/>
+              <a:buFontTx/>
+              <a:buNone/>
+              <a:tabLst/>
+            </a:pPr>
+            <a:endParaRPr kumimoji="0" lang="en-US" sz="1800" b="1" i="0" u="none" strike="noStrike" cap="none" normalizeH="0" baseline="0">
+              <a:ln>
+                <a:noFill/>
+              </a:ln>
+              <a:solidFill>
+                <a:schemeClr val="tx1"/>
+              </a:solidFill>
+              <a:effectLst/>
+              <a:latin typeface="Arial" pitchFamily="-112" charset="0"/>
+              <a:ea typeface="Arial" pitchFamily="-112" charset="0"/>
+              <a:cs typeface="Arial" pitchFamily="-112" charset="0"/>
             </a:endParaRPr>
           </a:p>
         </p:txBody>
@@ -24476,14 +24476,14 @@
           </a:ln>
           <a:extLst>
             <a:ext uri="{909E8E84-426E-40dd-AFC4-6F175D3DCCD1}">
-              <a14:hiddenFill xmlns="" xmlns:a14="http://schemas.microsoft.com/office/drawing/2010/main">
+              <a14:hiddenFill xmlns:a14="http://schemas.microsoft.com/office/drawing/2010/main" xmlns="">
                 <a:solidFill>
                   <a:srgbClr val="FFFFFF"/>
                 </a:solidFill>
               </a14:hiddenFill>
             </a:ext>
             <a:ext uri="{91240B29-F687-4f45-9708-019B960494DF}">
-              <a14:hiddenLine xmlns="" xmlns:a14="http://schemas.microsoft.com/office/drawing/2010/main" w="9525">
+              <a14:hiddenLine xmlns:a14="http://schemas.microsoft.com/office/drawing/2010/main" xmlns="" w="9525">
                 <a:solidFill>
                   <a:srgbClr val="000000"/>
                 </a:solidFill>
@@ -24493,7 +24493,7 @@
               </a14:hiddenLine>
             </a:ext>
             <a:ext uri="{FAA26D3D-D897-4be2-8F04-BA451C77F1D7}">
-              <ma14:placeholderFlag xmlns="" xmlns:ma14="http://schemas.microsoft.com/office/mac/drawingml/2011/main" val="1"/>
+              <ma14:placeholderFlag xmlns:ma14="http://schemas.microsoft.com/office/mac/drawingml/2011/main" xmlns="" val="1"/>
             </a:ext>
           </a:extLst>
         </p:spPr>
@@ -24758,14 +24758,14 @@
           </a:ln>
           <a:extLst>
             <a:ext uri="{909E8E84-426E-40dd-AFC4-6F175D3DCCD1}">
-              <a14:hiddenFill xmlns="" xmlns:a14="http://schemas.microsoft.com/office/drawing/2010/main">
+              <a14:hiddenFill xmlns:a14="http://schemas.microsoft.com/office/drawing/2010/main" xmlns="">
                 <a:solidFill>
                   <a:srgbClr val="FFFFFF"/>
                 </a:solidFill>
               </a14:hiddenFill>
             </a:ext>
             <a:ext uri="{91240B29-F687-4f45-9708-019B960494DF}">
-              <a14:hiddenLine xmlns="" xmlns:a14="http://schemas.microsoft.com/office/drawing/2010/main" w="9525">
+              <a14:hiddenLine xmlns:a14="http://schemas.microsoft.com/office/drawing/2010/main" xmlns="" w="9525">
                 <a:solidFill>
                   <a:srgbClr val="000000"/>
                 </a:solidFill>
@@ -24775,7 +24775,7 @@
               </a14:hiddenLine>
             </a:ext>
             <a:ext uri="{FAA26D3D-D897-4be2-8F04-BA451C77F1D7}">
-              <ma14:placeholderFlag xmlns="" xmlns:ma14="http://schemas.microsoft.com/office/mac/drawingml/2011/main" val="1"/>
+              <ma14:placeholderFlag xmlns:ma14="http://schemas.microsoft.com/office/mac/drawingml/2011/main" xmlns="" val="1"/>
             </a:ext>
           </a:extLst>
         </p:spPr>
@@ -25192,14 +25192,14 @@
           </a:ln>
           <a:extLst>
             <a:ext uri="{909E8E84-426E-40dd-AFC4-6F175D3DCCD1}">
-              <a14:hiddenFill xmlns="" xmlns:a14="http://schemas.microsoft.com/office/drawing/2010/main">
+              <a14:hiddenFill xmlns:a14="http://schemas.microsoft.com/office/drawing/2010/main" xmlns="">
                 <a:solidFill>
                   <a:srgbClr val="FFFFFF"/>
                 </a:solidFill>
               </a14:hiddenFill>
             </a:ext>
             <a:ext uri="{91240B29-F687-4f45-9708-019B960494DF}">
-              <a14:hiddenLine xmlns="" xmlns:a14="http://schemas.microsoft.com/office/drawing/2010/main" w="9525">
+              <a14:hiddenLine xmlns:a14="http://schemas.microsoft.com/office/drawing/2010/main" xmlns="" w="9525">
                 <a:solidFill>
                   <a:srgbClr val="000000"/>
                 </a:solidFill>
@@ -25209,7 +25209,7 @@
               </a14:hiddenLine>
             </a:ext>
             <a:ext uri="{FAA26D3D-D897-4be2-8F04-BA451C77F1D7}">
-              <ma14:placeholderFlag xmlns="" xmlns:ma14="http://schemas.microsoft.com/office/mac/drawingml/2011/main" val="1"/>
+              <ma14:placeholderFlag xmlns:ma14="http://schemas.microsoft.com/office/mac/drawingml/2011/main" xmlns="" val="1"/>
             </a:ext>
           </a:extLst>
         </p:spPr>
@@ -30671,7 +30671,7 @@
           </a:ln>
           <a:extLst>
             <a:ext uri="{91240B29-F687-4f45-9708-019B960494DF}">
-              <a14:hiddenLine xmlns="" xmlns:a14="http://schemas.microsoft.com/office/drawing/2010/main" w="9525">
+              <a14:hiddenLine xmlns:a14="http://schemas.microsoft.com/office/drawing/2010/main" xmlns="" w="9525">
                 <a:solidFill>
                   <a:srgbClr val="000000"/>
                 </a:solidFill>
@@ -31581,14 +31581,14 @@
           </a:ln>
           <a:extLst>
             <a:ext uri="{909E8E84-426E-40dd-AFC4-6F175D3DCCD1}">
-              <a14:hiddenFill xmlns="" xmlns:a14="http://schemas.microsoft.com/office/drawing/2010/main">
+              <a14:hiddenFill xmlns:a14="http://schemas.microsoft.com/office/drawing/2010/main" xmlns="">
                 <a:solidFill>
                   <a:srgbClr val="FFFFFF"/>
                 </a:solidFill>
               </a14:hiddenFill>
             </a:ext>
             <a:ext uri="{91240B29-F687-4f45-9708-019B960494DF}">
-              <a14:hiddenLine xmlns="" xmlns:a14="http://schemas.microsoft.com/office/drawing/2010/main" w="9525">
+              <a14:hiddenLine xmlns:a14="http://schemas.microsoft.com/office/drawing/2010/main" xmlns="" w="9525">
                 <a:solidFill>
                   <a:srgbClr val="000000"/>
                 </a:solidFill>
@@ -31598,7 +31598,7 @@
               </a14:hiddenLine>
             </a:ext>
             <a:ext uri="{FAA26D3D-D897-4be2-8F04-BA451C77F1D7}">
-              <ma14:placeholderFlag xmlns="" xmlns:ma14="http://schemas.microsoft.com/office/mac/drawingml/2011/main" val="1"/>
+              <ma14:placeholderFlag xmlns:ma14="http://schemas.microsoft.com/office/mac/drawingml/2011/main" xmlns="" val="1"/>
             </a:ext>
           </a:extLst>
         </p:spPr>
@@ -33883,7 +33883,7 @@
           </a:ln>
           <a:extLst>
             <a:ext uri="{91240B29-F687-4f45-9708-019B960494DF}">
-              <a14:hiddenLine xmlns="" xmlns:a14="http://schemas.microsoft.com/office/drawing/2010/main" w="9525">
+              <a14:hiddenLine xmlns:a14="http://schemas.microsoft.com/office/drawing/2010/main" xmlns="" w="9525">
                 <a:solidFill>
                   <a:srgbClr val="000000"/>
                 </a:solidFill>
@@ -34305,14 +34305,14 @@
           </a:ln>
           <a:extLst>
             <a:ext uri="{909E8E84-426E-40dd-AFC4-6F175D3DCCD1}">
-              <a14:hiddenFill xmlns="" xmlns:a14="http://schemas.microsoft.com/office/drawing/2010/main">
+              <a14:hiddenFill xmlns:a14="http://schemas.microsoft.com/office/drawing/2010/main" xmlns="">
                 <a:solidFill>
                   <a:srgbClr val="FFFFFF"/>
                 </a:solidFill>
               </a14:hiddenFill>
             </a:ext>
             <a:ext uri="{91240B29-F687-4f45-9708-019B960494DF}">
-              <a14:hiddenLine xmlns="" xmlns:a14="http://schemas.microsoft.com/office/drawing/2010/main" w="9525">
+              <a14:hiddenLine xmlns:a14="http://schemas.microsoft.com/office/drawing/2010/main" xmlns="" w="9525">
                 <a:solidFill>
                   <a:srgbClr val="000000"/>
                 </a:solidFill>
@@ -34322,7 +34322,7 @@
               </a14:hiddenLine>
             </a:ext>
             <a:ext uri="{FAA26D3D-D897-4be2-8F04-BA451C77F1D7}">
-              <ma14:placeholderFlag xmlns="" xmlns:ma14="http://schemas.microsoft.com/office/mac/drawingml/2011/main" val="1"/>
+              <ma14:placeholderFlag xmlns:ma14="http://schemas.microsoft.com/office/mac/drawingml/2011/main" xmlns="" val="1"/>
             </a:ext>
           </a:extLst>
         </p:spPr>
@@ -34551,14 +34551,14 @@
           </a:ln>
           <a:extLst>
             <a:ext uri="{909E8E84-426E-40dd-AFC4-6F175D3DCCD1}">
-              <a14:hiddenFill xmlns="" xmlns:a14="http://schemas.microsoft.com/office/drawing/2010/main">
+              <a14:hiddenFill xmlns:a14="http://schemas.microsoft.com/office/drawing/2010/main" xmlns="">
                 <a:solidFill>
                   <a:srgbClr val="FFFFFF"/>
                 </a:solidFill>
               </a14:hiddenFill>
             </a:ext>
             <a:ext uri="{91240B29-F687-4f45-9708-019B960494DF}">
-              <a14:hiddenLine xmlns="" xmlns:a14="http://schemas.microsoft.com/office/drawing/2010/main" w="9525">
+              <a14:hiddenLine xmlns:a14="http://schemas.microsoft.com/office/drawing/2010/main" xmlns="" w="9525">
                 <a:solidFill>
                   <a:srgbClr val="000000"/>
                 </a:solidFill>
@@ -34568,7 +34568,7 @@
               </a14:hiddenLine>
             </a:ext>
             <a:ext uri="{FAA26D3D-D897-4be2-8F04-BA451C77F1D7}">
-              <ma14:placeholderFlag xmlns="" xmlns:ma14="http://schemas.microsoft.com/office/mac/drawingml/2011/main" val="1"/>
+              <ma14:placeholderFlag xmlns:ma14="http://schemas.microsoft.com/office/mac/drawingml/2011/main" xmlns="" val="1"/>
             </a:ext>
           </a:extLst>
         </p:spPr>
@@ -39708,14 +39708,14 @@
           </a:ln>
           <a:extLst>
             <a:ext uri="{909E8E84-426E-40dd-AFC4-6F175D3DCCD1}">
-              <a14:hiddenFill xmlns="" xmlns:a14="http://schemas.microsoft.com/office/drawing/2010/main">
+              <a14:hiddenFill xmlns:a14="http://schemas.microsoft.com/office/drawing/2010/main" xmlns="">
                 <a:solidFill>
                   <a:srgbClr val="FFFFFF"/>
                 </a:solidFill>
               </a14:hiddenFill>
             </a:ext>
             <a:ext uri="{91240B29-F687-4f45-9708-019B960494DF}">
-              <a14:hiddenLine xmlns="" xmlns:a14="http://schemas.microsoft.com/office/drawing/2010/main" w="9525">
+              <a14:hiddenLine xmlns:a14="http://schemas.microsoft.com/office/drawing/2010/main" xmlns="" w="9525">
                 <a:solidFill>
                   <a:srgbClr val="000000"/>
                 </a:solidFill>
@@ -39725,7 +39725,7 @@
               </a14:hiddenLine>
             </a:ext>
             <a:ext uri="{FAA26D3D-D897-4be2-8F04-BA451C77F1D7}">
-              <ma14:placeholderFlag xmlns="" xmlns:ma14="http://schemas.microsoft.com/office/mac/drawingml/2011/main" val="1"/>
+              <ma14:placeholderFlag xmlns:ma14="http://schemas.microsoft.com/office/mac/drawingml/2011/main" xmlns="" val="1"/>
             </a:ext>
           </a:extLst>
         </p:spPr>
@@ -40163,7 +40163,7 @@
             </a:ln>
             <a:extLst>
               <a:ext uri="{91240B29-F687-4f45-9708-019B960494DF}">
-                <a14:hiddenLine xmlns="" xmlns:a14="http://schemas.microsoft.com/office/drawing/2010/main" w="9525">
+                <a14:hiddenLine xmlns:a14="http://schemas.microsoft.com/office/drawing/2010/main" xmlns="" w="9525">
                   <a:solidFill>
                     <a:srgbClr val="000000"/>
                   </a:solidFill>
@@ -40214,14 +40214,14 @@
             </a:ln>
             <a:extLst>
               <a:ext uri="{909E8E84-426E-40dd-AFC4-6F175D3DCCD1}">
-                <a14:hiddenFill xmlns="" xmlns:a14="http://schemas.microsoft.com/office/drawing/2010/main">
+                <a14:hiddenFill xmlns:a14="http://schemas.microsoft.com/office/drawing/2010/main" xmlns="">
                   <a:solidFill>
                     <a:srgbClr val="FFFFFF"/>
                   </a:solidFill>
                 </a14:hiddenFill>
               </a:ext>
               <a:ext uri="{91240B29-F687-4f45-9708-019B960494DF}">
-                <a14:hiddenLine xmlns="" xmlns:a14="http://schemas.microsoft.com/office/drawing/2010/main" w="9525">
+                <a14:hiddenLine xmlns:a14="http://schemas.microsoft.com/office/drawing/2010/main" xmlns="" w="9525">
                   <a:solidFill>
                     <a:srgbClr val="000000"/>
                   </a:solidFill>
@@ -40517,14 +40517,14 @@
           </a:ln>
           <a:extLst>
             <a:ext uri="{909E8E84-426E-40dd-AFC4-6F175D3DCCD1}">
-              <a14:hiddenFill xmlns="" xmlns:a14="http://schemas.microsoft.com/office/drawing/2010/main">
+              <a14:hiddenFill xmlns:a14="http://schemas.microsoft.com/office/drawing/2010/main" xmlns="">
                 <a:solidFill>
                   <a:srgbClr val="FFFFFF"/>
                 </a:solidFill>
               </a14:hiddenFill>
             </a:ext>
             <a:ext uri="{91240B29-F687-4f45-9708-019B960494DF}">
-              <a14:hiddenLine xmlns="" xmlns:a14="http://schemas.microsoft.com/office/drawing/2010/main" w="9525">
+              <a14:hiddenLine xmlns:a14="http://schemas.microsoft.com/office/drawing/2010/main" xmlns="" w="9525">
                 <a:solidFill>
                   <a:srgbClr val="000000"/>
                 </a:solidFill>
@@ -40534,7 +40534,7 @@
               </a14:hiddenLine>
             </a:ext>
             <a:ext uri="{FAA26D3D-D897-4be2-8F04-BA451C77F1D7}">
-              <ma14:placeholderFlag xmlns="" xmlns:ma14="http://schemas.microsoft.com/office/mac/drawingml/2011/main" val="1"/>
+              <ma14:placeholderFlag xmlns:ma14="http://schemas.microsoft.com/office/mac/drawingml/2011/main" xmlns="" val="1"/>
             </a:ext>
           </a:extLst>
         </p:spPr>
@@ -40757,14 +40757,14 @@
             </a:ln>
             <a:extLst>
               <a:ext uri="{909E8E84-426E-40dd-AFC4-6F175D3DCCD1}">
-                <a14:hiddenFill xmlns="" xmlns:a14="http://schemas.microsoft.com/office/drawing/2010/main">
+                <a14:hiddenFill xmlns:a14="http://schemas.microsoft.com/office/drawing/2010/main" xmlns="">
                   <a:solidFill>
                     <a:srgbClr val="FFFFFF"/>
                   </a:solidFill>
                 </a14:hiddenFill>
               </a:ext>
               <a:ext uri="{91240B29-F687-4f45-9708-019B960494DF}">
-                <a14:hiddenLine xmlns="" xmlns:a14="http://schemas.microsoft.com/office/drawing/2010/main" w="9525">
+                <a14:hiddenLine xmlns:a14="http://schemas.microsoft.com/office/drawing/2010/main" xmlns="" w="9525">
                   <a:solidFill>
                     <a:srgbClr val="000000"/>
                   </a:solidFill>
@@ -40774,7 +40774,7 @@
                 </a14:hiddenLine>
               </a:ext>
               <a:ext uri="{FAA26D3D-D897-4be2-8F04-BA451C77F1D7}">
-                <ma14:placeholderFlag xmlns="" xmlns:ma14="http://schemas.microsoft.com/office/mac/drawingml/2011/main" val="1"/>
+                <ma14:placeholderFlag xmlns:ma14="http://schemas.microsoft.com/office/mac/drawingml/2011/main" xmlns="" val="1"/>
               </a:ext>
             </a:extLst>
           </p:spPr>
@@ -41008,14 +41008,14 @@
           </a:ln>
           <a:extLst>
             <a:ext uri="{909E8E84-426E-40dd-AFC4-6F175D3DCCD1}">
-              <a14:hiddenFill xmlns="" xmlns:a14="http://schemas.microsoft.com/office/drawing/2010/main">
+              <a14:hiddenFill xmlns:a14="http://schemas.microsoft.com/office/drawing/2010/main" xmlns="">
                 <a:solidFill>
                   <a:srgbClr val="FFFFFF"/>
                 </a:solidFill>
               </a14:hiddenFill>
             </a:ext>
             <a:ext uri="{91240B29-F687-4f45-9708-019B960494DF}">
-              <a14:hiddenLine xmlns="" xmlns:a14="http://schemas.microsoft.com/office/drawing/2010/main" w="9525">
+              <a14:hiddenLine xmlns:a14="http://schemas.microsoft.com/office/drawing/2010/main" xmlns="" w="9525">
                 <a:solidFill>
                   <a:srgbClr val="000000"/>
                 </a:solidFill>
@@ -41025,7 +41025,7 @@
               </a14:hiddenLine>
             </a:ext>
             <a:ext uri="{FAA26D3D-D897-4be2-8F04-BA451C77F1D7}">
-              <ma14:placeholderFlag xmlns="" xmlns:ma14="http://schemas.microsoft.com/office/mac/drawingml/2011/main" val="1"/>
+              <ma14:placeholderFlag xmlns:ma14="http://schemas.microsoft.com/office/mac/drawingml/2011/main" xmlns="" val="1"/>
             </a:ext>
           </a:extLst>
         </p:spPr>
